--- a/documentation/ppt/Präsentation.pptx
+++ b/documentation/ppt/Präsentation.pptx
@@ -16,7 +16,7 @@
     <p:sldId id="259" r:id="rId7"/>
     <p:sldId id="883" r:id="rId8"/>
     <p:sldId id="877" r:id="rId9"/>
-    <p:sldId id="898" r:id="rId10"/>
+    <p:sldId id="942" r:id="rId10"/>
     <p:sldId id="919" r:id="rId11"/>
     <p:sldId id="260" r:id="rId12"/>
     <p:sldId id="862" r:id="rId13"/>
@@ -7483,45 +7483,6 @@
       </p:sp>
       <p:sp>
         <p:nvSpPr>
-          <p:cNvPr id="9" name="Textfeld 8">
-            <a:extLst>
-              <a:ext uri="{FF2B5EF4-FFF2-40B4-BE49-F238E27FC236}">
-                <a16:creationId xmlns:a16="http://schemas.microsoft.com/office/drawing/2014/main" id="{9384E611-4063-43BC-B19B-9DDAB886DBCE}"/>
-              </a:ext>
-            </a:extLst>
-          </p:cNvPr>
-          <p:cNvSpPr txBox="1"/>
-          <p:nvPr/>
-        </p:nvSpPr>
-        <p:spPr>
-          <a:xfrm>
-            <a:off x="9272180" y="658682"/>
-            <a:ext cx="2585388" cy="400110"/>
-          </a:xfrm>
-          <a:prstGeom prst="rect">
-            <a:avLst/>
-          </a:prstGeom>
-          <a:noFill/>
-        </p:spPr>
-        <p:txBody>
-          <a:bodyPr wrap="none" rtlCol="0">
-            <a:spAutoFit/>
-          </a:bodyPr>
-          <a:lstStyle/>
-          <a:p>
-            <a:r>
-              <a:rPr lang="de-DE" sz="2000" dirty="0">
-                <a:solidFill>
-                  <a:srgbClr val="006C30"/>
-                </a:solidFill>
-              </a:rPr>
-              <a:t>Statistisches Praktikum</a:t>
-            </a:r>
-          </a:p>
-        </p:txBody>
-      </p:sp>
-      <p:sp>
-        <p:nvSpPr>
           <p:cNvPr id="12" name="Textplatzhalter 4">
             <a:extLst>
               <a:ext uri="{FF2B5EF4-FFF2-40B4-BE49-F238E27FC236}">
@@ -8264,6 +8225,90 @@
               <a:t>Auszug aus dem Reanalyse Datensatz</a:t>
             </a:r>
             <a:endParaRPr lang="en-US" sz="4000" b="0" strike="noStrike" spc="-1" dirty="0">
+              <a:latin typeface="Arial"/>
+            </a:endParaRPr>
+          </a:p>
+        </p:txBody>
+      </p:sp>
+      <p:sp>
+        <p:nvSpPr>
+          <p:cNvPr id="15" name="CustomShape 5">
+            <a:extLst>
+              <a:ext uri="{FF2B5EF4-FFF2-40B4-BE49-F238E27FC236}">
+                <a16:creationId xmlns:a16="http://schemas.microsoft.com/office/drawing/2014/main" id="{88D683D5-0955-458C-A776-E5DBEF4B90DB}"/>
+              </a:ext>
+            </a:extLst>
+          </p:cNvPr>
+          <p:cNvSpPr/>
+          <p:nvPr/>
+        </p:nvSpPr>
+        <p:spPr>
+          <a:xfrm>
+            <a:off x="9372600" y="280800"/>
+            <a:ext cx="1872360" cy="699480"/>
+          </a:xfrm>
+          <a:prstGeom prst="rect">
+            <a:avLst/>
+          </a:prstGeom>
+          <a:noFill/>
+          <a:ln w="0">
+            <a:noFill/>
+          </a:ln>
+        </p:spPr>
+        <p:style>
+          <a:lnRef idx="0">
+            <a:scrgbClr r="0" g="0" b="0"/>
+          </a:lnRef>
+          <a:fillRef idx="0">
+            <a:scrgbClr r="0" g="0" b="0"/>
+          </a:fillRef>
+          <a:effectRef idx="0">
+            <a:scrgbClr r="0" g="0" b="0"/>
+          </a:effectRef>
+          <a:fontRef idx="minor"/>
+        </p:style>
+        <p:txBody>
+          <a:bodyPr wrap="none" lIns="90000" tIns="45000" rIns="90000" bIns="45000">
+            <a:spAutoFit/>
+          </a:bodyPr>
+          <a:lstStyle/>
+          <a:p>
+            <a:pPr>
+              <a:lnSpc>
+                <a:spcPct val="100000"/>
+              </a:lnSpc>
+            </a:pPr>
+            <a:r>
+              <a:rPr lang="de-DE" sz="2000" b="0" strike="noStrike" spc="-1" dirty="0">
+                <a:solidFill>
+                  <a:srgbClr val="006C30"/>
+                </a:solidFill>
+                <a:latin typeface="LMU CompatilFact"/>
+                <a:ea typeface="DejaVu Sans"/>
+              </a:rPr>
+              <a:t>Statistisches </a:t>
+            </a:r>
+            <a:endParaRPr lang="en-US" sz="2000" b="0" strike="noStrike" spc="-1" dirty="0">
+              <a:latin typeface="Arial"/>
+            </a:endParaRPr>
+          </a:p>
+          <a:p>
+            <a:pPr>
+              <a:lnSpc>
+                <a:spcPct val="100000"/>
+              </a:lnSpc>
+            </a:pPr>
+            <a:r>
+              <a:rPr lang="de-DE" sz="2000" b="0" strike="noStrike" spc="-1" dirty="0">
+                <a:solidFill>
+                  <a:srgbClr val="006C30"/>
+                </a:solidFill>
+                <a:latin typeface="LMU CompatilFact"/>
+                <a:ea typeface="DejaVu Sans"/>
+              </a:rPr>
+              <a:t>Praktikum</a:t>
+            </a:r>
+            <a:endParaRPr lang="en-US" sz="2000" b="0" strike="noStrike" spc="-1" dirty="0">
               <a:latin typeface="Arial"/>
             </a:endParaRPr>
           </a:p>
@@ -8428,45 +8473,6 @@
       </p:sp>
       <p:sp>
         <p:nvSpPr>
-          <p:cNvPr id="9" name="Textfeld 8">
-            <a:extLst>
-              <a:ext uri="{FF2B5EF4-FFF2-40B4-BE49-F238E27FC236}">
-                <a16:creationId xmlns:a16="http://schemas.microsoft.com/office/drawing/2014/main" id="{9384E611-4063-43BC-B19B-9DDAB886DBCE}"/>
-              </a:ext>
-            </a:extLst>
-          </p:cNvPr>
-          <p:cNvSpPr txBox="1"/>
-          <p:nvPr/>
-        </p:nvSpPr>
-        <p:spPr>
-          <a:xfrm>
-            <a:off x="9272180" y="658682"/>
-            <a:ext cx="2585388" cy="400110"/>
-          </a:xfrm>
-          <a:prstGeom prst="rect">
-            <a:avLst/>
-          </a:prstGeom>
-          <a:noFill/>
-        </p:spPr>
-        <p:txBody>
-          <a:bodyPr wrap="none" rtlCol="0">
-            <a:spAutoFit/>
-          </a:bodyPr>
-          <a:lstStyle/>
-          <a:p>
-            <a:r>
-              <a:rPr lang="de-DE" sz="2000" dirty="0">
-                <a:solidFill>
-                  <a:srgbClr val="006C30"/>
-                </a:solidFill>
-              </a:rPr>
-              <a:t>Statistisches Praktikum</a:t>
-            </a:r>
-          </a:p>
-        </p:txBody>
-      </p:sp>
-      <p:sp>
-        <p:nvSpPr>
           <p:cNvPr id="12" name="Textplatzhalter 4">
             <a:extLst>
               <a:ext uri="{FF2B5EF4-FFF2-40B4-BE49-F238E27FC236}">
@@ -9269,6 +9275,90 @@
           <a:p>
             <a:pPr algn="ctr"/>
             <a:endParaRPr lang="de-DE"/>
+          </a:p>
+        </p:txBody>
+      </p:sp>
+      <p:sp>
+        <p:nvSpPr>
+          <p:cNvPr id="18" name="CustomShape 5">
+            <a:extLst>
+              <a:ext uri="{FF2B5EF4-FFF2-40B4-BE49-F238E27FC236}">
+                <a16:creationId xmlns:a16="http://schemas.microsoft.com/office/drawing/2014/main" id="{B423E943-5390-4EB2-A4D8-E4CEBC8DB970}"/>
+              </a:ext>
+            </a:extLst>
+          </p:cNvPr>
+          <p:cNvSpPr/>
+          <p:nvPr/>
+        </p:nvSpPr>
+        <p:spPr>
+          <a:xfrm>
+            <a:off x="9372600" y="280800"/>
+            <a:ext cx="1872360" cy="699480"/>
+          </a:xfrm>
+          <a:prstGeom prst="rect">
+            <a:avLst/>
+          </a:prstGeom>
+          <a:noFill/>
+          <a:ln w="0">
+            <a:noFill/>
+          </a:ln>
+        </p:spPr>
+        <p:style>
+          <a:lnRef idx="0">
+            <a:scrgbClr r="0" g="0" b="0"/>
+          </a:lnRef>
+          <a:fillRef idx="0">
+            <a:scrgbClr r="0" g="0" b="0"/>
+          </a:fillRef>
+          <a:effectRef idx="0">
+            <a:scrgbClr r="0" g="0" b="0"/>
+          </a:effectRef>
+          <a:fontRef idx="minor"/>
+        </p:style>
+        <p:txBody>
+          <a:bodyPr wrap="none" lIns="90000" tIns="45000" rIns="90000" bIns="45000">
+            <a:spAutoFit/>
+          </a:bodyPr>
+          <a:lstStyle/>
+          <a:p>
+            <a:pPr>
+              <a:lnSpc>
+                <a:spcPct val="100000"/>
+              </a:lnSpc>
+            </a:pPr>
+            <a:r>
+              <a:rPr lang="de-DE" sz="2000" b="0" strike="noStrike" spc="-1" dirty="0">
+                <a:solidFill>
+                  <a:srgbClr val="006C30"/>
+                </a:solidFill>
+                <a:latin typeface="LMU CompatilFact"/>
+                <a:ea typeface="DejaVu Sans"/>
+              </a:rPr>
+              <a:t>Statistisches </a:t>
+            </a:r>
+            <a:endParaRPr lang="en-US" sz="2000" b="0" strike="noStrike" spc="-1" dirty="0">
+              <a:latin typeface="Arial"/>
+            </a:endParaRPr>
+          </a:p>
+          <a:p>
+            <a:pPr>
+              <a:lnSpc>
+                <a:spcPct val="100000"/>
+              </a:lnSpc>
+            </a:pPr>
+            <a:r>
+              <a:rPr lang="de-DE" sz="2000" b="0" strike="noStrike" spc="-1" dirty="0">
+                <a:solidFill>
+                  <a:srgbClr val="006C30"/>
+                </a:solidFill>
+                <a:latin typeface="LMU CompatilFact"/>
+                <a:ea typeface="DejaVu Sans"/>
+              </a:rPr>
+              <a:t>Praktikum</a:t>
+            </a:r>
+            <a:endParaRPr lang="en-US" sz="2000" b="0" strike="noStrike" spc="-1" dirty="0">
+              <a:latin typeface="Arial"/>
+            </a:endParaRPr>
           </a:p>
         </p:txBody>
       </p:sp>
@@ -9431,45 +9521,6 @@
       </p:sp>
       <p:sp>
         <p:nvSpPr>
-          <p:cNvPr id="9" name="Textfeld 8">
-            <a:extLst>
-              <a:ext uri="{FF2B5EF4-FFF2-40B4-BE49-F238E27FC236}">
-                <a16:creationId xmlns:a16="http://schemas.microsoft.com/office/drawing/2014/main" id="{9384E611-4063-43BC-B19B-9DDAB886DBCE}"/>
-              </a:ext>
-            </a:extLst>
-          </p:cNvPr>
-          <p:cNvSpPr txBox="1"/>
-          <p:nvPr/>
-        </p:nvSpPr>
-        <p:spPr>
-          <a:xfrm>
-            <a:off x="9272180" y="658682"/>
-            <a:ext cx="2585388" cy="400110"/>
-          </a:xfrm>
-          <a:prstGeom prst="rect">
-            <a:avLst/>
-          </a:prstGeom>
-          <a:noFill/>
-        </p:spPr>
-        <p:txBody>
-          <a:bodyPr wrap="none" rtlCol="0">
-            <a:spAutoFit/>
-          </a:bodyPr>
-          <a:lstStyle/>
-          <a:p>
-            <a:r>
-              <a:rPr lang="de-DE" sz="2000" dirty="0">
-                <a:solidFill>
-                  <a:srgbClr val="006C30"/>
-                </a:solidFill>
-              </a:rPr>
-              <a:t>Statistisches Praktikum</a:t>
-            </a:r>
-          </a:p>
-        </p:txBody>
-      </p:sp>
-      <p:sp>
-        <p:nvSpPr>
           <p:cNvPr id="12" name="Textplatzhalter 4">
             <a:extLst>
               <a:ext uri="{FF2B5EF4-FFF2-40B4-BE49-F238E27FC236}">
@@ -10235,6 +10286,90 @@
               <a:buSzPct val="75000"/>
             </a:pPr>
             <a:endParaRPr lang="en-US" sz="2000" spc="-1" dirty="0">
+              <a:latin typeface="Arial"/>
+            </a:endParaRPr>
+          </a:p>
+        </p:txBody>
+      </p:sp>
+      <p:sp>
+        <p:nvSpPr>
+          <p:cNvPr id="11" name="CustomShape 5">
+            <a:extLst>
+              <a:ext uri="{FF2B5EF4-FFF2-40B4-BE49-F238E27FC236}">
+                <a16:creationId xmlns:a16="http://schemas.microsoft.com/office/drawing/2014/main" id="{F2416F2B-3B6D-4A60-A056-5AE42B525AF9}"/>
+              </a:ext>
+            </a:extLst>
+          </p:cNvPr>
+          <p:cNvSpPr/>
+          <p:nvPr/>
+        </p:nvSpPr>
+        <p:spPr>
+          <a:xfrm>
+            <a:off x="9372600" y="280800"/>
+            <a:ext cx="1872360" cy="699480"/>
+          </a:xfrm>
+          <a:prstGeom prst="rect">
+            <a:avLst/>
+          </a:prstGeom>
+          <a:noFill/>
+          <a:ln w="0">
+            <a:noFill/>
+          </a:ln>
+        </p:spPr>
+        <p:style>
+          <a:lnRef idx="0">
+            <a:scrgbClr r="0" g="0" b="0"/>
+          </a:lnRef>
+          <a:fillRef idx="0">
+            <a:scrgbClr r="0" g="0" b="0"/>
+          </a:fillRef>
+          <a:effectRef idx="0">
+            <a:scrgbClr r="0" g="0" b="0"/>
+          </a:effectRef>
+          <a:fontRef idx="minor"/>
+        </p:style>
+        <p:txBody>
+          <a:bodyPr wrap="none" lIns="90000" tIns="45000" rIns="90000" bIns="45000">
+            <a:spAutoFit/>
+          </a:bodyPr>
+          <a:lstStyle/>
+          <a:p>
+            <a:pPr>
+              <a:lnSpc>
+                <a:spcPct val="100000"/>
+              </a:lnSpc>
+            </a:pPr>
+            <a:r>
+              <a:rPr lang="de-DE" sz="2000" b="0" strike="noStrike" spc="-1" dirty="0">
+                <a:solidFill>
+                  <a:srgbClr val="006C30"/>
+                </a:solidFill>
+                <a:latin typeface="LMU CompatilFact"/>
+                <a:ea typeface="DejaVu Sans"/>
+              </a:rPr>
+              <a:t>Statistisches </a:t>
+            </a:r>
+            <a:endParaRPr lang="en-US" sz="2000" b="0" strike="noStrike" spc="-1" dirty="0">
+              <a:latin typeface="Arial"/>
+            </a:endParaRPr>
+          </a:p>
+          <a:p>
+            <a:pPr>
+              <a:lnSpc>
+                <a:spcPct val="100000"/>
+              </a:lnSpc>
+            </a:pPr>
+            <a:r>
+              <a:rPr lang="de-DE" sz="2000" b="0" strike="noStrike" spc="-1" dirty="0">
+                <a:solidFill>
+                  <a:srgbClr val="006C30"/>
+                </a:solidFill>
+                <a:latin typeface="LMU CompatilFact"/>
+                <a:ea typeface="DejaVu Sans"/>
+              </a:rPr>
+              <a:t>Praktikum</a:t>
+            </a:r>
+            <a:endParaRPr lang="en-US" sz="2000" b="0" strike="noStrike" spc="-1" dirty="0">
               <a:latin typeface="Arial"/>
             </a:endParaRPr>
           </a:p>
@@ -10399,45 +10534,6 @@
       </p:sp>
       <p:sp>
         <p:nvSpPr>
-          <p:cNvPr id="9" name="Textfeld 8">
-            <a:extLst>
-              <a:ext uri="{FF2B5EF4-FFF2-40B4-BE49-F238E27FC236}">
-                <a16:creationId xmlns:a16="http://schemas.microsoft.com/office/drawing/2014/main" id="{9384E611-4063-43BC-B19B-9DDAB886DBCE}"/>
-              </a:ext>
-            </a:extLst>
-          </p:cNvPr>
-          <p:cNvSpPr txBox="1"/>
-          <p:nvPr/>
-        </p:nvSpPr>
-        <p:spPr>
-          <a:xfrm>
-            <a:off x="9272180" y="658682"/>
-            <a:ext cx="2585388" cy="400110"/>
-          </a:xfrm>
-          <a:prstGeom prst="rect">
-            <a:avLst/>
-          </a:prstGeom>
-          <a:noFill/>
-        </p:spPr>
-        <p:txBody>
-          <a:bodyPr wrap="none" rtlCol="0">
-            <a:spAutoFit/>
-          </a:bodyPr>
-          <a:lstStyle/>
-          <a:p>
-            <a:r>
-              <a:rPr lang="de-DE" sz="2000" dirty="0">
-                <a:solidFill>
-                  <a:srgbClr val="006C30"/>
-                </a:solidFill>
-              </a:rPr>
-              <a:t>Statistisches Praktikum</a:t>
-            </a:r>
-          </a:p>
-        </p:txBody>
-      </p:sp>
-      <p:sp>
-        <p:nvSpPr>
           <p:cNvPr id="12" name="Textplatzhalter 4">
             <a:extLst>
               <a:ext uri="{FF2B5EF4-FFF2-40B4-BE49-F238E27FC236}">
@@ -11004,6 +11100,90 @@
               <a:t>PCA Visualisierung</a:t>
             </a:r>
             <a:endParaRPr lang="en-US" sz="4000" b="0" strike="noStrike" spc="-1" dirty="0">
+              <a:latin typeface="Arial"/>
+            </a:endParaRPr>
+          </a:p>
+        </p:txBody>
+      </p:sp>
+      <p:sp>
+        <p:nvSpPr>
+          <p:cNvPr id="10" name="CustomShape 5">
+            <a:extLst>
+              <a:ext uri="{FF2B5EF4-FFF2-40B4-BE49-F238E27FC236}">
+                <a16:creationId xmlns:a16="http://schemas.microsoft.com/office/drawing/2014/main" id="{5C0855DB-E4D2-4FA4-ABE1-25B00E4FA1BC}"/>
+              </a:ext>
+            </a:extLst>
+          </p:cNvPr>
+          <p:cNvSpPr/>
+          <p:nvPr/>
+        </p:nvSpPr>
+        <p:spPr>
+          <a:xfrm>
+            <a:off x="9372600" y="280800"/>
+            <a:ext cx="1872360" cy="699480"/>
+          </a:xfrm>
+          <a:prstGeom prst="rect">
+            <a:avLst/>
+          </a:prstGeom>
+          <a:noFill/>
+          <a:ln w="0">
+            <a:noFill/>
+          </a:ln>
+        </p:spPr>
+        <p:style>
+          <a:lnRef idx="0">
+            <a:scrgbClr r="0" g="0" b="0"/>
+          </a:lnRef>
+          <a:fillRef idx="0">
+            <a:scrgbClr r="0" g="0" b="0"/>
+          </a:fillRef>
+          <a:effectRef idx="0">
+            <a:scrgbClr r="0" g="0" b="0"/>
+          </a:effectRef>
+          <a:fontRef idx="minor"/>
+        </p:style>
+        <p:txBody>
+          <a:bodyPr wrap="none" lIns="90000" tIns="45000" rIns="90000" bIns="45000">
+            <a:spAutoFit/>
+          </a:bodyPr>
+          <a:lstStyle/>
+          <a:p>
+            <a:pPr>
+              <a:lnSpc>
+                <a:spcPct val="100000"/>
+              </a:lnSpc>
+            </a:pPr>
+            <a:r>
+              <a:rPr lang="de-DE" sz="2000" b="0" strike="noStrike" spc="-1" dirty="0">
+                <a:solidFill>
+                  <a:srgbClr val="006C30"/>
+                </a:solidFill>
+                <a:latin typeface="LMU CompatilFact"/>
+                <a:ea typeface="DejaVu Sans"/>
+              </a:rPr>
+              <a:t>Statistisches </a:t>
+            </a:r>
+            <a:endParaRPr lang="en-US" sz="2000" b="0" strike="noStrike" spc="-1" dirty="0">
+              <a:latin typeface="Arial"/>
+            </a:endParaRPr>
+          </a:p>
+          <a:p>
+            <a:pPr>
+              <a:lnSpc>
+                <a:spcPct val="100000"/>
+              </a:lnSpc>
+            </a:pPr>
+            <a:r>
+              <a:rPr lang="de-DE" sz="2000" b="0" strike="noStrike" spc="-1" dirty="0">
+                <a:solidFill>
+                  <a:srgbClr val="006C30"/>
+                </a:solidFill>
+                <a:latin typeface="LMU CompatilFact"/>
+                <a:ea typeface="DejaVu Sans"/>
+              </a:rPr>
+              <a:t>Praktikum</a:t>
+            </a:r>
+            <a:endParaRPr lang="en-US" sz="2000" b="0" strike="noStrike" spc="-1" dirty="0">
               <a:latin typeface="Arial"/>
             </a:endParaRPr>
           </a:p>
@@ -11168,45 +11348,6 @@
       </p:sp>
       <p:sp>
         <p:nvSpPr>
-          <p:cNvPr id="9" name="Textfeld 8">
-            <a:extLst>
-              <a:ext uri="{FF2B5EF4-FFF2-40B4-BE49-F238E27FC236}">
-                <a16:creationId xmlns:a16="http://schemas.microsoft.com/office/drawing/2014/main" id="{9384E611-4063-43BC-B19B-9DDAB886DBCE}"/>
-              </a:ext>
-            </a:extLst>
-          </p:cNvPr>
-          <p:cNvSpPr txBox="1"/>
-          <p:nvPr/>
-        </p:nvSpPr>
-        <p:spPr>
-          <a:xfrm>
-            <a:off x="9272180" y="658682"/>
-            <a:ext cx="2585388" cy="400110"/>
-          </a:xfrm>
-          <a:prstGeom prst="rect">
-            <a:avLst/>
-          </a:prstGeom>
-          <a:noFill/>
-        </p:spPr>
-        <p:txBody>
-          <a:bodyPr wrap="none" rtlCol="0">
-            <a:spAutoFit/>
-          </a:bodyPr>
-          <a:lstStyle/>
-          <a:p>
-            <a:r>
-              <a:rPr lang="de-DE" sz="2000" dirty="0">
-                <a:solidFill>
-                  <a:srgbClr val="006C30"/>
-                </a:solidFill>
-              </a:rPr>
-              <a:t>Statistisches Praktikum</a:t>
-            </a:r>
-          </a:p>
-        </p:txBody>
-      </p:sp>
-      <p:sp>
-        <p:nvSpPr>
           <p:cNvPr id="12" name="Textplatzhalter 4">
             <a:extLst>
               <a:ext uri="{FF2B5EF4-FFF2-40B4-BE49-F238E27FC236}">
@@ -11880,6 +12021,90 @@
               <a:t>Historischer GWL Datensatz</a:t>
             </a:r>
             <a:endParaRPr lang="en-US" sz="4000" b="0" strike="noStrike" spc="-1" dirty="0">
+              <a:latin typeface="Arial"/>
+            </a:endParaRPr>
+          </a:p>
+        </p:txBody>
+      </p:sp>
+      <p:sp>
+        <p:nvSpPr>
+          <p:cNvPr id="11" name="CustomShape 5">
+            <a:extLst>
+              <a:ext uri="{FF2B5EF4-FFF2-40B4-BE49-F238E27FC236}">
+                <a16:creationId xmlns:a16="http://schemas.microsoft.com/office/drawing/2014/main" id="{4B073128-967E-494B-9CC5-EEEF60E362C0}"/>
+              </a:ext>
+            </a:extLst>
+          </p:cNvPr>
+          <p:cNvSpPr/>
+          <p:nvPr/>
+        </p:nvSpPr>
+        <p:spPr>
+          <a:xfrm>
+            <a:off x="9372600" y="280800"/>
+            <a:ext cx="1872360" cy="699480"/>
+          </a:xfrm>
+          <a:prstGeom prst="rect">
+            <a:avLst/>
+          </a:prstGeom>
+          <a:noFill/>
+          <a:ln w="0">
+            <a:noFill/>
+          </a:ln>
+        </p:spPr>
+        <p:style>
+          <a:lnRef idx="0">
+            <a:scrgbClr r="0" g="0" b="0"/>
+          </a:lnRef>
+          <a:fillRef idx="0">
+            <a:scrgbClr r="0" g="0" b="0"/>
+          </a:fillRef>
+          <a:effectRef idx="0">
+            <a:scrgbClr r="0" g="0" b="0"/>
+          </a:effectRef>
+          <a:fontRef idx="minor"/>
+        </p:style>
+        <p:txBody>
+          <a:bodyPr wrap="none" lIns="90000" tIns="45000" rIns="90000" bIns="45000">
+            <a:spAutoFit/>
+          </a:bodyPr>
+          <a:lstStyle/>
+          <a:p>
+            <a:pPr>
+              <a:lnSpc>
+                <a:spcPct val="100000"/>
+              </a:lnSpc>
+            </a:pPr>
+            <a:r>
+              <a:rPr lang="de-DE" sz="2000" b="0" strike="noStrike" spc="-1" dirty="0">
+                <a:solidFill>
+                  <a:srgbClr val="006C30"/>
+                </a:solidFill>
+                <a:latin typeface="LMU CompatilFact"/>
+                <a:ea typeface="DejaVu Sans"/>
+              </a:rPr>
+              <a:t>Statistisches </a:t>
+            </a:r>
+            <a:endParaRPr lang="en-US" sz="2000" b="0" strike="noStrike" spc="-1" dirty="0">
+              <a:latin typeface="Arial"/>
+            </a:endParaRPr>
+          </a:p>
+          <a:p>
+            <a:pPr>
+              <a:lnSpc>
+                <a:spcPct val="100000"/>
+              </a:lnSpc>
+            </a:pPr>
+            <a:r>
+              <a:rPr lang="de-DE" sz="2000" b="0" strike="noStrike" spc="-1" dirty="0">
+                <a:solidFill>
+                  <a:srgbClr val="006C30"/>
+                </a:solidFill>
+                <a:latin typeface="LMU CompatilFact"/>
+                <a:ea typeface="DejaVu Sans"/>
+              </a:rPr>
+              <a:t>Praktikum</a:t>
+            </a:r>
+            <a:endParaRPr lang="en-US" sz="2000" b="0" strike="noStrike" spc="-1" dirty="0">
               <a:latin typeface="Arial"/>
             </a:endParaRPr>
           </a:p>
@@ -12169,7 +12394,7 @@
               </a:lnSpc>
             </a:pPr>
             <a:r>
-              <a:rPr lang="de-DE" sz="2000" b="0" strike="noStrike" spc="-1">
+              <a:rPr lang="de-DE" sz="2000" b="0" strike="noStrike" spc="-1" dirty="0">
                 <a:solidFill>
                   <a:srgbClr val="006C30"/>
                 </a:solidFill>
@@ -12178,7 +12403,7 @@
               </a:rPr>
               <a:t>Statistisches </a:t>
             </a:r>
-            <a:endParaRPr lang="en-US" sz="2000" b="0" strike="noStrike" spc="-1">
+            <a:endParaRPr lang="en-US" sz="2000" b="0" strike="noStrike" spc="-1" dirty="0">
               <a:latin typeface="Arial"/>
             </a:endParaRPr>
           </a:p>
@@ -12189,7 +12414,7 @@
               </a:lnSpc>
             </a:pPr>
             <a:r>
-              <a:rPr lang="de-DE" sz="2000" b="0" strike="noStrike" spc="-1">
+              <a:rPr lang="de-DE" sz="2000" b="0" strike="noStrike" spc="-1" dirty="0">
                 <a:solidFill>
                   <a:srgbClr val="006C30"/>
                 </a:solidFill>
@@ -12198,7 +12423,7 @@
               </a:rPr>
               <a:t>Praktikum</a:t>
             </a:r>
-            <a:endParaRPr lang="en-US" sz="2000" b="0" strike="noStrike" spc="-1">
+            <a:endParaRPr lang="en-US" sz="2000" b="0" strike="noStrike" spc="-1" dirty="0">
               <a:latin typeface="Arial"/>
             </a:endParaRPr>
           </a:p>
@@ -32426,43 +32651,362 @@
       </p:grpSpPr>
       <p:sp>
         <p:nvSpPr>
-          <p:cNvPr id="3" name="Untertitel 2">
+          <p:cNvPr id="96" name="CustomShape 1"/>
+          <p:cNvSpPr/>
+          <p:nvPr/>
+        </p:nvSpPr>
+        <p:spPr>
+          <a:xfrm>
+            <a:off x="10994040" y="6459480"/>
+            <a:ext cx="1053360" cy="291240"/>
+          </a:xfrm>
+          <a:prstGeom prst="rect">
+            <a:avLst/>
+          </a:prstGeom>
+          <a:noFill/>
+          <a:ln w="9360">
+            <a:noFill/>
+          </a:ln>
+        </p:spPr>
+        <p:style>
+          <a:lnRef idx="0">
+            <a:scrgbClr r="0" g="0" b="0"/>
+          </a:lnRef>
+          <a:fillRef idx="0">
+            <a:scrgbClr r="0" g="0" b="0"/>
+          </a:fillRef>
+          <a:effectRef idx="0">
+            <a:scrgbClr r="0" g="0" b="0"/>
+          </a:effectRef>
+          <a:fontRef idx="minor"/>
+        </p:style>
+        <p:txBody>
+          <a:bodyPr lIns="90000" tIns="45000" rIns="90000" bIns="45000">
+            <a:noAutofit/>
+          </a:bodyPr>
+          <a:lstStyle/>
+          <a:p>
+            <a:pPr algn="r">
+              <a:lnSpc>
+                <a:spcPct val="100000"/>
+              </a:lnSpc>
+            </a:pPr>
+            <a:fld id="{76839625-DDCB-4BF0-B421-B9D743C4C90E}" type="slidenum">
+              <a:rPr lang="de-DE" sz="1400" b="0" strike="noStrike" spc="-1">
+                <a:solidFill>
+                  <a:srgbClr val="006C30"/>
+                </a:solidFill>
+                <a:latin typeface="LMU CompatilFact"/>
+              </a:rPr>
+              <a:t>8</a:t>
+            </a:fld>
+            <a:endParaRPr lang="en-US" sz="1400" b="0" strike="noStrike" spc="-1">
+              <a:latin typeface="Arial"/>
+            </a:endParaRPr>
+          </a:p>
+        </p:txBody>
+      </p:sp>
+      <p:sp>
+        <p:nvSpPr>
+          <p:cNvPr id="97" name="CustomShape 2"/>
+          <p:cNvSpPr/>
+          <p:nvPr/>
+        </p:nvSpPr>
+        <p:spPr>
+          <a:xfrm>
+            <a:off x="507960" y="6459480"/>
+            <a:ext cx="10309680" cy="291240"/>
+          </a:xfrm>
+          <a:prstGeom prst="rect">
+            <a:avLst/>
+          </a:prstGeom>
+          <a:solidFill>
+            <a:srgbClr val="C6C7BE"/>
+          </a:solidFill>
+          <a:ln w="9360">
+            <a:noFill/>
+          </a:ln>
+        </p:spPr>
+        <p:style>
+          <a:lnRef idx="0">
+            <a:scrgbClr r="0" g="0" b="0"/>
+          </a:lnRef>
+          <a:fillRef idx="0">
+            <a:scrgbClr r="0" g="0" b="0"/>
+          </a:fillRef>
+          <a:effectRef idx="0">
+            <a:scrgbClr r="0" g="0" b="0"/>
+          </a:effectRef>
+          <a:fontRef idx="minor"/>
+        </p:style>
+        <p:txBody>
+          <a:bodyPr lIns="90000" tIns="45000" rIns="90000" bIns="45000">
+            <a:noAutofit/>
+          </a:bodyPr>
+          <a:lstStyle/>
+          <a:p>
+            <a:pPr>
+              <a:lnSpc>
+                <a:spcPct val="100000"/>
+              </a:lnSpc>
+            </a:pPr>
+            <a:r>
+              <a:rPr lang="de-DE" sz="1400" b="0" strike="noStrike" spc="-1" dirty="0">
+                <a:solidFill>
+                  <a:srgbClr val="006C30"/>
+                </a:solidFill>
+                <a:latin typeface="LMU CompatilFact"/>
+              </a:rPr>
+              <a:t>Präsentation am 01.03.2021</a:t>
+            </a:r>
+            <a:endParaRPr lang="en-US" sz="1400" b="0" strike="noStrike" spc="-1" dirty="0">
+              <a:latin typeface="Arial"/>
+            </a:endParaRPr>
+          </a:p>
+        </p:txBody>
+      </p:sp>
+      <p:sp>
+        <p:nvSpPr>
+          <p:cNvPr id="98" name="CustomShape 3"/>
+          <p:cNvSpPr/>
+          <p:nvPr/>
+        </p:nvSpPr>
+        <p:spPr>
+          <a:xfrm>
+            <a:off x="9300240" y="188640"/>
+            <a:ext cx="1799640" cy="791280"/>
+          </a:xfrm>
+          <a:prstGeom prst="rect">
+            <a:avLst/>
+          </a:prstGeom>
+          <a:solidFill>
+            <a:srgbClr val="C6C7BE"/>
+          </a:solidFill>
+          <a:ln w="12700">
+            <a:solidFill>
+              <a:srgbClr val="C6C7BE"/>
+            </a:solidFill>
+            <a:round/>
+          </a:ln>
+        </p:spPr>
+        <p:style>
+          <a:lnRef idx="0">
+            <a:scrgbClr r="0" g="0" b="0"/>
+          </a:lnRef>
+          <a:fillRef idx="0">
+            <a:scrgbClr r="0" g="0" b="0"/>
+          </a:fillRef>
+          <a:effectRef idx="0">
+            <a:scrgbClr r="0" g="0" b="0"/>
+          </a:effectRef>
+          <a:fontRef idx="minor"/>
+        </p:style>
+      </p:sp>
+      <p:sp>
+        <p:nvSpPr>
+          <p:cNvPr id="99" name="CustomShape 4"/>
+          <p:cNvSpPr/>
+          <p:nvPr/>
+        </p:nvSpPr>
+        <p:spPr>
+          <a:xfrm>
+            <a:off x="2147040" y="457200"/>
+            <a:ext cx="6768000" cy="456480"/>
+          </a:xfrm>
+          <a:prstGeom prst="rect">
+            <a:avLst/>
+          </a:prstGeom>
+          <a:noFill/>
+          <a:ln w="9360">
+            <a:noFill/>
+          </a:ln>
+        </p:spPr>
+        <p:style>
+          <a:lnRef idx="0">
+            <a:scrgbClr r="0" g="0" b="0"/>
+          </a:lnRef>
+          <a:fillRef idx="0">
+            <a:scrgbClr r="0" g="0" b="0"/>
+          </a:fillRef>
+          <a:effectRef idx="0">
+            <a:scrgbClr r="0" g="0" b="0"/>
+          </a:effectRef>
+          <a:fontRef idx="minor"/>
+        </p:style>
+        <p:txBody>
+          <a:bodyPr lIns="90000" tIns="45000" rIns="90000" bIns="45000" anchor="b">
+            <a:noAutofit/>
+          </a:bodyPr>
+          <a:lstStyle/>
+          <a:p>
+            <a:pPr>
+              <a:lnSpc>
+                <a:spcPct val="100000"/>
+              </a:lnSpc>
+            </a:pPr>
+            <a:r>
+              <a:rPr lang="de-DE" sz="2000" b="0" strike="noStrike" spc="-1">
+                <a:solidFill>
+                  <a:srgbClr val="006C30"/>
+                </a:solidFill>
+                <a:latin typeface="LMU CompatilFact"/>
+              </a:rPr>
+              <a:t>Katja Gutmair, Stella Akouete, Noah Hurmer und Anne Gritto</a:t>
+            </a:r>
+            <a:endParaRPr lang="en-US" sz="2000" b="0" strike="noStrike" spc="-1">
+              <a:latin typeface="Arial"/>
+            </a:endParaRPr>
+          </a:p>
+        </p:txBody>
+      </p:sp>
+      <p:sp>
+        <p:nvSpPr>
+          <p:cNvPr id="100" name="CustomShape 5"/>
+          <p:cNvSpPr/>
+          <p:nvPr/>
+        </p:nvSpPr>
+        <p:spPr>
+          <a:xfrm>
+            <a:off x="9372600" y="280800"/>
+            <a:ext cx="1872360" cy="699480"/>
+          </a:xfrm>
+          <a:prstGeom prst="rect">
+            <a:avLst/>
+          </a:prstGeom>
+          <a:noFill/>
+          <a:ln w="0">
+            <a:noFill/>
+          </a:ln>
+        </p:spPr>
+        <p:style>
+          <a:lnRef idx="0">
+            <a:scrgbClr r="0" g="0" b="0"/>
+          </a:lnRef>
+          <a:fillRef idx="0">
+            <a:scrgbClr r="0" g="0" b="0"/>
+          </a:fillRef>
+          <a:effectRef idx="0">
+            <a:scrgbClr r="0" g="0" b="0"/>
+          </a:effectRef>
+          <a:fontRef idx="minor"/>
+        </p:style>
+        <p:txBody>
+          <a:bodyPr wrap="none" lIns="90000" tIns="45000" rIns="90000" bIns="45000">
+            <a:spAutoFit/>
+          </a:bodyPr>
+          <a:lstStyle/>
+          <a:p>
+            <a:pPr>
+              <a:lnSpc>
+                <a:spcPct val="100000"/>
+              </a:lnSpc>
+            </a:pPr>
+            <a:r>
+              <a:rPr lang="de-DE" sz="2000" b="0" strike="noStrike" spc="-1">
+                <a:solidFill>
+                  <a:srgbClr val="006C30"/>
+                </a:solidFill>
+                <a:latin typeface="LMU CompatilFact"/>
+                <a:ea typeface="DejaVu Sans"/>
+              </a:rPr>
+              <a:t>Statistisches </a:t>
+            </a:r>
+            <a:endParaRPr lang="en-US" sz="2000" b="0" strike="noStrike" spc="-1">
+              <a:latin typeface="Arial"/>
+            </a:endParaRPr>
+          </a:p>
+          <a:p>
+            <a:pPr>
+              <a:lnSpc>
+                <a:spcPct val="100000"/>
+              </a:lnSpc>
+            </a:pPr>
+            <a:r>
+              <a:rPr lang="de-DE" sz="2000" b="0" strike="noStrike" spc="-1">
+                <a:solidFill>
+                  <a:srgbClr val="006C30"/>
+                </a:solidFill>
+                <a:latin typeface="LMU CompatilFact"/>
+                <a:ea typeface="DejaVu Sans"/>
+              </a:rPr>
+              <a:t>Praktikum</a:t>
+            </a:r>
+            <a:endParaRPr lang="en-US" sz="2000" b="0" strike="noStrike" spc="-1">
+              <a:latin typeface="Arial"/>
+            </a:endParaRPr>
+          </a:p>
+        </p:txBody>
+      </p:sp>
+      <p:sp>
+        <p:nvSpPr>
+          <p:cNvPr id="101" name="CustomShape 6"/>
+          <p:cNvSpPr/>
+          <p:nvPr/>
+        </p:nvSpPr>
+        <p:spPr>
+          <a:xfrm>
+            <a:off x="221264" y="1986300"/>
+            <a:ext cx="11554200" cy="4590900"/>
+          </a:xfrm>
+          <a:prstGeom prst="rect">
+            <a:avLst/>
+          </a:prstGeom>
+          <a:noFill/>
+          <a:ln w="9360">
+            <a:noFill/>
+          </a:ln>
+        </p:spPr>
+        <p:style>
+          <a:lnRef idx="0">
+            <a:scrgbClr r="0" g="0" b="0"/>
+          </a:lnRef>
+          <a:fillRef idx="0">
+            <a:scrgbClr r="0" g="0" b="0"/>
+          </a:fillRef>
+          <a:effectRef idx="0">
+            <a:scrgbClr r="0" g="0" b="0"/>
+          </a:effectRef>
+          <a:fontRef idx="minor"/>
+        </p:style>
+        <p:txBody>
+          <a:bodyPr lIns="90000" tIns="45000" rIns="90000" bIns="45000">
+            <a:noAutofit/>
+          </a:bodyPr>
+          <a:lstStyle/>
+          <a:p>
+            <a:pPr marL="720">
+              <a:buClr>
+                <a:srgbClr val="000000"/>
+              </a:buClr>
+            </a:pPr>
+            <a:r>
+              <a:rPr lang="de-DE" sz="2800"/>
+              <a:t>Motivation</a:t>
+            </a:r>
+          </a:p>
+          <a:p>
+            <a:pPr marL="457200" indent="-456480">
+              <a:lnSpc>
+                <a:spcPct val="100000"/>
+              </a:lnSpc>
+              <a:buClr>
+                <a:srgbClr val="000000"/>
+              </a:buClr>
+              <a:buFont typeface="StarSymbol"/>
+              <a:buAutoNum type="arabicPeriod"/>
+            </a:pPr>
+            <a:endParaRPr lang="en-US" sz="2800" b="0" strike="noStrike" spc="-1" dirty="0">
+              <a:latin typeface="Arial"/>
+            </a:endParaRPr>
+          </a:p>
+        </p:txBody>
+      </p:sp>
+      <p:sp>
+        <p:nvSpPr>
+          <p:cNvPr id="8" name="CustomShape 7">
             <a:extLst>
               <a:ext uri="{FF2B5EF4-FFF2-40B4-BE49-F238E27FC236}">
-                <a16:creationId xmlns:a16="http://schemas.microsoft.com/office/drawing/2014/main" id="{D315E432-362B-4F12-BE13-C803AC01C053}"/>
-              </a:ext>
-            </a:extLst>
-          </p:cNvPr>
-          <p:cNvSpPr>
-            <a:spLocks noGrp="1"/>
-          </p:cNvSpPr>
-          <p:nvPr>
-            <p:ph type="subTitle"/>
-          </p:nvPr>
-        </p:nvSpPr>
-        <p:spPr>
-          <a:xfrm>
-            <a:off x="318600" y="2157676"/>
-            <a:ext cx="10972440" cy="3977280"/>
-          </a:xfrm>
-        </p:spPr>
-        <p:txBody>
-          <a:bodyPr/>
-          <a:lstStyle/>
-          <a:p>
-            <a:r>
-              <a:rPr lang="de-DE" dirty="0"/>
-              <a:t>Motivation</a:t>
-            </a:r>
-          </a:p>
-        </p:txBody>
-      </p:sp>
-      <p:sp>
-        <p:nvSpPr>
-          <p:cNvPr id="4" name="CustomShape 7">
-            <a:extLst>
-              <a:ext uri="{FF2B5EF4-FFF2-40B4-BE49-F238E27FC236}">
-                <a16:creationId xmlns:a16="http://schemas.microsoft.com/office/drawing/2014/main" id="{CCB8C246-3E10-46F0-9CA8-3238E36ED9C5}"/>
+                <a16:creationId xmlns:a16="http://schemas.microsoft.com/office/drawing/2014/main" id="{7D7179C2-1C41-44AF-A642-97475525E13A}"/>
               </a:ext>
             </a:extLst>
           </p:cNvPr>
@@ -32529,7 +33073,7 @@
     </p:spTree>
     <p:extLst>
       <p:ext uri="{BB962C8B-B14F-4D97-AF65-F5344CB8AC3E}">
-        <p14:creationId xmlns:p14="http://schemas.microsoft.com/office/powerpoint/2010/main" val="3714599486"/>
+        <p14:creationId xmlns:p14="http://schemas.microsoft.com/office/powerpoint/2010/main" val="253391433"/>
       </p:ext>
     </p:extLst>
   </p:cSld>

--- a/documentation/ppt/Präsentation.pptx
+++ b/documentation/ppt/Präsentation.pptx
@@ -19926,40 +19926,45 @@
                                   </a:rPr>
                                   <m:t>𝑑𝑖𝑠𝑡</m:t>
                                 </m:r>
+                                <m:d>
+                                  <m:dPr>
+                                    <m:ctrlPr>
+                                      <a:rPr lang="de-DE" sz="2000" b="0" i="1" spc="-1" smtClean="0">
+                                        <a:latin typeface="Cambria Math" panose="02040503050406030204" pitchFamily="18" charset="0"/>
+                                        <a:ea typeface="Cambria Math" panose="02040503050406030204" pitchFamily="18" charset="0"/>
+                                      </a:rPr>
+                                    </m:ctrlPr>
+                                  </m:dPr>
+                                  <m:e>
+                                    <m:r>
+                                      <a:rPr lang="de-DE" sz="2000" b="0" i="1" spc="-1" smtClean="0">
+                                        <a:latin typeface="Cambria Math" panose="02040503050406030204" pitchFamily="18" charset="0"/>
+                                        <a:ea typeface="Cambria Math" panose="02040503050406030204" pitchFamily="18" charset="0"/>
+                                      </a:rPr>
+                                      <m:t>𝐵</m:t>
+                                    </m:r>
+                                    <m:r>
+                                      <a:rPr lang="de-DE" sz="2000" b="0" i="1" spc="-1" smtClean="0">
+                                        <a:latin typeface="Cambria Math" panose="02040503050406030204" pitchFamily="18" charset="0"/>
+                                        <a:ea typeface="Cambria Math" panose="02040503050406030204" pitchFamily="18" charset="0"/>
+                                      </a:rPr>
+                                      <m:t>,   </m:t>
+                                    </m:r>
+                                    <m:r>
+                                      <a:rPr lang="de-DE" sz="2000" b="0" i="1" spc="-1" smtClean="0">
+                                        <a:latin typeface="Cambria Math" panose="02040503050406030204" pitchFamily="18" charset="0"/>
+                                        <a:ea typeface="Cambria Math" panose="02040503050406030204" pitchFamily="18" charset="0"/>
+                                      </a:rPr>
+                                      <m:t>𝑥</m:t>
+                                    </m:r>
+                                  </m:e>
+                                </m:d>
                                 <m:r>
                                   <a:rPr lang="de-DE" sz="2000" b="0" i="1" spc="-1" smtClean="0">
                                     <a:latin typeface="Cambria Math" panose="02040503050406030204" pitchFamily="18" charset="0"/>
                                     <a:ea typeface="Cambria Math" panose="02040503050406030204" pitchFamily="18" charset="0"/>
                                   </a:rPr>
-                                  <m:t>(</m:t>
-                                </m:r>
-                                <m:r>
-                                  <a:rPr lang="de-DE" sz="2000" b="0" i="1" spc="-1" smtClean="0">
-                                    <a:latin typeface="Cambria Math" panose="02040503050406030204" pitchFamily="18" charset="0"/>
-                                    <a:ea typeface="Cambria Math" panose="02040503050406030204" pitchFamily="18" charset="0"/>
-                                  </a:rPr>
-                                  <m:t>𝐵</m:t>
-                                </m:r>
-                                <m:r>
-                                  <a:rPr lang="de-DE" sz="2000" b="0" i="1" spc="-1" smtClean="0">
-                                    <a:latin typeface="Cambria Math" panose="02040503050406030204" pitchFamily="18" charset="0"/>
-                                    <a:ea typeface="Cambria Math" panose="02040503050406030204" pitchFamily="18" charset="0"/>
-                                  </a:rPr>
-                                  <m:t>,   </m:t>
-                                </m:r>
-                                <m:r>
-                                  <a:rPr lang="de-DE" sz="2000" b="0" i="1" spc="-1" smtClean="0">
-                                    <a:latin typeface="Cambria Math" panose="02040503050406030204" pitchFamily="18" charset="0"/>
-                                    <a:ea typeface="Cambria Math" panose="02040503050406030204" pitchFamily="18" charset="0"/>
-                                  </a:rPr>
-                                  <m:t>𝑥</m:t>
-                                </m:r>
-                                <m:r>
-                                  <a:rPr lang="de-DE" sz="2000" b="0" i="1" spc="-1" smtClean="0">
-                                    <a:latin typeface="Cambria Math" panose="02040503050406030204" pitchFamily="18" charset="0"/>
-                                    <a:ea typeface="Cambria Math" panose="02040503050406030204" pitchFamily="18" charset="0"/>
-                                  </a:rPr>
-                                  <m:t>)</m:t>
+                                  <m:t>}</m:t>
                                 </m:r>
                               </m:den>
                             </m:f>
@@ -22103,40 +22108,45 @@
                                   </a:rPr>
                                   <m:t>𝑑𝑖𝑠𝑡</m:t>
                                 </m:r>
+                                <m:d>
+                                  <m:dPr>
+                                    <m:ctrlPr>
+                                      <a:rPr lang="de-DE" sz="2400" i="1" spc="-1">
+                                        <a:latin typeface="Cambria Math" panose="02040503050406030204" pitchFamily="18" charset="0"/>
+                                        <a:ea typeface="Cambria Math" panose="02040503050406030204" pitchFamily="18" charset="0"/>
+                                      </a:rPr>
+                                    </m:ctrlPr>
+                                  </m:dPr>
+                                  <m:e>
+                                    <m:r>
+                                      <a:rPr lang="de-DE" sz="2400" i="1" spc="-1">
+                                        <a:latin typeface="Cambria Math" panose="02040503050406030204" pitchFamily="18" charset="0"/>
+                                        <a:ea typeface="Cambria Math" panose="02040503050406030204" pitchFamily="18" charset="0"/>
+                                      </a:rPr>
+                                      <m:t>𝐵</m:t>
+                                    </m:r>
+                                    <m:r>
+                                      <a:rPr lang="de-DE" sz="2400" i="1" spc="-1">
+                                        <a:latin typeface="Cambria Math" panose="02040503050406030204" pitchFamily="18" charset="0"/>
+                                        <a:ea typeface="Cambria Math" panose="02040503050406030204" pitchFamily="18" charset="0"/>
+                                      </a:rPr>
+                                      <m:t>,   </m:t>
+                                    </m:r>
+                                    <m:r>
+                                      <a:rPr lang="de-DE" sz="2400" i="1" spc="-1">
+                                        <a:latin typeface="Cambria Math" panose="02040503050406030204" pitchFamily="18" charset="0"/>
+                                        <a:ea typeface="Cambria Math" panose="02040503050406030204" pitchFamily="18" charset="0"/>
+                                      </a:rPr>
+                                      <m:t>𝑥</m:t>
+                                    </m:r>
+                                  </m:e>
+                                </m:d>
                                 <m:r>
-                                  <a:rPr lang="de-DE" sz="2400" i="1" spc="-1">
+                                  <a:rPr lang="de-DE" sz="2400" b="0" i="1" spc="-1" smtClean="0">
                                     <a:latin typeface="Cambria Math" panose="02040503050406030204" pitchFamily="18" charset="0"/>
                                     <a:ea typeface="Cambria Math" panose="02040503050406030204" pitchFamily="18" charset="0"/>
                                   </a:rPr>
-                                  <m:t>(</m:t>
-                                </m:r>
-                                <m:r>
-                                  <a:rPr lang="de-DE" sz="2400" i="1" spc="-1">
-                                    <a:latin typeface="Cambria Math" panose="02040503050406030204" pitchFamily="18" charset="0"/>
-                                    <a:ea typeface="Cambria Math" panose="02040503050406030204" pitchFamily="18" charset="0"/>
-                                  </a:rPr>
-                                  <m:t>𝐵</m:t>
-                                </m:r>
-                                <m:r>
-                                  <a:rPr lang="de-DE" sz="2400" i="1" spc="-1">
-                                    <a:latin typeface="Cambria Math" panose="02040503050406030204" pitchFamily="18" charset="0"/>
-                                    <a:ea typeface="Cambria Math" panose="02040503050406030204" pitchFamily="18" charset="0"/>
-                                  </a:rPr>
-                                  <m:t>,   </m:t>
-                                </m:r>
-                                <m:r>
-                                  <a:rPr lang="de-DE" sz="2400" i="1" spc="-1">
-                                    <a:latin typeface="Cambria Math" panose="02040503050406030204" pitchFamily="18" charset="0"/>
-                                    <a:ea typeface="Cambria Math" panose="02040503050406030204" pitchFamily="18" charset="0"/>
-                                  </a:rPr>
-                                  <m:t>𝑥</m:t>
-                                </m:r>
-                                <m:r>
-                                  <a:rPr lang="de-DE" sz="2400" i="1" spc="-1">
-                                    <a:latin typeface="Cambria Math" panose="02040503050406030204" pitchFamily="18" charset="0"/>
-                                    <a:ea typeface="Cambria Math" panose="02040503050406030204" pitchFamily="18" charset="0"/>
-                                  </a:rPr>
-                                  <m:t>)</m:t>
+                                  <m:t>}</m:t>
                                 </m:r>
                               </m:den>
                             </m:f>

--- a/documentation/ppt/Präsentation.pptx
+++ b/documentation/ppt/Präsentation.pptx
@@ -6,7 +6,7 @@
     <p:sldMasterId id="2147483661" r:id="rId2"/>
   </p:sldMasterIdLst>
   <p:notesMasterIdLst>
-    <p:notesMasterId r:id="rId65"/>
+    <p:notesMasterId r:id="rId66"/>
   </p:notesMasterIdLst>
   <p:sldIdLst>
     <p:sldId id="256" r:id="rId3"/>
@@ -67,10 +67,11 @@
     <p:sldId id="938" r:id="rId58"/>
     <p:sldId id="939" r:id="rId59"/>
     <p:sldId id="941" r:id="rId60"/>
-    <p:sldId id="964" r:id="rId61"/>
-    <p:sldId id="969" r:id="rId62"/>
-    <p:sldId id="963" r:id="rId63"/>
-    <p:sldId id="970" r:id="rId64"/>
+    <p:sldId id="973" r:id="rId61"/>
+    <p:sldId id="964" r:id="rId62"/>
+    <p:sldId id="969" r:id="rId63"/>
+    <p:sldId id="963" r:id="rId64"/>
+    <p:sldId id="970" r:id="rId65"/>
   </p:sldIdLst>
   <p:sldSz cx="12192000" cy="6858000"/>
   <p:notesSz cx="7559675" cy="10691813"/>
@@ -765,7 +766,7 @@
           <a:p>
             <a:fld id="{85CCEDAC-DEC4-4D8B-8485-EA705668F36E}" type="slidenum">
               <a:rPr lang="de-DE" smtClean="0"/>
-              <a:t>29</a:t>
+              <a:t>25</a:t>
             </a:fld>
             <a:endParaRPr lang="de-DE"/>
           </a:p>
@@ -774,7 +775,7 @@
     </p:spTree>
     <p:extLst>
       <p:ext uri="{BB962C8B-B14F-4D97-AF65-F5344CB8AC3E}">
-        <p14:creationId xmlns:p14="http://schemas.microsoft.com/office/powerpoint/2010/main" val="3031104804"/>
+        <p14:creationId xmlns:p14="http://schemas.microsoft.com/office/powerpoint/2010/main" val="4266994973"/>
       </p:ext>
     </p:extLst>
   </p:cSld>
@@ -849,6 +850,90 @@
           <a:p>
             <a:fld id="{85CCEDAC-DEC4-4D8B-8485-EA705668F36E}" type="slidenum">
               <a:rPr lang="de-DE" smtClean="0"/>
+              <a:t>29</a:t>
+            </a:fld>
+            <a:endParaRPr lang="de-DE"/>
+          </a:p>
+        </p:txBody>
+      </p:sp>
+    </p:spTree>
+    <p:extLst>
+      <p:ext uri="{BB962C8B-B14F-4D97-AF65-F5344CB8AC3E}">
+        <p14:creationId xmlns:p14="http://schemas.microsoft.com/office/powerpoint/2010/main" val="3031104804"/>
+      </p:ext>
+    </p:extLst>
+  </p:cSld>
+  <p:clrMapOvr>
+    <a:masterClrMapping/>
+  </p:clrMapOvr>
+</p:notes>
+</file>
+
+<file path=ppt/notesSlides/notesSlide5.xml><?xml version="1.0" encoding="utf-8"?>
+<p:notes xmlns:a="http://schemas.openxmlformats.org/drawingml/2006/main" xmlns:r="http://schemas.openxmlformats.org/officeDocument/2006/relationships" xmlns:p="http://schemas.openxmlformats.org/presentationml/2006/main">
+  <p:cSld>
+    <p:spTree>
+      <p:nvGrpSpPr>
+        <p:cNvPr id="1" name=""/>
+        <p:cNvGrpSpPr/>
+        <p:nvPr/>
+      </p:nvGrpSpPr>
+      <p:grpSpPr>
+        <a:xfrm>
+          <a:off x="0" y="0"/>
+          <a:ext cx="0" cy="0"/>
+          <a:chOff x="0" y="0"/>
+          <a:chExt cx="0" cy="0"/>
+        </a:xfrm>
+      </p:grpSpPr>
+      <p:sp>
+        <p:nvSpPr>
+          <p:cNvPr id="2" name="Folienbildplatzhalter 1"/>
+          <p:cNvSpPr>
+            <a:spLocks noGrp="1" noRot="1" noChangeAspect="1"/>
+          </p:cNvSpPr>
+          <p:nvPr>
+            <p:ph type="sldImg"/>
+          </p:nvPr>
+        </p:nvSpPr>
+        <p:spPr/>
+      </p:sp>
+      <p:sp>
+        <p:nvSpPr>
+          <p:cNvPr id="3" name="Notizenplatzhalter 2"/>
+          <p:cNvSpPr>
+            <a:spLocks noGrp="1"/>
+          </p:cNvSpPr>
+          <p:nvPr>
+            <p:ph type="body" idx="1"/>
+          </p:nvPr>
+        </p:nvSpPr>
+        <p:spPr/>
+        <p:txBody>
+          <a:bodyPr/>
+          <a:lstStyle/>
+          <a:p>
+            <a:endParaRPr lang="de-DE" dirty="0"/>
+          </a:p>
+        </p:txBody>
+      </p:sp>
+      <p:sp>
+        <p:nvSpPr>
+          <p:cNvPr id="4" name="Foliennummernplatzhalter 3"/>
+          <p:cNvSpPr>
+            <a:spLocks noGrp="1"/>
+          </p:cNvSpPr>
+          <p:nvPr>
+            <p:ph type="sldNum" sz="quarter" idx="5"/>
+          </p:nvPr>
+        </p:nvSpPr>
+        <p:spPr/>
+        <p:txBody>
+          <a:bodyPr/>
+          <a:lstStyle/>
+          <a:p>
+            <a:fld id="{85CCEDAC-DEC4-4D8B-8485-EA705668F36E}" type="slidenum">
+              <a:rPr lang="de-DE" smtClean="0"/>
               <a:t>30</a:t>
             </a:fld>
             <a:endParaRPr lang="de-DE"/>
@@ -859,6 +944,90 @@
     <p:extLst>
       <p:ext uri="{BB962C8B-B14F-4D97-AF65-F5344CB8AC3E}">
         <p14:creationId xmlns:p14="http://schemas.microsoft.com/office/powerpoint/2010/main" val="1100077079"/>
+      </p:ext>
+    </p:extLst>
+  </p:cSld>
+  <p:clrMapOvr>
+    <a:masterClrMapping/>
+  </p:clrMapOvr>
+</p:notes>
+</file>
+
+<file path=ppt/notesSlides/notesSlide6.xml><?xml version="1.0" encoding="utf-8"?>
+<p:notes xmlns:a="http://schemas.openxmlformats.org/drawingml/2006/main" xmlns:r="http://schemas.openxmlformats.org/officeDocument/2006/relationships" xmlns:p="http://schemas.openxmlformats.org/presentationml/2006/main">
+  <p:cSld>
+    <p:spTree>
+      <p:nvGrpSpPr>
+        <p:cNvPr id="1" name=""/>
+        <p:cNvGrpSpPr/>
+        <p:nvPr/>
+      </p:nvGrpSpPr>
+      <p:grpSpPr>
+        <a:xfrm>
+          <a:off x="0" y="0"/>
+          <a:ext cx="0" cy="0"/>
+          <a:chOff x="0" y="0"/>
+          <a:chExt cx="0" cy="0"/>
+        </a:xfrm>
+      </p:grpSpPr>
+      <p:sp>
+        <p:nvSpPr>
+          <p:cNvPr id="2" name="Folienbildplatzhalter 1"/>
+          <p:cNvSpPr>
+            <a:spLocks noGrp="1" noRot="1" noChangeAspect="1"/>
+          </p:cNvSpPr>
+          <p:nvPr>
+            <p:ph type="sldImg"/>
+          </p:nvPr>
+        </p:nvSpPr>
+        <p:spPr/>
+      </p:sp>
+      <p:sp>
+        <p:nvSpPr>
+          <p:cNvPr id="3" name="Notizenplatzhalter 2"/>
+          <p:cNvSpPr>
+            <a:spLocks noGrp="1"/>
+          </p:cNvSpPr>
+          <p:nvPr>
+            <p:ph type="body" idx="1"/>
+          </p:nvPr>
+        </p:nvSpPr>
+        <p:spPr/>
+        <p:txBody>
+          <a:bodyPr/>
+          <a:lstStyle/>
+          <a:p>
+            <a:endParaRPr lang="de-DE" dirty="0"/>
+          </a:p>
+        </p:txBody>
+      </p:sp>
+      <p:sp>
+        <p:nvSpPr>
+          <p:cNvPr id="4" name="Foliennummernplatzhalter 3"/>
+          <p:cNvSpPr>
+            <a:spLocks noGrp="1"/>
+          </p:cNvSpPr>
+          <p:nvPr>
+            <p:ph type="sldNum" sz="quarter" idx="5"/>
+          </p:nvPr>
+        </p:nvSpPr>
+        <p:spPr/>
+        <p:txBody>
+          <a:bodyPr/>
+          <a:lstStyle/>
+          <a:p>
+            <a:fld id="{85CCEDAC-DEC4-4D8B-8485-EA705668F36E}" type="slidenum">
+              <a:rPr lang="de-DE" smtClean="0"/>
+              <a:t>43</a:t>
+            </a:fld>
+            <a:endParaRPr lang="de-DE"/>
+          </a:p>
+        </p:txBody>
+      </p:sp>
+    </p:spTree>
+    <p:extLst>
+      <p:ext uri="{BB962C8B-B14F-4D97-AF65-F5344CB8AC3E}">
+        <p14:creationId xmlns:p14="http://schemas.microsoft.com/office/powerpoint/2010/main" val="1686820407"/>
       </p:ext>
     </p:extLst>
   </p:cSld>
@@ -13880,7 +14049,10 @@
           <a:lstStyle/>
           <a:p>
             <a:pPr algn="ctr"/>
-            <a:endParaRPr lang="de-DE"/>
+            <a:r>
+              <a:rPr lang="de-DE" dirty="0"/>
+              <a:t>C</a:t>
+            </a:r>
           </a:p>
         </p:txBody>
       </p:sp>
@@ -16766,22 +16938,812 @@
           </a:p>
         </p:txBody>
       </p:sp>
-      <p:sp>
-        <p:nvSpPr>
-          <p:cNvPr id="136" name="CustomShape 6"/>
+      <mc:AlternateContent xmlns:mc="http://schemas.openxmlformats.org/markup-compatibility/2006">
+        <mc:Choice xmlns:a14="http://schemas.microsoft.com/office/drawing/2010/main" Requires="a14">
+          <p:sp>
+            <p:nvSpPr>
+              <p:cNvPr id="136" name="CustomShape 6"/>
+              <p:cNvSpPr/>
+              <p:nvPr/>
+            </p:nvSpPr>
+            <p:spPr>
+              <a:xfrm>
+                <a:off x="140400" y="2286000"/>
+                <a:ext cx="11554200" cy="3902605"/>
+              </a:xfrm>
+              <a:prstGeom prst="rect">
+                <a:avLst/>
+              </a:prstGeom>
+              <a:noFill/>
+              <a:ln w="9360">
+                <a:noFill/>
+              </a:ln>
+            </p:spPr>
+            <p:style>
+              <a:lnRef idx="0">
+                <a:scrgbClr r="0" g="0" b="0"/>
+              </a:lnRef>
+              <a:fillRef idx="0">
+                <a:scrgbClr r="0" g="0" b="0"/>
+              </a:fillRef>
+              <a:effectRef idx="0">
+                <a:scrgbClr r="0" g="0" b="0"/>
+              </a:effectRef>
+              <a:fontRef idx="minor"/>
+            </p:style>
+            <p:txBody>
+              <a:bodyPr lIns="90000" tIns="45000" rIns="90000" bIns="45000">
+                <a:noAutofit/>
+              </a:bodyPr>
+              <a:lstStyle/>
+              <a:p>
+                <a:pPr marL="432000" indent="-323640">
+                  <a:lnSpc>
+                    <a:spcPct val="100000"/>
+                  </a:lnSpc>
+                  <a:spcBef>
+                    <a:spcPts val="1417"/>
+                  </a:spcBef>
+                  <a:buClr>
+                    <a:srgbClr val="000000"/>
+                  </a:buClr>
+                  <a:buSzPct val="45000"/>
+                  <a:buFont typeface="Wingdings" charset="2"/>
+                  <a:buChar char=""/>
+                </a:pPr>
+                <a:r>
+                  <a:rPr lang="de-DE" sz="2400" b="0" strike="noStrike" spc="-1" dirty="0">
+                    <a:solidFill>
+                      <a:srgbClr val="000000"/>
+                    </a:solidFill>
+                    <a:latin typeface="LMU CompatilFact"/>
+                  </a:rPr>
+                  <a:t>Grundidee: Bildung von möglichst homogenen Gruppen, Cluster untereinander möglichst heterogen</a:t>
+                </a:r>
+              </a:p>
+              <a:p>
+                <a:pPr marL="432000" indent="-323640">
+                  <a:lnSpc>
+                    <a:spcPct val="100000"/>
+                  </a:lnSpc>
+                  <a:spcBef>
+                    <a:spcPts val="1417"/>
+                  </a:spcBef>
+                  <a:buClr>
+                    <a:srgbClr val="000000"/>
+                  </a:buClr>
+                  <a:buSzPct val="45000"/>
+                  <a:buFont typeface="Wingdings" charset="2"/>
+                  <a:buChar char=""/>
+                </a:pPr>
+                <a:r>
+                  <a:rPr lang="de-DE" sz="2400" spc="-1" dirty="0">
+                    <a:solidFill>
+                      <a:srgbClr val="000000"/>
+                    </a:solidFill>
+                    <a:latin typeface="LMU CompatilFact"/>
+                  </a:rPr>
+                  <a:t>Betrachten von </a:t>
+                </a:r>
+                <a14:m>
+                  <m:oMath xmlns:m="http://schemas.openxmlformats.org/officeDocument/2006/math">
+                    <m:r>
+                      <a:rPr lang="de-DE" sz="2400" b="0" i="1" spc="-1" smtClean="0">
+                        <a:solidFill>
+                          <a:srgbClr val="000000"/>
+                        </a:solidFill>
+                        <a:latin typeface="Cambria Math" panose="02040503050406030204" pitchFamily="18" charset="0"/>
+                      </a:rPr>
+                      <m:t>𝑛</m:t>
+                    </m:r>
+                  </m:oMath>
+                </a14:m>
+                <a:r>
+                  <a:rPr lang="en-US" sz="2400" b="0" strike="noStrike" spc="-1" dirty="0">
+                    <a:latin typeface="Arial"/>
+                  </a:rPr>
+                  <a:t> </a:t>
+                </a:r>
+                <a:r>
+                  <a:rPr lang="en-US" sz="2400" b="0" strike="noStrike" spc="-1" dirty="0" err="1">
+                    <a:latin typeface="LMU CompatilFact"/>
+                  </a:rPr>
+                  <a:t>Objekten</a:t>
+                </a:r>
+                <a:r>
+                  <a:rPr lang="en-US" sz="2400" b="0" strike="noStrike" spc="-1" dirty="0">
+                    <a:latin typeface="LMU CompatilFact"/>
+                  </a:rPr>
+                  <a:t> </a:t>
+                </a:r>
+                <a14:m>
+                  <m:oMath xmlns:m="http://schemas.openxmlformats.org/officeDocument/2006/math">
+                    <m:sSub>
+                      <m:sSubPr>
+                        <m:ctrlPr>
+                          <a:rPr lang="en-US" sz="2400" b="0" i="1" strike="noStrike" spc="-1" smtClean="0">
+                            <a:latin typeface="Cambria Math" panose="02040503050406030204" pitchFamily="18" charset="0"/>
+                          </a:rPr>
+                        </m:ctrlPr>
+                      </m:sSubPr>
+                      <m:e>
+                        <m:r>
+                          <a:rPr lang="de-DE" sz="2400" b="0" i="1" strike="noStrike" spc="-1" smtClean="0">
+                            <a:latin typeface="Cambria Math" panose="02040503050406030204" pitchFamily="18" charset="0"/>
+                          </a:rPr>
+                          <m:t>𝑎</m:t>
+                        </m:r>
+                      </m:e>
+                      <m:sub>
+                        <m:r>
+                          <a:rPr lang="de-DE" sz="2400" b="0" i="1" strike="noStrike" spc="-1" smtClean="0">
+                            <a:latin typeface="Cambria Math" panose="02040503050406030204" pitchFamily="18" charset="0"/>
+                          </a:rPr>
+                          <m:t>1</m:t>
+                        </m:r>
+                      </m:sub>
+                    </m:sSub>
+                    <m:r>
+                      <a:rPr lang="de-DE" sz="2400" b="0" i="1" strike="noStrike" spc="-1" smtClean="0">
+                        <a:latin typeface="Cambria Math" panose="02040503050406030204" pitchFamily="18" charset="0"/>
+                      </a:rPr>
+                      <m:t>, …, </m:t>
+                    </m:r>
+                    <m:sSub>
+                      <m:sSubPr>
+                        <m:ctrlPr>
+                          <a:rPr lang="de-DE" sz="2400" b="0" i="1" strike="noStrike" spc="-1" smtClean="0">
+                            <a:latin typeface="Cambria Math" panose="02040503050406030204" pitchFamily="18" charset="0"/>
+                          </a:rPr>
+                        </m:ctrlPr>
+                      </m:sSubPr>
+                      <m:e>
+                        <m:r>
+                          <a:rPr lang="de-DE" sz="2400" b="0" i="1" strike="noStrike" spc="-1" smtClean="0">
+                            <a:latin typeface="Cambria Math" panose="02040503050406030204" pitchFamily="18" charset="0"/>
+                          </a:rPr>
+                          <m:t>𝑎</m:t>
+                        </m:r>
+                      </m:e>
+                      <m:sub>
+                        <m:r>
+                          <a:rPr lang="de-DE" sz="2400" b="0" i="1" strike="noStrike" spc="-1" smtClean="0">
+                            <a:latin typeface="Cambria Math" panose="02040503050406030204" pitchFamily="18" charset="0"/>
+                          </a:rPr>
+                          <m:t>𝑛</m:t>
+                        </m:r>
+                      </m:sub>
+                    </m:sSub>
+                  </m:oMath>
+                </a14:m>
+                <a:r>
+                  <a:rPr lang="en-US" sz="2400" b="0" strike="noStrike" spc="-1" dirty="0">
+                    <a:latin typeface="LMU CompatilFact"/>
+                  </a:rPr>
+                  <a:t> </a:t>
+                </a:r>
+                <a:r>
+                  <a:rPr lang="en-US" sz="2400" b="0" strike="noStrike" spc="-1" dirty="0" err="1">
+                    <a:latin typeface="LMU CompatilFact"/>
+                  </a:rPr>
+                  <a:t>mit</a:t>
+                </a:r>
+                <a:r>
+                  <a:rPr lang="en-US" sz="2400" b="0" strike="noStrike" spc="-1" dirty="0">
+                    <a:latin typeface="LMU CompatilFact"/>
+                  </a:rPr>
+                  <a:t> </a:t>
+                </a:r>
+                <a:r>
+                  <a:rPr lang="en-US" sz="2400" b="0" strike="noStrike" spc="-1" dirty="0" err="1">
+                    <a:latin typeface="LMU CompatilFact"/>
+                  </a:rPr>
+                  <a:t>zugehörigen</a:t>
+                </a:r>
+                <a:r>
+                  <a:rPr lang="en-US" sz="2400" b="0" strike="noStrike" spc="-1" dirty="0">
+                    <a:latin typeface="LMU CompatilFact"/>
+                  </a:rPr>
+                  <a:t> </a:t>
+                </a:r>
+                <a:r>
+                  <a:rPr lang="en-US" sz="2400" b="0" strike="noStrike" spc="-1" dirty="0" err="1">
+                    <a:latin typeface="LMU CompatilFact"/>
+                  </a:rPr>
+                  <a:t>Merkmalsvektoren</a:t>
+                </a:r>
+                <a:r>
+                  <a:rPr lang="en-US" sz="2400" b="0" strike="noStrike" spc="-1" dirty="0">
+                    <a:latin typeface="LMU CompatilFact"/>
+                  </a:rPr>
+                  <a:t> </a:t>
+                </a:r>
+                <a14:m>
+                  <m:oMath xmlns:m="http://schemas.openxmlformats.org/officeDocument/2006/math">
+                    <m:sSub>
+                      <m:sSubPr>
+                        <m:ctrlPr>
+                          <a:rPr lang="en-US" sz="2400" b="0" i="1" strike="noStrike" spc="-1" smtClean="0">
+                            <a:latin typeface="Cambria Math" panose="02040503050406030204" pitchFamily="18" charset="0"/>
+                          </a:rPr>
+                        </m:ctrlPr>
+                      </m:sSubPr>
+                      <m:e>
+                        <m:r>
+                          <a:rPr lang="de-DE" sz="2400" b="0" i="1" strike="noStrike" spc="-1" smtClean="0">
+                            <a:latin typeface="Cambria Math" panose="02040503050406030204" pitchFamily="18" charset="0"/>
+                          </a:rPr>
+                          <m:t>𝑥</m:t>
+                        </m:r>
+                      </m:e>
+                      <m:sub>
+                        <m:r>
+                          <a:rPr lang="de-DE" sz="2400" b="0" i="1" strike="noStrike" spc="-1" smtClean="0">
+                            <a:latin typeface="Cambria Math" panose="02040503050406030204" pitchFamily="18" charset="0"/>
+                          </a:rPr>
+                          <m:t>1</m:t>
+                        </m:r>
+                      </m:sub>
+                    </m:sSub>
+                    <m:r>
+                      <a:rPr lang="de-DE" sz="2400" b="0" i="1" strike="noStrike" spc="-1" smtClean="0">
+                        <a:latin typeface="Cambria Math" panose="02040503050406030204" pitchFamily="18" charset="0"/>
+                      </a:rPr>
+                      <m:t>, …, </m:t>
+                    </m:r>
+                    <m:sSub>
+                      <m:sSubPr>
+                        <m:ctrlPr>
+                          <a:rPr lang="de-DE" sz="2400" b="0" i="1" strike="noStrike" spc="-1" smtClean="0">
+                            <a:latin typeface="Cambria Math" panose="02040503050406030204" pitchFamily="18" charset="0"/>
+                          </a:rPr>
+                        </m:ctrlPr>
+                      </m:sSubPr>
+                      <m:e>
+                        <m:r>
+                          <a:rPr lang="de-DE" sz="2400" b="0" i="1" strike="noStrike" spc="-1" smtClean="0">
+                            <a:latin typeface="Cambria Math" panose="02040503050406030204" pitchFamily="18" charset="0"/>
+                          </a:rPr>
+                          <m:t>𝑥</m:t>
+                        </m:r>
+                      </m:e>
+                      <m:sub>
+                        <m:r>
+                          <a:rPr lang="de-DE" sz="2400" b="0" i="1" strike="noStrike" spc="-1" smtClean="0">
+                            <a:latin typeface="Cambria Math" panose="02040503050406030204" pitchFamily="18" charset="0"/>
+                          </a:rPr>
+                          <m:t>𝑛</m:t>
+                        </m:r>
+                      </m:sub>
+                    </m:sSub>
+                  </m:oMath>
+                </a14:m>
+                <a:br>
+                  <a:rPr lang="de-DE" sz="2400" b="0" strike="noStrike" spc="-1" dirty="0">
+                    <a:latin typeface="LMU CompatilFact"/>
+                  </a:rPr>
+                </a:br>
+                <a:r>
+                  <a:rPr lang="de-DE" sz="1050" b="0" strike="noStrike" spc="-1" dirty="0">
+                    <a:latin typeface="LMU CompatilFact"/>
+                  </a:rPr>
+                  <a:t> </a:t>
+                </a:r>
+                <a:br>
+                  <a:rPr lang="de-DE" sz="2400" b="0" strike="noStrike" spc="-1" dirty="0">
+                    <a:latin typeface="LMU CompatilFact"/>
+                  </a:rPr>
+                </a:br>
+                <a:r>
+                  <a:rPr lang="de-DE" sz="2400" b="0" strike="noStrike" spc="-1" dirty="0">
+                    <a:latin typeface="LMU CompatilFact"/>
+                  </a:rPr>
+                  <a:t>           </a:t>
+                </a:r>
+                <a:r>
+                  <a:rPr lang="de-DE" sz="2000" b="0" strike="noStrike" spc="-1" dirty="0">
+                    <a:latin typeface="LMU CompatilFact"/>
+                  </a:rPr>
+                  <a:t>Suchen einer Partition </a:t>
+                </a:r>
+                <a14:m>
+                  <m:oMath xmlns:m="http://schemas.openxmlformats.org/officeDocument/2006/math">
+                    <m:sSub>
+                      <m:sSubPr>
+                        <m:ctrlPr>
+                          <a:rPr lang="de-DE" sz="2000" b="0" i="1" strike="noStrike" spc="-1" smtClean="0">
+                            <a:latin typeface="Cambria Math" panose="02040503050406030204" pitchFamily="18" charset="0"/>
+                          </a:rPr>
+                        </m:ctrlPr>
+                      </m:sSubPr>
+                      <m:e>
+                        <m:r>
+                          <a:rPr lang="de-DE" sz="2000" b="0" i="1" strike="noStrike" spc="-1" smtClean="0">
+                            <a:latin typeface="Cambria Math" panose="02040503050406030204" pitchFamily="18" charset="0"/>
+                          </a:rPr>
+                          <m:t>𝐶</m:t>
+                        </m:r>
+                      </m:e>
+                      <m:sub>
+                        <m:r>
+                          <a:rPr lang="de-DE" sz="2000" b="0" i="1" strike="noStrike" spc="-1" smtClean="0">
+                            <a:latin typeface="Cambria Math" panose="02040503050406030204" pitchFamily="18" charset="0"/>
+                          </a:rPr>
+                          <m:t>1</m:t>
+                        </m:r>
+                      </m:sub>
+                    </m:sSub>
+                    <m:r>
+                      <a:rPr lang="de-DE" sz="2000" b="0" i="1" strike="noStrike" spc="-1" smtClean="0">
+                        <a:latin typeface="Cambria Math" panose="02040503050406030204" pitchFamily="18" charset="0"/>
+                      </a:rPr>
+                      <m:t>, …, </m:t>
+                    </m:r>
+                    <m:sSub>
+                      <m:sSubPr>
+                        <m:ctrlPr>
+                          <a:rPr lang="de-DE" sz="2000" b="0" i="1" strike="noStrike" spc="-1" smtClean="0">
+                            <a:latin typeface="Cambria Math" panose="02040503050406030204" pitchFamily="18" charset="0"/>
+                          </a:rPr>
+                        </m:ctrlPr>
+                      </m:sSubPr>
+                      <m:e>
+                        <m:r>
+                          <a:rPr lang="de-DE" sz="2000" b="0" i="1" strike="noStrike" spc="-1" smtClean="0">
+                            <a:latin typeface="Cambria Math" panose="02040503050406030204" pitchFamily="18" charset="0"/>
+                          </a:rPr>
+                          <m:t>𝐶</m:t>
+                        </m:r>
+                      </m:e>
+                      <m:sub>
+                        <m:r>
+                          <a:rPr lang="de-DE" sz="2000" b="0" i="1" strike="noStrike" spc="-1" smtClean="0">
+                            <a:latin typeface="Cambria Math" panose="02040503050406030204" pitchFamily="18" charset="0"/>
+                          </a:rPr>
+                          <m:t>𝑔</m:t>
+                        </m:r>
+                      </m:sub>
+                    </m:sSub>
+                  </m:oMath>
+                </a14:m>
+                <a:r>
+                  <a:rPr lang="en-US" sz="2000" b="0" strike="noStrike" spc="-1" dirty="0">
+                    <a:latin typeface="LMU CompatilFact"/>
+                  </a:rPr>
+                  <a:t> </a:t>
+                </a:r>
+                <a:r>
+                  <a:rPr lang="en-US" sz="2000" b="0" strike="noStrike" spc="-1" dirty="0" err="1">
+                    <a:latin typeface="LMU CompatilFact"/>
+                  </a:rPr>
+                  <a:t>mit</a:t>
+                </a:r>
+                <a:r>
+                  <a:rPr lang="en-US" sz="2000" b="0" strike="noStrike" spc="-1" dirty="0">
+                    <a:latin typeface="LMU CompatilFact"/>
+                  </a:rPr>
+                  <a:t> </a:t>
+                </a:r>
+                <a14:m>
+                  <m:oMath xmlns:m="http://schemas.openxmlformats.org/officeDocument/2006/math">
+                    <m:nary>
+                      <m:naryPr>
+                        <m:chr m:val="⋃"/>
+                        <m:ctrlPr>
+                          <a:rPr lang="en-US" sz="2000" b="0" i="1" strike="noStrike" spc="-1" smtClean="0">
+                            <a:latin typeface="Cambria Math" panose="02040503050406030204" pitchFamily="18" charset="0"/>
+                          </a:rPr>
+                        </m:ctrlPr>
+                      </m:naryPr>
+                      <m:sub>
+                        <m:r>
+                          <m:rPr>
+                            <m:brk m:alnAt="23"/>
+                          </m:rPr>
+                          <a:rPr lang="de-DE" sz="2000" b="0" i="1" strike="noStrike" spc="-1" smtClean="0">
+                            <a:latin typeface="Cambria Math" panose="02040503050406030204" pitchFamily="18" charset="0"/>
+                          </a:rPr>
+                          <m:t>𝑘</m:t>
+                        </m:r>
+                        <m:r>
+                          <a:rPr lang="de-DE" sz="2000" b="0" i="1" strike="noStrike" spc="-1" smtClean="0">
+                            <a:latin typeface="Cambria Math" panose="02040503050406030204" pitchFamily="18" charset="0"/>
+                          </a:rPr>
+                          <m:t>=1</m:t>
+                        </m:r>
+                      </m:sub>
+                      <m:sup>
+                        <m:r>
+                          <a:rPr lang="de-DE" sz="2000" b="0" i="1" strike="noStrike" spc="-1" smtClean="0">
+                            <a:latin typeface="Cambria Math" panose="02040503050406030204" pitchFamily="18" charset="0"/>
+                          </a:rPr>
+                          <m:t>𝑔</m:t>
+                        </m:r>
+                      </m:sup>
+                      <m:e>
+                        <m:sSub>
+                          <m:sSubPr>
+                            <m:ctrlPr>
+                              <a:rPr lang="en-US" sz="2000" b="0" i="1" strike="noStrike" spc="-1" smtClean="0">
+                                <a:latin typeface="Cambria Math" panose="02040503050406030204" pitchFamily="18" charset="0"/>
+                              </a:rPr>
+                            </m:ctrlPr>
+                          </m:sSubPr>
+                          <m:e>
+                            <m:r>
+                              <a:rPr lang="de-DE" sz="2000" b="0" i="1" strike="noStrike" spc="-1" smtClean="0">
+                                <a:latin typeface="Cambria Math" panose="02040503050406030204" pitchFamily="18" charset="0"/>
+                              </a:rPr>
+                              <m:t>𝐶</m:t>
+                            </m:r>
+                          </m:e>
+                          <m:sub>
+                            <m:r>
+                              <a:rPr lang="de-DE" sz="2000" b="0" i="1" strike="noStrike" spc="-1" smtClean="0">
+                                <a:latin typeface="Cambria Math" panose="02040503050406030204" pitchFamily="18" charset="0"/>
+                              </a:rPr>
+                              <m:t>𝑘</m:t>
+                            </m:r>
+                          </m:sub>
+                        </m:sSub>
+                        <m:r>
+                          <a:rPr lang="de-DE" sz="2000" b="0" i="1" strike="noStrike" spc="-1" smtClean="0">
+                            <a:latin typeface="Cambria Math" panose="02040503050406030204" pitchFamily="18" charset="0"/>
+                          </a:rPr>
+                          <m:t>=</m:t>
+                        </m:r>
+                        <m:d>
+                          <m:dPr>
+                            <m:begChr m:val="{"/>
+                            <m:endChr m:val="}"/>
+                            <m:ctrlPr>
+                              <a:rPr lang="de-DE" sz="2000" b="0" i="1" strike="noStrike" spc="-1" smtClean="0">
+                                <a:latin typeface="Cambria Math" panose="02040503050406030204" pitchFamily="18" charset="0"/>
+                              </a:rPr>
+                            </m:ctrlPr>
+                          </m:dPr>
+                          <m:e>
+                            <m:sSub>
+                              <m:sSubPr>
+                                <m:ctrlPr>
+                                  <a:rPr lang="de-DE" sz="2000" b="0" i="1" strike="noStrike" spc="-1" smtClean="0">
+                                    <a:latin typeface="Cambria Math" panose="02040503050406030204" pitchFamily="18" charset="0"/>
+                                  </a:rPr>
+                                </m:ctrlPr>
+                              </m:sSubPr>
+                              <m:e>
+                                <m:r>
+                                  <a:rPr lang="de-DE" sz="2000" b="0" i="1" strike="noStrike" spc="-1" smtClean="0">
+                                    <a:latin typeface="Cambria Math" panose="02040503050406030204" pitchFamily="18" charset="0"/>
+                                  </a:rPr>
+                                  <m:t>𝑎</m:t>
+                                </m:r>
+                              </m:e>
+                              <m:sub>
+                                <m:r>
+                                  <a:rPr lang="de-DE" sz="2000" b="0" i="1" strike="noStrike" spc="-1" smtClean="0">
+                                    <a:latin typeface="Cambria Math" panose="02040503050406030204" pitchFamily="18" charset="0"/>
+                                  </a:rPr>
+                                  <m:t>1</m:t>
+                                </m:r>
+                              </m:sub>
+                            </m:sSub>
+                            <m:r>
+                              <a:rPr lang="de-DE" sz="2000" b="0" i="1" strike="noStrike" spc="-1" smtClean="0">
+                                <a:latin typeface="Cambria Math" panose="02040503050406030204" pitchFamily="18" charset="0"/>
+                              </a:rPr>
+                              <m:t>, …, </m:t>
+                            </m:r>
+                            <m:sSub>
+                              <m:sSubPr>
+                                <m:ctrlPr>
+                                  <a:rPr lang="de-DE" sz="2000" b="0" i="1" strike="noStrike" spc="-1" smtClean="0">
+                                    <a:latin typeface="Cambria Math" panose="02040503050406030204" pitchFamily="18" charset="0"/>
+                                  </a:rPr>
+                                </m:ctrlPr>
+                              </m:sSubPr>
+                              <m:e>
+                                <m:r>
+                                  <a:rPr lang="de-DE" sz="2000" b="0" i="1" strike="noStrike" spc="-1" smtClean="0">
+                                    <a:latin typeface="Cambria Math" panose="02040503050406030204" pitchFamily="18" charset="0"/>
+                                  </a:rPr>
+                                  <m:t>𝑎</m:t>
+                                </m:r>
+                              </m:e>
+                              <m:sub>
+                                <m:r>
+                                  <a:rPr lang="de-DE" sz="2000" b="0" i="1" strike="noStrike" spc="-1" smtClean="0">
+                                    <a:latin typeface="Cambria Math" panose="02040503050406030204" pitchFamily="18" charset="0"/>
+                                  </a:rPr>
+                                  <m:t>𝑛</m:t>
+                                </m:r>
+                              </m:sub>
+                            </m:sSub>
+                          </m:e>
+                        </m:d>
+                      </m:e>
+                    </m:nary>
+                  </m:oMath>
+                </a14:m>
+                <a:r>
+                  <a:rPr lang="en-US" sz="2000" b="0" strike="noStrike" spc="-1" dirty="0">
+                    <a:latin typeface="LMU CompatilFact"/>
+                  </a:rPr>
+                  <a:t> </a:t>
+                </a:r>
+                <a:r>
+                  <a:rPr lang="en-US" sz="2000" b="0" strike="noStrike" spc="-1" dirty="0" err="1">
+                    <a:latin typeface="LMU CompatilFact"/>
+                  </a:rPr>
+                  <a:t>wobei</a:t>
+                </a:r>
+                <a:r>
+                  <a:rPr lang="en-US" sz="2000" b="0" strike="noStrike" spc="-1" dirty="0">
+                    <a:latin typeface="LMU CompatilFact"/>
+                  </a:rPr>
+                  <a:t> </a:t>
+                </a:r>
+                <a14:m>
+                  <m:oMath xmlns:m="http://schemas.openxmlformats.org/officeDocument/2006/math">
+                    <m:sSub>
+                      <m:sSubPr>
+                        <m:ctrlPr>
+                          <a:rPr lang="en-US" sz="2000" b="0" i="1" strike="noStrike" spc="-1" smtClean="0">
+                            <a:latin typeface="Cambria Math" panose="02040503050406030204" pitchFamily="18" charset="0"/>
+                          </a:rPr>
+                        </m:ctrlPr>
+                      </m:sSubPr>
+                      <m:e>
+                        <m:r>
+                          <a:rPr lang="de-DE" sz="2000" b="0" i="1" strike="noStrike" spc="-1" smtClean="0">
+                            <a:latin typeface="Cambria Math" panose="02040503050406030204" pitchFamily="18" charset="0"/>
+                          </a:rPr>
+                          <m:t>𝐶</m:t>
+                        </m:r>
+                      </m:e>
+                      <m:sub>
+                        <m:r>
+                          <a:rPr lang="de-DE" sz="2000" b="0" i="1" strike="noStrike" spc="-1" smtClean="0">
+                            <a:latin typeface="Cambria Math" panose="02040503050406030204" pitchFamily="18" charset="0"/>
+                          </a:rPr>
+                          <m:t>𝑘</m:t>
+                        </m:r>
+                      </m:sub>
+                    </m:sSub>
+                    <m:r>
+                      <a:rPr lang="de-DE" sz="2000" b="0" i="1" strike="noStrike" spc="-1" smtClean="0">
+                        <a:latin typeface="Cambria Math" panose="02040503050406030204" pitchFamily="18" charset="0"/>
+                      </a:rPr>
+                      <m:t> </m:t>
+                    </m:r>
+                    <m:r>
+                      <a:rPr lang="de-DE" sz="2000" b="0" i="1" strike="noStrike" spc="-1" smtClean="0">
+                        <a:latin typeface="Cambria Math" panose="02040503050406030204" pitchFamily="18" charset="0"/>
+                        <a:ea typeface="Cambria Math" panose="02040503050406030204" pitchFamily="18" charset="0"/>
+                      </a:rPr>
+                      <m:t>∩ </m:t>
+                    </m:r>
+                    <m:sSub>
+                      <m:sSubPr>
+                        <m:ctrlPr>
+                          <a:rPr lang="de-DE" sz="2000" b="0" i="1" strike="noStrike" spc="-1" smtClean="0">
+                            <a:latin typeface="Cambria Math" panose="02040503050406030204" pitchFamily="18" charset="0"/>
+                            <a:ea typeface="Cambria Math" panose="02040503050406030204" pitchFamily="18" charset="0"/>
+                          </a:rPr>
+                        </m:ctrlPr>
+                      </m:sSubPr>
+                      <m:e>
+                        <m:r>
+                          <a:rPr lang="de-DE" sz="2000" b="0" i="1" strike="noStrike" spc="-1" smtClean="0">
+                            <a:latin typeface="Cambria Math" panose="02040503050406030204" pitchFamily="18" charset="0"/>
+                            <a:ea typeface="Cambria Math" panose="02040503050406030204" pitchFamily="18" charset="0"/>
+                          </a:rPr>
+                          <m:t>𝐶</m:t>
+                        </m:r>
+                      </m:e>
+                      <m:sub>
+                        <m:r>
+                          <a:rPr lang="de-DE" sz="2000" b="0" i="1" strike="noStrike" spc="-1" smtClean="0">
+                            <a:latin typeface="Cambria Math" panose="02040503050406030204" pitchFamily="18" charset="0"/>
+                            <a:ea typeface="Cambria Math" panose="02040503050406030204" pitchFamily="18" charset="0"/>
+                          </a:rPr>
+                          <m:t>𝑙</m:t>
+                        </m:r>
+                      </m:sub>
+                    </m:sSub>
+                    <m:r>
+                      <a:rPr lang="de-DE" sz="2000" b="0" i="1" strike="noStrike" spc="-1" smtClean="0">
+                        <a:latin typeface="Cambria Math" panose="02040503050406030204" pitchFamily="18" charset="0"/>
+                        <a:ea typeface="Cambria Math" panose="02040503050406030204" pitchFamily="18" charset="0"/>
+                      </a:rPr>
+                      <m:t>= ∅   ∀ </m:t>
+                    </m:r>
+                    <m:r>
+                      <a:rPr lang="de-DE" sz="2000" b="0" i="1" strike="noStrike" spc="-1" smtClean="0">
+                        <a:latin typeface="Cambria Math" panose="02040503050406030204" pitchFamily="18" charset="0"/>
+                        <a:ea typeface="Cambria Math" panose="02040503050406030204" pitchFamily="18" charset="0"/>
+                      </a:rPr>
+                      <m:t>𝑘</m:t>
+                    </m:r>
+                    <m:r>
+                      <a:rPr lang="de-DE" sz="2000" b="0" i="1" strike="noStrike" spc="-1" smtClean="0">
+                        <a:latin typeface="Cambria Math" panose="02040503050406030204" pitchFamily="18" charset="0"/>
+                        <a:ea typeface="Cambria Math" panose="02040503050406030204" pitchFamily="18" charset="0"/>
+                      </a:rPr>
+                      <m:t> ≠</m:t>
+                    </m:r>
+                    <m:r>
+                      <a:rPr lang="de-DE" sz="2000" b="0" i="1" strike="noStrike" spc="-1" smtClean="0">
+                        <a:latin typeface="Cambria Math" panose="02040503050406030204" pitchFamily="18" charset="0"/>
+                        <a:ea typeface="Cambria Math" panose="02040503050406030204" pitchFamily="18" charset="0"/>
+                      </a:rPr>
+                      <m:t>𝑙</m:t>
+                    </m:r>
+                  </m:oMath>
+                </a14:m>
+                <a:endParaRPr lang="en-US" sz="2000" b="0" strike="noStrike" spc="-1" dirty="0">
+                  <a:latin typeface="LMU CompatilFact"/>
+                </a:endParaRPr>
+              </a:p>
+              <a:p>
+                <a:pPr marL="432000" indent="-323640">
+                  <a:lnSpc>
+                    <a:spcPct val="100000"/>
+                  </a:lnSpc>
+                  <a:spcBef>
+                    <a:spcPts val="1417"/>
+                  </a:spcBef>
+                  <a:buClr>
+                    <a:srgbClr val="000000"/>
+                  </a:buClr>
+                  <a:buSzPct val="45000"/>
+                  <a:buFont typeface="Wingdings" charset="2"/>
+                  <a:buChar char=""/>
+                </a:pPr>
+                <a:r>
+                  <a:rPr lang="de-DE" sz="2400" dirty="0">
+                    <a:latin typeface="LMU CompatilFact"/>
+                  </a:rPr>
+                  <a:t>Clusteranalyse ist Verfahren des ”</a:t>
+                </a:r>
+                <a:r>
+                  <a:rPr lang="de-DE" sz="2400" dirty="0" err="1">
+                    <a:latin typeface="LMU CompatilFact"/>
+                  </a:rPr>
+                  <a:t>unsupervised</a:t>
+                </a:r>
+                <a:r>
+                  <a:rPr lang="de-DE" sz="2400" dirty="0">
+                    <a:latin typeface="LMU CompatilFact"/>
+                  </a:rPr>
+                  <a:t> </a:t>
+                </a:r>
+                <a:r>
+                  <a:rPr lang="de-DE" sz="2400" dirty="0" err="1">
+                    <a:latin typeface="LMU CompatilFact"/>
+                  </a:rPr>
+                  <a:t>learning</a:t>
+                </a:r>
+                <a:r>
+                  <a:rPr lang="de-DE" sz="2400" dirty="0">
+                    <a:latin typeface="LMU CompatilFact"/>
+                  </a:rPr>
+                  <a:t>”</a:t>
+                </a:r>
+              </a:p>
+              <a:p>
+                <a:pPr marL="432000" indent="-323640">
+                  <a:spcBef>
+                    <a:spcPts val="1417"/>
+                  </a:spcBef>
+                  <a:buClr>
+                    <a:srgbClr val="000000"/>
+                  </a:buClr>
+                  <a:buSzPct val="45000"/>
+                  <a:buFont typeface="Wingdings" charset="2"/>
+                  <a:buChar char=""/>
+                </a:pPr>
+                <a:r>
+                  <a:rPr lang="de-DE" sz="2400" b="0" strike="noStrike" spc="-1" dirty="0">
+                    <a:latin typeface="LMU CompatilFact"/>
+                  </a:rPr>
+                  <a:t>Verschiedene Ansätze für Clustering </a:t>
+                </a:r>
+              </a:p>
+              <a:p>
+                <a:pPr marL="565560" lvl="1">
+                  <a:spcBef>
+                    <a:spcPts val="1417"/>
+                  </a:spcBef>
+                  <a:buClr>
+                    <a:srgbClr val="000000"/>
+                  </a:buClr>
+                  <a:buSzPct val="45000"/>
+                </a:pPr>
+                <a:r>
+                  <a:rPr lang="de-DE" sz="2000" spc="-1" dirty="0">
+                    <a:latin typeface="LMU CompatilFact"/>
+                  </a:rPr>
+                  <a:t>           Optimale Partitionen: Messen der Qualität einer Partition </a:t>
+                </a:r>
+                <a14:m>
+                  <m:oMath xmlns:m="http://schemas.openxmlformats.org/officeDocument/2006/math">
+                    <m:r>
+                      <a:rPr lang="de-DE" sz="2000" b="0" i="1" spc="-1" smtClean="0">
+                        <a:latin typeface="Cambria Math" panose="02040503050406030204" pitchFamily="18" charset="0"/>
+                      </a:rPr>
+                      <m:t>𝐶</m:t>
+                    </m:r>
+                  </m:oMath>
+                </a14:m>
+                <a:r>
+                  <a:rPr lang="de-DE" sz="2000" spc="-1" dirty="0">
+                    <a:latin typeface="LMU CompatilFact"/>
+                  </a:rPr>
+                  <a:t> anhand eines Gütekriteriums</a:t>
+                </a:r>
+              </a:p>
+            </p:txBody>
+          </p:sp>
+        </mc:Choice>
+        <mc:Fallback>
+          <p:sp>
+            <p:nvSpPr>
+              <p:cNvPr id="136" name="CustomShape 6"/>
+              <p:cNvSpPr>
+                <a:spLocks noRot="1" noChangeAspect="1" noMove="1" noResize="1" noEditPoints="1" noAdjustHandles="1" noChangeArrowheads="1" noChangeShapeType="1" noTextEdit="1"/>
+              </p:cNvSpPr>
+              <p:nvPr/>
+            </p:nvSpPr>
+            <p:spPr>
+              <a:xfrm>
+                <a:off x="140400" y="2286000"/>
+                <a:ext cx="11554200" cy="3902605"/>
+              </a:xfrm>
+              <a:prstGeom prst="rect">
+                <a:avLst/>
+              </a:prstGeom>
+              <a:blipFill>
+                <a:blip r:embed="rId3"/>
+                <a:stretch>
+                  <a:fillRect t="-1250"/>
+                </a:stretch>
+              </a:blipFill>
+              <a:ln w="9360">
+                <a:noFill/>
+              </a:ln>
+            </p:spPr>
+            <p:txBody>
+              <a:bodyPr/>
+              <a:lstStyle/>
+              <a:p>
+                <a:r>
+                  <a:rPr lang="de-DE">
+                    <a:noFill/>
+                  </a:rPr>
+                  <a:t> </a:t>
+                </a:r>
+              </a:p>
+            </p:txBody>
+          </p:sp>
+        </mc:Fallback>
+      </mc:AlternateContent>
+      <p:sp>
+        <p:nvSpPr>
+          <p:cNvPr id="137" name="CustomShape 7"/>
           <p:cNvSpPr/>
           <p:nvPr/>
         </p:nvSpPr>
         <p:spPr>
           <a:xfrm>
-            <a:off x="140400" y="2286000"/>
-            <a:ext cx="11554200" cy="3902605"/>
+            <a:off x="318600" y="1304640"/>
+            <a:ext cx="11554200" cy="757440"/>
           </a:xfrm>
           <a:prstGeom prst="rect">
             <a:avLst/>
           </a:prstGeom>
           <a:noFill/>
-          <a:ln w="9360">
+          <a:ln w="0">
             <a:noFill/>
           </a:ln>
         </p:spPr>
@@ -16803,241 +17765,6 @@
           </a:bodyPr>
           <a:lstStyle/>
           <a:p>
-            <a:pPr marL="432000" indent="-323640">
-              <a:lnSpc>
-                <a:spcPct val="100000"/>
-              </a:lnSpc>
-              <a:spcBef>
-                <a:spcPts val="1417"/>
-              </a:spcBef>
-              <a:buClr>
-                <a:srgbClr val="000000"/>
-              </a:buClr>
-              <a:buSzPct val="45000"/>
-              <a:buFont typeface="Wingdings" charset="2"/>
-              <a:buChar char=""/>
-            </a:pPr>
-            <a:r>
-              <a:rPr lang="de-DE" sz="2400" b="0" strike="noStrike" spc="-1" dirty="0">
-                <a:solidFill>
-                  <a:srgbClr val="000000"/>
-                </a:solidFill>
-                <a:latin typeface="LMU CompatilFact"/>
-              </a:rPr>
-              <a:t>Grundidee: Bildung von möglichst homogenen Gruppen, Cluster untereinander möglichst heterogen</a:t>
-            </a:r>
-            <a:endParaRPr lang="en-US" sz="2400" b="0" strike="noStrike" spc="-1" dirty="0">
-              <a:latin typeface="Arial"/>
-            </a:endParaRPr>
-          </a:p>
-          <a:p>
-            <a:pPr marL="432000" indent="-323640">
-              <a:lnSpc>
-                <a:spcPct val="100000"/>
-              </a:lnSpc>
-              <a:spcBef>
-                <a:spcPts val="1417"/>
-              </a:spcBef>
-              <a:buClr>
-                <a:srgbClr val="000000"/>
-              </a:buClr>
-              <a:buSzPct val="45000"/>
-              <a:buFont typeface="Wingdings" charset="2"/>
-              <a:buChar char=""/>
-            </a:pPr>
-            <a:r>
-              <a:rPr lang="de-DE" sz="2400" dirty="0">
-                <a:latin typeface="LMU CompatilFact"/>
-              </a:rPr>
-              <a:t>Clusteranalyse ist Verfahren des ”</a:t>
-            </a:r>
-            <a:r>
-              <a:rPr lang="de-DE" sz="2400" dirty="0" err="1">
-                <a:latin typeface="LMU CompatilFact"/>
-              </a:rPr>
-              <a:t>unsupervised</a:t>
-            </a:r>
-            <a:r>
-              <a:rPr lang="de-DE" sz="2400" dirty="0">
-                <a:latin typeface="LMU CompatilFact"/>
-              </a:rPr>
-              <a:t> </a:t>
-            </a:r>
-            <a:r>
-              <a:rPr lang="de-DE" sz="2400" dirty="0" err="1">
-                <a:latin typeface="LMU CompatilFact"/>
-              </a:rPr>
-              <a:t>learning</a:t>
-            </a:r>
-            <a:r>
-              <a:rPr lang="de-DE" sz="2400" dirty="0">
-                <a:latin typeface="LMU CompatilFact"/>
-              </a:rPr>
-              <a:t>”</a:t>
-            </a:r>
-          </a:p>
-          <a:p>
-            <a:pPr marL="432000" indent="-323640">
-              <a:lnSpc>
-                <a:spcPct val="100000"/>
-              </a:lnSpc>
-              <a:spcBef>
-                <a:spcPts val="1417"/>
-              </a:spcBef>
-              <a:buClr>
-                <a:srgbClr val="000000"/>
-              </a:buClr>
-              <a:buSzPct val="45000"/>
-              <a:buFont typeface="Wingdings" charset="2"/>
-              <a:buChar char=""/>
-            </a:pPr>
-            <a:r>
-              <a:rPr lang="de-DE" sz="2400" spc="-1" dirty="0">
-                <a:latin typeface="LMU CompatilFact"/>
-              </a:rPr>
-              <a:t>Verschiedene </a:t>
-            </a:r>
-            <a:r>
-              <a:rPr lang="de-DE" sz="2400" spc="-1" dirty="0" err="1">
-                <a:latin typeface="LMU CompatilFact"/>
-              </a:rPr>
-              <a:t>Distanzmetriken</a:t>
-            </a:r>
-            <a:endParaRPr lang="de-DE" sz="2400" spc="-1" dirty="0">
-              <a:latin typeface="LMU CompatilFact"/>
-            </a:endParaRPr>
-          </a:p>
-          <a:p>
-            <a:pPr marL="432000" indent="-323640">
-              <a:spcBef>
-                <a:spcPts val="1417"/>
-              </a:spcBef>
-              <a:buClr>
-                <a:srgbClr val="000000"/>
-              </a:buClr>
-              <a:buSzPct val="45000"/>
-              <a:buFont typeface="Wingdings" charset="2"/>
-              <a:buChar char=""/>
-            </a:pPr>
-            <a:r>
-              <a:rPr lang="de-DE" sz="2400" b="0" strike="noStrike" spc="-1" dirty="0">
-                <a:latin typeface="LMU CompatilFact"/>
-              </a:rPr>
-              <a:t>Verschiedene Ansätze für Cluster </a:t>
-            </a:r>
-          </a:p>
-          <a:p>
-            <a:pPr marL="1022760" lvl="1" indent="-457200">
-              <a:spcBef>
-                <a:spcPts val="1417"/>
-              </a:spcBef>
-              <a:buClr>
-                <a:srgbClr val="000000"/>
-              </a:buClr>
-              <a:buSzPct val="45000"/>
-              <a:buFont typeface="Wingdings" panose="05000000000000000000" pitchFamily="2" charset="2"/>
-              <a:buChar char="Ø"/>
-            </a:pPr>
-            <a:r>
-              <a:rPr lang="de-DE" sz="2000" spc="-1" dirty="0">
-                <a:latin typeface="LMU CompatilFact"/>
-              </a:rPr>
-              <a:t>Optimale Partitionen</a:t>
-            </a:r>
-          </a:p>
-          <a:p>
-            <a:pPr marL="1022760" lvl="1" indent="-457200">
-              <a:spcBef>
-                <a:spcPts val="1417"/>
-              </a:spcBef>
-              <a:buClr>
-                <a:srgbClr val="000000"/>
-              </a:buClr>
-              <a:buSzPct val="45000"/>
-              <a:buFont typeface="Wingdings" panose="05000000000000000000" pitchFamily="2" charset="2"/>
-              <a:buChar char="Ø"/>
-            </a:pPr>
-            <a:r>
-              <a:rPr lang="de-DE" sz="2000" spc="-1" dirty="0">
-                <a:latin typeface="LMU CompatilFact"/>
-              </a:rPr>
-              <a:t>Dichtebasierte Verfahren</a:t>
-            </a:r>
-          </a:p>
-          <a:p>
-            <a:pPr marL="1022760" lvl="1" indent="-457200">
-              <a:spcBef>
-                <a:spcPts val="1417"/>
-              </a:spcBef>
-              <a:buClr>
-                <a:srgbClr val="000000"/>
-              </a:buClr>
-              <a:buSzPct val="45000"/>
-              <a:buFont typeface="Wingdings" panose="05000000000000000000" pitchFamily="2" charset="2"/>
-              <a:buChar char="Ø"/>
-            </a:pPr>
-            <a:r>
-              <a:rPr lang="de-DE" sz="2000" spc="-1" dirty="0">
-                <a:latin typeface="LMU CompatilFact"/>
-              </a:rPr>
-              <a:t>Und andere</a:t>
-            </a:r>
-          </a:p>
-          <a:p>
-            <a:pPr marL="565560" indent="-457200">
-              <a:spcBef>
-                <a:spcPts val="1417"/>
-              </a:spcBef>
-              <a:buClr>
-                <a:srgbClr val="000000"/>
-              </a:buClr>
-              <a:buSzPct val="45000"/>
-              <a:buFont typeface="Wingdings" panose="05000000000000000000" pitchFamily="2" charset="2"/>
-              <a:buChar char="Ø"/>
-            </a:pPr>
-            <a:endParaRPr lang="en-US" sz="3200" b="0" strike="noStrike" spc="-1" dirty="0">
-              <a:latin typeface="LMU CompatilFact"/>
-            </a:endParaRPr>
-          </a:p>
-        </p:txBody>
-      </p:sp>
-      <p:sp>
-        <p:nvSpPr>
-          <p:cNvPr id="137" name="CustomShape 7"/>
-          <p:cNvSpPr/>
-          <p:nvPr/>
-        </p:nvSpPr>
-        <p:spPr>
-          <a:xfrm>
-            <a:off x="318600" y="1304640"/>
-            <a:ext cx="11554200" cy="757440"/>
-          </a:xfrm>
-          <a:prstGeom prst="rect">
-            <a:avLst/>
-          </a:prstGeom>
-          <a:noFill/>
-          <a:ln w="0">
-            <a:noFill/>
-          </a:ln>
-        </p:spPr>
-        <p:style>
-          <a:lnRef idx="0">
-            <a:scrgbClr r="0" g="0" b="0"/>
-          </a:lnRef>
-          <a:fillRef idx="0">
-            <a:scrgbClr r="0" g="0" b="0"/>
-          </a:fillRef>
-          <a:effectRef idx="0">
-            <a:scrgbClr r="0" g="0" b="0"/>
-          </a:effectRef>
-          <a:fontRef idx="minor"/>
-        </p:style>
-        <p:txBody>
-          <a:bodyPr lIns="90000" tIns="45000" rIns="90000" bIns="45000">
-            <a:noAutofit/>
-          </a:bodyPr>
-          <a:lstStyle/>
-          <a:p>
             <a:pPr>
               <a:lnSpc>
                 <a:spcPct val="100000"/>
@@ -17061,57 +17788,93 @@
       </p:sp>
       <p:sp>
         <p:nvSpPr>
-          <p:cNvPr id="9" name="Google Shape;435;p52">
+          <p:cNvPr id="10" name="Pfeil: nach rechts 9">
             <a:extLst>
               <a:ext uri="{FF2B5EF4-FFF2-40B4-BE49-F238E27FC236}">
-                <a16:creationId xmlns:a16="http://schemas.microsoft.com/office/drawing/2014/main" id="{34385D23-5AC6-4A9F-BD64-2DB040A4EAB8}"/>
+                <a16:creationId xmlns:a16="http://schemas.microsoft.com/office/drawing/2014/main" id="{84EBBC31-F6A1-496B-89B9-8D863A0B4D1D}"/>
               </a:ext>
             </a:extLst>
           </p:cNvPr>
-          <p:cNvSpPr txBox="1"/>
+          <p:cNvSpPr/>
           <p:nvPr/>
         </p:nvSpPr>
         <p:spPr>
           <a:xfrm>
-            <a:off x="7414800" y="1624025"/>
-            <a:ext cx="2264400" cy="400200"/>
-          </a:xfrm>
-          <a:prstGeom prst="rect">
-            <a:avLst/>
-          </a:prstGeom>
-          <a:noFill/>
-          <a:ln>
-            <a:noFill/>
-          </a:ln>
-        </p:spPr>
+            <a:off x="816600" y="3834617"/>
+            <a:ext cx="318709" cy="240146"/>
+          </a:xfrm>
+          <a:prstGeom prst="rightArrow">
+            <a:avLst/>
+          </a:prstGeom>
+        </p:spPr>
+        <p:style>
+          <a:lnRef idx="2">
+            <a:schemeClr val="accent1">
+              <a:shade val="50000"/>
+            </a:schemeClr>
+          </a:lnRef>
+          <a:fillRef idx="1">
+            <a:schemeClr val="accent1"/>
+          </a:fillRef>
+          <a:effectRef idx="0">
+            <a:schemeClr val="accent1"/>
+          </a:effectRef>
+          <a:fontRef idx="minor">
+            <a:schemeClr val="lt1"/>
+          </a:fontRef>
+        </p:style>
         <p:txBody>
-          <a:bodyPr spcFirstLastPara="1" wrap="square" lIns="91425" tIns="91425" rIns="91425" bIns="91425" anchor="t" anchorCtr="0">
-            <a:spAutoFit/>
-          </a:bodyPr>
+          <a:bodyPr rtlCol="0" anchor="ctr"/>
           <a:lstStyle/>
           <a:p>
-            <a:pPr marL="0" lvl="0" indent="0" algn="l" rtl="0">
-              <a:spcBef>
-                <a:spcPts val="0"/>
-              </a:spcBef>
-              <a:spcAft>
-                <a:spcPts val="0"/>
-              </a:spcAft>
-              <a:buNone/>
-            </a:pPr>
-            <a:r>
-              <a:rPr lang="de-DE" dirty="0">
-                <a:highlight>
-                  <a:srgbClr val="FF0000"/>
-                </a:highlight>
-              </a:rPr>
-              <a:t>TODO</a:t>
-            </a:r>
-            <a:endParaRPr dirty="0">
-              <a:highlight>
-                <a:srgbClr val="FF0000"/>
-              </a:highlight>
-            </a:endParaRPr>
+            <a:pPr algn="ctr"/>
+            <a:endParaRPr lang="de-DE"/>
+          </a:p>
+        </p:txBody>
+      </p:sp>
+      <p:sp>
+        <p:nvSpPr>
+          <p:cNvPr id="12" name="Pfeil: nach rechts 11">
+            <a:extLst>
+              <a:ext uri="{FF2B5EF4-FFF2-40B4-BE49-F238E27FC236}">
+                <a16:creationId xmlns:a16="http://schemas.microsoft.com/office/drawing/2014/main" id="{D0F011CE-109E-4306-9312-D0760BFB28EA}"/>
+              </a:ext>
+            </a:extLst>
+          </p:cNvPr>
+          <p:cNvSpPr/>
+          <p:nvPr/>
+        </p:nvSpPr>
+        <p:spPr>
+          <a:xfrm>
+            <a:off x="816599" y="5433287"/>
+            <a:ext cx="318709" cy="240146"/>
+          </a:xfrm>
+          <a:prstGeom prst="rightArrow">
+            <a:avLst/>
+          </a:prstGeom>
+        </p:spPr>
+        <p:style>
+          <a:lnRef idx="2">
+            <a:schemeClr val="accent1">
+              <a:shade val="50000"/>
+            </a:schemeClr>
+          </a:lnRef>
+          <a:fillRef idx="1">
+            <a:schemeClr val="accent1"/>
+          </a:fillRef>
+          <a:effectRef idx="0">
+            <a:schemeClr val="accent1"/>
+          </a:effectRef>
+          <a:fontRef idx="minor">
+            <a:schemeClr val="lt1"/>
+          </a:fontRef>
+        </p:style>
+        <p:txBody>
+          <a:bodyPr rtlCol="0" anchor="ctr"/>
+          <a:lstStyle/>
+          <a:p>
+            <a:pPr algn="ctr"/>
+            <a:endParaRPr lang="de-DE"/>
           </a:p>
         </p:txBody>
       </p:sp>
@@ -17435,220 +18198,10 @@
       </p:sp>
       <p:sp>
         <p:nvSpPr>
-          <p:cNvPr id="9" name="Untertitel 2">
+          <p:cNvPr id="12" name="CustomShape 7">
             <a:extLst>
               <a:ext uri="{FF2B5EF4-FFF2-40B4-BE49-F238E27FC236}">
-                <a16:creationId xmlns:a16="http://schemas.microsoft.com/office/drawing/2014/main" id="{23F58AA1-1105-48C3-BACE-7751194E179A}"/>
-              </a:ext>
-            </a:extLst>
-          </p:cNvPr>
-          <p:cNvSpPr txBox="1">
-            <a:spLocks/>
-          </p:cNvSpPr>
-          <p:nvPr/>
-        </p:nvSpPr>
-        <p:spPr>
-          <a:xfrm>
-            <a:off x="496592" y="2281853"/>
-            <a:ext cx="10972440" cy="3977280"/>
-          </a:xfrm>
-          <a:prstGeom prst="rect">
-            <a:avLst/>
-          </a:prstGeom>
-        </p:spPr>
-        <p:txBody>
-          <a:bodyPr/>
-          <a:lstStyle>
-            <a:lvl1pPr marL="228600" indent="-228600" algn="l" defTabSz="914400" rtl="0" eaLnBrk="1" latinLnBrk="0" hangingPunct="1">
-              <a:lnSpc>
-                <a:spcPct val="90000"/>
-              </a:lnSpc>
-              <a:spcBef>
-                <a:spcPts val="1000"/>
-              </a:spcBef>
-              <a:buFont typeface="Arial" panose="020B0604020202020204" pitchFamily="34" charset="0"/>
-              <a:buChar char="•"/>
-              <a:defRPr sz="2800" kern="1200">
-                <a:solidFill>
-                  <a:schemeClr val="tx1"/>
-                </a:solidFill>
-                <a:latin typeface="+mn-lt"/>
-                <a:ea typeface="+mn-ea"/>
-                <a:cs typeface="+mn-cs"/>
-              </a:defRPr>
-            </a:lvl1pPr>
-            <a:lvl2pPr marL="685800" indent="-228600" algn="l" defTabSz="914400" rtl="0" eaLnBrk="1" latinLnBrk="0" hangingPunct="1">
-              <a:lnSpc>
-                <a:spcPct val="90000"/>
-              </a:lnSpc>
-              <a:spcBef>
-                <a:spcPts val="500"/>
-              </a:spcBef>
-              <a:buFont typeface="Arial" panose="020B0604020202020204" pitchFamily="34" charset="0"/>
-              <a:buChar char="•"/>
-              <a:defRPr sz="2400" kern="1200">
-                <a:solidFill>
-                  <a:schemeClr val="tx1"/>
-                </a:solidFill>
-                <a:latin typeface="+mn-lt"/>
-                <a:ea typeface="+mn-ea"/>
-                <a:cs typeface="+mn-cs"/>
-              </a:defRPr>
-            </a:lvl2pPr>
-            <a:lvl3pPr marL="1143000" indent="-228600" algn="l" defTabSz="914400" rtl="0" eaLnBrk="1" latinLnBrk="0" hangingPunct="1">
-              <a:lnSpc>
-                <a:spcPct val="90000"/>
-              </a:lnSpc>
-              <a:spcBef>
-                <a:spcPts val="500"/>
-              </a:spcBef>
-              <a:buFont typeface="Arial" panose="020B0604020202020204" pitchFamily="34" charset="0"/>
-              <a:buChar char="•"/>
-              <a:defRPr sz="2000" kern="1200">
-                <a:solidFill>
-                  <a:schemeClr val="tx1"/>
-                </a:solidFill>
-                <a:latin typeface="+mn-lt"/>
-                <a:ea typeface="+mn-ea"/>
-                <a:cs typeface="+mn-cs"/>
-              </a:defRPr>
-            </a:lvl3pPr>
-            <a:lvl4pPr marL="1600200" indent="-228600" algn="l" defTabSz="914400" rtl="0" eaLnBrk="1" latinLnBrk="0" hangingPunct="1">
-              <a:lnSpc>
-                <a:spcPct val="90000"/>
-              </a:lnSpc>
-              <a:spcBef>
-                <a:spcPts val="500"/>
-              </a:spcBef>
-              <a:buFont typeface="Arial" panose="020B0604020202020204" pitchFamily="34" charset="0"/>
-              <a:buChar char="•"/>
-              <a:defRPr sz="1800" kern="1200">
-                <a:solidFill>
-                  <a:schemeClr val="tx1"/>
-                </a:solidFill>
-                <a:latin typeface="+mn-lt"/>
-                <a:ea typeface="+mn-ea"/>
-                <a:cs typeface="+mn-cs"/>
-              </a:defRPr>
-            </a:lvl4pPr>
-            <a:lvl5pPr marL="2057400" indent="-228600" algn="l" defTabSz="914400" rtl="0" eaLnBrk="1" latinLnBrk="0" hangingPunct="1">
-              <a:lnSpc>
-                <a:spcPct val="90000"/>
-              </a:lnSpc>
-              <a:spcBef>
-                <a:spcPts val="500"/>
-              </a:spcBef>
-              <a:buFont typeface="Arial" panose="020B0604020202020204" pitchFamily="34" charset="0"/>
-              <a:buChar char="•"/>
-              <a:defRPr sz="1800" kern="1200">
-                <a:solidFill>
-                  <a:schemeClr val="tx1"/>
-                </a:solidFill>
-                <a:latin typeface="+mn-lt"/>
-                <a:ea typeface="+mn-ea"/>
-                <a:cs typeface="+mn-cs"/>
-              </a:defRPr>
-            </a:lvl5pPr>
-            <a:lvl6pPr marL="2514600" indent="-228600" algn="l" defTabSz="914400" rtl="0" eaLnBrk="1" latinLnBrk="0" hangingPunct="1">
-              <a:lnSpc>
-                <a:spcPct val="90000"/>
-              </a:lnSpc>
-              <a:spcBef>
-                <a:spcPts val="500"/>
-              </a:spcBef>
-              <a:buFont typeface="Arial" panose="020B0604020202020204" pitchFamily="34" charset="0"/>
-              <a:buChar char="•"/>
-              <a:defRPr sz="1800" kern="1200">
-                <a:solidFill>
-                  <a:schemeClr val="tx1"/>
-                </a:solidFill>
-                <a:latin typeface="+mn-lt"/>
-                <a:ea typeface="+mn-ea"/>
-                <a:cs typeface="+mn-cs"/>
-              </a:defRPr>
-            </a:lvl6pPr>
-            <a:lvl7pPr marL="2971800" indent="-228600" algn="l" defTabSz="914400" rtl="0" eaLnBrk="1" latinLnBrk="0" hangingPunct="1">
-              <a:lnSpc>
-                <a:spcPct val="90000"/>
-              </a:lnSpc>
-              <a:spcBef>
-                <a:spcPts val="500"/>
-              </a:spcBef>
-              <a:buFont typeface="Arial" panose="020B0604020202020204" pitchFamily="34" charset="0"/>
-              <a:buChar char="•"/>
-              <a:defRPr sz="1800" kern="1200">
-                <a:solidFill>
-                  <a:schemeClr val="tx1"/>
-                </a:solidFill>
-                <a:latin typeface="+mn-lt"/>
-                <a:ea typeface="+mn-ea"/>
-                <a:cs typeface="+mn-cs"/>
-              </a:defRPr>
-            </a:lvl7pPr>
-            <a:lvl8pPr marL="3429000" indent="-228600" algn="l" defTabSz="914400" rtl="0" eaLnBrk="1" latinLnBrk="0" hangingPunct="1">
-              <a:lnSpc>
-                <a:spcPct val="90000"/>
-              </a:lnSpc>
-              <a:spcBef>
-                <a:spcPts val="500"/>
-              </a:spcBef>
-              <a:buFont typeface="Arial" panose="020B0604020202020204" pitchFamily="34" charset="0"/>
-              <a:buChar char="•"/>
-              <a:defRPr sz="1800" kern="1200">
-                <a:solidFill>
-                  <a:schemeClr val="tx1"/>
-                </a:solidFill>
-                <a:latin typeface="+mn-lt"/>
-                <a:ea typeface="+mn-ea"/>
-                <a:cs typeface="+mn-cs"/>
-              </a:defRPr>
-            </a:lvl8pPr>
-            <a:lvl9pPr marL="3886200" indent="-228600" algn="l" defTabSz="914400" rtl="0" eaLnBrk="1" latinLnBrk="0" hangingPunct="1">
-              <a:lnSpc>
-                <a:spcPct val="90000"/>
-              </a:lnSpc>
-              <a:spcBef>
-                <a:spcPts val="500"/>
-              </a:spcBef>
-              <a:buFont typeface="Arial" panose="020B0604020202020204" pitchFamily="34" charset="0"/>
-              <a:buChar char="•"/>
-              <a:defRPr sz="1800" kern="1200">
-                <a:solidFill>
-                  <a:schemeClr val="tx1"/>
-                </a:solidFill>
-                <a:latin typeface="+mn-lt"/>
-                <a:ea typeface="+mn-ea"/>
-                <a:cs typeface="+mn-cs"/>
-              </a:defRPr>
-            </a:lvl9pPr>
-          </a:lstStyle>
-          <a:p>
-            <a:pPr marL="0" indent="0">
-              <a:buFont typeface="Arial" panose="020B0604020202020204" pitchFamily="34" charset="0"/>
-              <a:buNone/>
-            </a:pPr>
-            <a:r>
-              <a:rPr lang="de-DE" sz="3600">
-                <a:latin typeface="LMU CompatilFact"/>
-              </a:rPr>
-              <a:t>Metriken:</a:t>
-            </a:r>
-          </a:p>
-          <a:p>
-            <a:pPr marL="0" indent="0">
-              <a:buFont typeface="Arial" panose="020B0604020202020204" pitchFamily="34" charset="0"/>
-              <a:buNone/>
-            </a:pPr>
-            <a:endParaRPr lang="de-DE" dirty="0"/>
-          </a:p>
-        </p:txBody>
-      </p:sp>
-      <p:sp>
-        <p:nvSpPr>
-          <p:cNvPr id="10" name="CustomShape 7">
-            <a:extLst>
-              <a:ext uri="{FF2B5EF4-FFF2-40B4-BE49-F238E27FC236}">
-                <a16:creationId xmlns:a16="http://schemas.microsoft.com/office/drawing/2014/main" id="{A6FAA234-627C-4464-A4DC-5790708D0BC6}"/>
+                <a16:creationId xmlns:a16="http://schemas.microsoft.com/office/drawing/2014/main" id="{179F5162-6AF3-4DDA-9F69-B3A4FD35A770}"/>
               </a:ext>
             </a:extLst>
           </p:cNvPr>
@@ -17699,7 +18252,7 @@
                 <a:latin typeface="LMU CompatilFact"/>
                 <a:ea typeface="DejaVu Sans"/>
               </a:rPr>
-              <a:t>Einführung in Clusteranalyse</a:t>
+              <a:t>Clusteranalyse</a:t>
             </a:r>
             <a:endParaRPr lang="en-US" sz="4000" b="0" strike="noStrike" spc="-1" dirty="0">
               <a:latin typeface="Arial"/>
@@ -17707,59 +18260,446 @@
           </a:p>
         </p:txBody>
       </p:sp>
-      <p:sp>
-        <p:nvSpPr>
-          <p:cNvPr id="11" name="Google Shape;435;p52">
+      <mc:AlternateContent xmlns:mc="http://schemas.openxmlformats.org/markup-compatibility/2006">
+        <mc:Choice xmlns:a14="http://schemas.microsoft.com/office/drawing/2010/main" Requires="a14">
+          <p:sp>
+            <p:nvSpPr>
+              <p:cNvPr id="13" name="CustomShape 6">
+                <a:extLst>
+                  <a:ext uri="{FF2B5EF4-FFF2-40B4-BE49-F238E27FC236}">
+                    <a16:creationId xmlns:a16="http://schemas.microsoft.com/office/drawing/2014/main" id="{4AFCE110-88B9-4A35-AC6C-85EF73FCD1B6}"/>
+                  </a:ext>
+                </a:extLst>
+              </p:cNvPr>
+              <p:cNvSpPr/>
+              <p:nvPr/>
+            </p:nvSpPr>
+            <p:spPr>
+              <a:xfrm>
+                <a:off x="140400" y="2286000"/>
+                <a:ext cx="11554200" cy="3902605"/>
+              </a:xfrm>
+              <a:prstGeom prst="rect">
+                <a:avLst/>
+              </a:prstGeom>
+              <a:noFill/>
+              <a:ln w="9360">
+                <a:noFill/>
+              </a:ln>
+            </p:spPr>
+            <p:style>
+              <a:lnRef idx="0">
+                <a:scrgbClr r="0" g="0" b="0"/>
+              </a:lnRef>
+              <a:fillRef idx="0">
+                <a:scrgbClr r="0" g="0" b="0"/>
+              </a:fillRef>
+              <a:effectRef idx="0">
+                <a:scrgbClr r="0" g="0" b="0"/>
+              </a:effectRef>
+              <a:fontRef idx="minor"/>
+            </p:style>
+            <p:txBody>
+              <a:bodyPr lIns="90000" tIns="45000" rIns="90000" bIns="45000">
+                <a:noAutofit/>
+              </a:bodyPr>
+              <a:lstStyle/>
+              <a:p>
+                <a:pPr marL="108360">
+                  <a:lnSpc>
+                    <a:spcPct val="100000"/>
+                  </a:lnSpc>
+                  <a:spcBef>
+                    <a:spcPts val="1417"/>
+                  </a:spcBef>
+                  <a:buClr>
+                    <a:srgbClr val="000000"/>
+                  </a:buClr>
+                  <a:buSzPct val="45000"/>
+                </a:pPr>
+                <a:r>
+                  <a:rPr lang="de-DE" sz="2400" spc="-1" dirty="0">
+                    <a:latin typeface="LMU CompatilFact"/>
+                  </a:rPr>
+                  <a:t>Grundlage für die Clusterbildung ist ein Ähnlichkeits- bzw. Distanzmaß</a:t>
+                </a:r>
+              </a:p>
+              <a:p>
+                <a:pPr marL="565560" lvl="1">
+                  <a:spcBef>
+                    <a:spcPts val="1417"/>
+                  </a:spcBef>
+                  <a:buClr>
+                    <a:srgbClr val="000000"/>
+                  </a:buClr>
+                  <a:buSzPct val="45000"/>
+                </a:pPr>
+                <a:r>
+                  <a:rPr lang="de-DE" sz="2000" spc="-1" dirty="0">
+                    <a:latin typeface="LMU CompatilFact"/>
+                  </a:rPr>
+                  <a:t>          Manhattan-Metrik, bei der die Distanz </a:t>
+                </a:r>
+                <a14:m>
+                  <m:oMath xmlns:m="http://schemas.openxmlformats.org/officeDocument/2006/math">
+                    <m:r>
+                      <a:rPr lang="de-DE" sz="2000" b="0" i="1" spc="-1" smtClean="0">
+                        <a:latin typeface="Cambria Math" panose="02040503050406030204" pitchFamily="18" charset="0"/>
+                      </a:rPr>
+                      <m:t>𝑑</m:t>
+                    </m:r>
+                  </m:oMath>
+                </a14:m>
+                <a:r>
+                  <a:rPr lang="de-DE" sz="2400" spc="-1" dirty="0">
+                    <a:latin typeface="LMU CompatilFact"/>
+                  </a:rPr>
+                  <a:t> </a:t>
+                </a:r>
+                <a:r>
+                  <a:rPr lang="de-DE" sz="2000" spc="-1" dirty="0">
+                    <a:latin typeface="LMU CompatilFact"/>
+                  </a:rPr>
+                  <a:t>zwischen zwei Punkten </a:t>
+                </a:r>
+                <a14:m>
+                  <m:oMath xmlns:m="http://schemas.openxmlformats.org/officeDocument/2006/math">
+                    <m:r>
+                      <a:rPr lang="de-DE" sz="2000" b="0" i="1" spc="-1" smtClean="0">
+                        <a:latin typeface="Cambria Math" panose="02040503050406030204" pitchFamily="18" charset="0"/>
+                      </a:rPr>
+                      <m:t>𝑎</m:t>
+                    </m:r>
+                  </m:oMath>
+                </a14:m>
+                <a:r>
+                  <a:rPr lang="de-DE" sz="2000" spc="-1" dirty="0">
+                    <a:latin typeface="LMU CompatilFact"/>
+                  </a:rPr>
+                  <a:t> und</a:t>
+                </a:r>
+                <a:r>
+                  <a:rPr lang="de-DE" sz="2400" spc="-1" dirty="0">
+                    <a:latin typeface="LMU CompatilFact"/>
+                  </a:rPr>
+                  <a:t> </a:t>
+                </a:r>
+                <a14:m>
+                  <m:oMath xmlns:m="http://schemas.openxmlformats.org/officeDocument/2006/math">
+                    <m:r>
+                      <a:rPr lang="de-DE" sz="2000" b="0" i="1" spc="-1" smtClean="0">
+                        <a:latin typeface="Cambria Math" panose="02040503050406030204" pitchFamily="18" charset="0"/>
+                      </a:rPr>
+                      <m:t>𝑏</m:t>
+                    </m:r>
+                  </m:oMath>
+                </a14:m>
+                <a:r>
+                  <a:rPr lang="de-DE" sz="2400" spc="-1" dirty="0">
+                    <a:latin typeface="LMU CompatilFact"/>
+                  </a:rPr>
+                  <a:t> </a:t>
+                </a:r>
+                <a:r>
+                  <a:rPr lang="de-DE" sz="2000" spc="-1" dirty="0">
+                    <a:latin typeface="LMU CompatilFact"/>
+                  </a:rPr>
+                  <a:t>definiert ist als</a:t>
+                </a:r>
+                <a:r>
+                  <a:rPr lang="de-DE" sz="1100" spc="-1" dirty="0">
+                    <a:latin typeface="LMU CompatilFact"/>
+                  </a:rPr>
+                  <a:t> </a:t>
+                </a:r>
+                <a:endParaRPr lang="de-DE" spc="-1" dirty="0">
+                  <a:latin typeface="LMU CompatilFact"/>
+                </a:endParaRPr>
+              </a:p>
+              <a:p>
+                <a:pPr marL="565560" lvl="1">
+                  <a:spcBef>
+                    <a:spcPts val="1417"/>
+                  </a:spcBef>
+                  <a:buClr>
+                    <a:srgbClr val="000000"/>
+                  </a:buClr>
+                  <a:buSzPct val="45000"/>
+                </a:pPr>
+                <a:r>
+                  <a:rPr lang="de-DE" sz="2400" spc="-1" dirty="0">
+                    <a:latin typeface="LMU CompatilFact"/>
+                  </a:rPr>
+                  <a:t>         </a:t>
+                </a:r>
+                <a14:m>
+                  <m:oMath xmlns:m="http://schemas.openxmlformats.org/officeDocument/2006/math">
+                    <m:r>
+                      <a:rPr lang="de-DE" sz="2400" b="0" i="1" spc="-1" smtClean="0">
+                        <a:latin typeface="Cambria Math" panose="02040503050406030204" pitchFamily="18" charset="0"/>
+                      </a:rPr>
+                      <m:t>𝑑</m:t>
+                    </m:r>
+                    <m:d>
+                      <m:dPr>
+                        <m:ctrlPr>
+                          <a:rPr lang="de-DE" sz="2400" b="0" i="1" spc="-1" smtClean="0">
+                            <a:latin typeface="Cambria Math" panose="02040503050406030204" pitchFamily="18" charset="0"/>
+                          </a:rPr>
+                        </m:ctrlPr>
+                      </m:dPr>
+                      <m:e>
+                        <m:r>
+                          <a:rPr lang="de-DE" sz="2400" b="0" i="1" spc="-1" smtClean="0">
+                            <a:latin typeface="Cambria Math" panose="02040503050406030204" pitchFamily="18" charset="0"/>
+                          </a:rPr>
+                          <m:t>𝑎</m:t>
+                        </m:r>
+                        <m:r>
+                          <a:rPr lang="de-DE" sz="2400" b="0" i="1" spc="-1" smtClean="0">
+                            <a:latin typeface="Cambria Math" panose="02040503050406030204" pitchFamily="18" charset="0"/>
+                          </a:rPr>
+                          <m:t>, </m:t>
+                        </m:r>
+                        <m:r>
+                          <a:rPr lang="de-DE" sz="2400" b="0" i="1" spc="-1" smtClean="0">
+                            <a:latin typeface="Cambria Math" panose="02040503050406030204" pitchFamily="18" charset="0"/>
+                          </a:rPr>
+                          <m:t>𝑏</m:t>
+                        </m:r>
+                      </m:e>
+                    </m:d>
+                    <m:r>
+                      <a:rPr lang="de-DE" sz="2400" b="0" i="1" spc="-1" smtClean="0">
+                        <a:latin typeface="Cambria Math" panose="02040503050406030204" pitchFamily="18" charset="0"/>
+                      </a:rPr>
+                      <m:t>= </m:t>
+                    </m:r>
+                    <m:nary>
+                      <m:naryPr>
+                        <m:chr m:val="∑"/>
+                        <m:ctrlPr>
+                          <a:rPr lang="de-DE" sz="2400" b="0" i="1" spc="-1" smtClean="0">
+                            <a:latin typeface="Cambria Math" panose="02040503050406030204" pitchFamily="18" charset="0"/>
+                          </a:rPr>
+                        </m:ctrlPr>
+                      </m:naryPr>
+                      <m:sub>
+                        <m:r>
+                          <m:rPr>
+                            <m:brk m:alnAt="23"/>
+                          </m:rPr>
+                          <a:rPr lang="de-DE" sz="2400" b="0" i="1" spc="-1" smtClean="0">
+                            <a:latin typeface="Cambria Math" panose="02040503050406030204" pitchFamily="18" charset="0"/>
+                          </a:rPr>
+                          <m:t>𝑖</m:t>
+                        </m:r>
+                        <m:r>
+                          <a:rPr lang="de-DE" sz="2400" b="0" i="1" spc="-1" smtClean="0">
+                            <a:latin typeface="Cambria Math" panose="02040503050406030204" pitchFamily="18" charset="0"/>
+                          </a:rPr>
+                          <m:t>=1</m:t>
+                        </m:r>
+                      </m:sub>
+                      <m:sup>
+                        <m:r>
+                          <a:rPr lang="de-DE" sz="2400" b="0" i="1" spc="-1" smtClean="0">
+                            <a:latin typeface="Cambria Math" panose="02040503050406030204" pitchFamily="18" charset="0"/>
+                          </a:rPr>
+                          <m:t>𝑛</m:t>
+                        </m:r>
+                      </m:sup>
+                      <m:e>
+                        <m:r>
+                          <a:rPr lang="de-DE" sz="2400" b="0" i="1" spc="-1" smtClean="0">
+                            <a:latin typeface="Cambria Math" panose="02040503050406030204" pitchFamily="18" charset="0"/>
+                          </a:rPr>
+                          <m:t>|</m:t>
+                        </m:r>
+                        <m:sSub>
+                          <m:sSubPr>
+                            <m:ctrlPr>
+                              <a:rPr lang="de-DE" sz="2400" b="0" i="1" spc="-1" smtClean="0">
+                                <a:latin typeface="Cambria Math" panose="02040503050406030204" pitchFamily="18" charset="0"/>
+                              </a:rPr>
+                            </m:ctrlPr>
+                          </m:sSubPr>
+                          <m:e>
+                            <m:r>
+                              <a:rPr lang="de-DE" sz="2400" b="0" i="1" spc="-1" smtClean="0">
+                                <a:latin typeface="Cambria Math" panose="02040503050406030204" pitchFamily="18" charset="0"/>
+                              </a:rPr>
+                              <m:t>𝑎</m:t>
+                            </m:r>
+                          </m:e>
+                          <m:sub>
+                            <m:r>
+                              <a:rPr lang="de-DE" sz="2400" b="0" i="1" spc="-1" smtClean="0">
+                                <a:latin typeface="Cambria Math" panose="02040503050406030204" pitchFamily="18" charset="0"/>
+                              </a:rPr>
+                              <m:t>𝑖</m:t>
+                            </m:r>
+                          </m:sub>
+                        </m:sSub>
+                        <m:r>
+                          <a:rPr lang="de-DE" sz="2400" b="0" i="1" spc="-1" smtClean="0">
+                            <a:latin typeface="Cambria Math" panose="02040503050406030204" pitchFamily="18" charset="0"/>
+                          </a:rPr>
+                          <m:t> − </m:t>
+                        </m:r>
+                        <m:sSub>
+                          <m:sSubPr>
+                            <m:ctrlPr>
+                              <a:rPr lang="de-DE" sz="2400" b="0" i="1" spc="-1" smtClean="0">
+                                <a:latin typeface="Cambria Math" panose="02040503050406030204" pitchFamily="18" charset="0"/>
+                              </a:rPr>
+                            </m:ctrlPr>
+                          </m:sSubPr>
+                          <m:e>
+                            <m:r>
+                              <a:rPr lang="de-DE" sz="2400" b="0" i="1" spc="-1" smtClean="0">
+                                <a:latin typeface="Cambria Math" panose="02040503050406030204" pitchFamily="18" charset="0"/>
+                              </a:rPr>
+                              <m:t>𝑏</m:t>
+                            </m:r>
+                          </m:e>
+                          <m:sub>
+                            <m:r>
+                              <a:rPr lang="de-DE" sz="2400" b="0" i="1" spc="-1" smtClean="0">
+                                <a:latin typeface="Cambria Math" panose="02040503050406030204" pitchFamily="18" charset="0"/>
+                              </a:rPr>
+                              <m:t>𝑖</m:t>
+                            </m:r>
+                          </m:sub>
+                        </m:sSub>
+                        <m:r>
+                          <a:rPr lang="de-DE" sz="2400" b="0" i="1" spc="-1" smtClean="0">
+                            <a:latin typeface="Cambria Math" panose="02040503050406030204" pitchFamily="18" charset="0"/>
+                          </a:rPr>
+                          <m:t>|</m:t>
+                        </m:r>
+                      </m:e>
+                    </m:nary>
+                  </m:oMath>
+                </a14:m>
+                <a:r>
+                  <a:rPr lang="de-DE" sz="2400" spc="-1" dirty="0">
+                    <a:latin typeface="LMU CompatilFact"/>
+                  </a:rPr>
+                  <a:t> 	</a:t>
+                </a:r>
+              </a:p>
+              <a:p>
+                <a:pPr marL="108360">
+                  <a:lnSpc>
+                    <a:spcPct val="100000"/>
+                  </a:lnSpc>
+                  <a:spcBef>
+                    <a:spcPts val="1417"/>
+                  </a:spcBef>
+                  <a:buClr>
+                    <a:srgbClr val="000000"/>
+                  </a:buClr>
+                  <a:buSzPct val="45000"/>
+                </a:pPr>
+                <a:endParaRPr lang="de-DE" sz="2800" spc="-1" dirty="0">
+                  <a:latin typeface="LMU CompatilFact"/>
+                </a:endParaRPr>
+              </a:p>
+            </p:txBody>
+          </p:sp>
+        </mc:Choice>
+        <mc:Fallback>
+          <p:sp>
+            <p:nvSpPr>
+              <p:cNvPr id="13" name="CustomShape 6">
+                <a:extLst>
+                  <a:ext uri="{FF2B5EF4-FFF2-40B4-BE49-F238E27FC236}">
+                    <a16:creationId xmlns:a16="http://schemas.microsoft.com/office/drawing/2014/main" id="{4AFCE110-88B9-4A35-AC6C-85EF73FCD1B6}"/>
+                  </a:ext>
+                </a:extLst>
+              </p:cNvPr>
+              <p:cNvSpPr>
+                <a:spLocks noRot="1" noChangeAspect="1" noMove="1" noResize="1" noEditPoints="1" noAdjustHandles="1" noChangeArrowheads="1" noChangeShapeType="1" noTextEdit="1"/>
+              </p:cNvSpPr>
+              <p:nvPr/>
+            </p:nvSpPr>
+            <p:spPr>
+              <a:xfrm>
+                <a:off x="140400" y="2286000"/>
+                <a:ext cx="11554200" cy="3902605"/>
+              </a:xfrm>
+              <a:prstGeom prst="rect">
+                <a:avLst/>
+              </a:prstGeom>
+              <a:blipFill>
+                <a:blip r:embed="rId2"/>
+                <a:stretch>
+                  <a:fillRect t="-1250"/>
+                </a:stretch>
+              </a:blipFill>
+              <a:ln w="9360">
+                <a:noFill/>
+              </a:ln>
+            </p:spPr>
+            <p:txBody>
+              <a:bodyPr/>
+              <a:lstStyle/>
+              <a:p>
+                <a:r>
+                  <a:rPr lang="de-DE">
+                    <a:noFill/>
+                  </a:rPr>
+                  <a:t> </a:t>
+                </a:r>
+              </a:p>
+            </p:txBody>
+          </p:sp>
+        </mc:Fallback>
+      </mc:AlternateContent>
+      <p:sp>
+        <p:nvSpPr>
+          <p:cNvPr id="14" name="Pfeil: nach rechts 13">
             <a:extLst>
               <a:ext uri="{FF2B5EF4-FFF2-40B4-BE49-F238E27FC236}">
-                <a16:creationId xmlns:a16="http://schemas.microsoft.com/office/drawing/2014/main" id="{2D6212C9-9798-4250-A4BC-31AA82AF4537}"/>
+                <a16:creationId xmlns:a16="http://schemas.microsoft.com/office/drawing/2014/main" id="{C3901203-2B89-48D7-B7B8-E26484E6C7B3}"/>
               </a:ext>
             </a:extLst>
           </p:cNvPr>
-          <p:cNvSpPr txBox="1"/>
+          <p:cNvSpPr/>
           <p:nvPr/>
         </p:nvSpPr>
         <p:spPr>
           <a:xfrm>
-            <a:off x="7414800" y="1624025"/>
-            <a:ext cx="2264400" cy="400200"/>
-          </a:xfrm>
-          <a:prstGeom prst="rect">
-            <a:avLst/>
-          </a:prstGeom>
-          <a:noFill/>
-          <a:ln>
-            <a:noFill/>
-          </a:ln>
-        </p:spPr>
+            <a:off x="801471" y="2970260"/>
+            <a:ext cx="318709" cy="240146"/>
+          </a:xfrm>
+          <a:prstGeom prst="rightArrow">
+            <a:avLst/>
+          </a:prstGeom>
+        </p:spPr>
+        <p:style>
+          <a:lnRef idx="2">
+            <a:schemeClr val="accent1">
+              <a:shade val="50000"/>
+            </a:schemeClr>
+          </a:lnRef>
+          <a:fillRef idx="1">
+            <a:schemeClr val="accent1"/>
+          </a:fillRef>
+          <a:effectRef idx="0">
+            <a:schemeClr val="accent1"/>
+          </a:effectRef>
+          <a:fontRef idx="minor">
+            <a:schemeClr val="lt1"/>
+          </a:fontRef>
+        </p:style>
         <p:txBody>
-          <a:bodyPr spcFirstLastPara="1" wrap="square" lIns="91425" tIns="91425" rIns="91425" bIns="91425" anchor="t" anchorCtr="0">
-            <a:spAutoFit/>
-          </a:bodyPr>
+          <a:bodyPr rtlCol="0" anchor="ctr"/>
           <a:lstStyle/>
           <a:p>
-            <a:pPr marL="0" lvl="0" indent="0" algn="l" rtl="0">
-              <a:spcBef>
-                <a:spcPts val="0"/>
-              </a:spcBef>
-              <a:spcAft>
-                <a:spcPts val="0"/>
-              </a:spcAft>
-              <a:buNone/>
-            </a:pPr>
-            <a:r>
-              <a:rPr lang="de-DE" dirty="0">
-                <a:highlight>
-                  <a:srgbClr val="FF0000"/>
-                </a:highlight>
-              </a:rPr>
-              <a:t>TODO</a:t>
-            </a:r>
-            <a:endParaRPr dirty="0">
-              <a:highlight>
-                <a:srgbClr val="FF0000"/>
-              </a:highlight>
-            </a:endParaRPr>
+            <a:pPr algn="ctr"/>
+            <a:endParaRPr lang="de-DE"/>
           </a:p>
         </p:txBody>
       </p:sp>
@@ -19440,8 +20380,8 @@
           </a:p>
         </p:txBody>
       </p:sp>
-      <mc:AlternateContent xmlns:mc="http://schemas.openxmlformats.org/markup-compatibility/2006">
-        <mc:Choice xmlns:a14="http://schemas.microsoft.com/office/drawing/2010/main" Requires="a14">
+      <mc:AlternateContent xmlns:mc="http://schemas.openxmlformats.org/markup-compatibility/2006" xmlns:a14="http://schemas.microsoft.com/office/drawing/2010/main">
+        <mc:Choice Requires="a14">
           <p:sp>
             <p:nvSpPr>
               <p:cNvPr id="12" name="CustomShape 6">
@@ -20138,7 +21078,7 @@
                   <m:oMath xmlns:m="http://schemas.openxmlformats.org/officeDocument/2006/math">
                     <m:r>
                       <a:rPr lang="de-DE" sz="2000" spc="-1">
-                        <a:latin typeface="LMU CompatilFact"/>
+                        <a:latin typeface="Cambria Math" panose="02040503050406030204" pitchFamily="18" charset="0"/>
                       </a:rPr>
                       <m:t> </m:t>
                     </m:r>
@@ -20368,7 +21308,7 @@
             </p:txBody>
           </p:sp>
         </mc:Choice>
-        <mc:Fallback>
+        <mc:Fallback xmlns="">
           <p:sp>
             <p:nvSpPr>
               <p:cNvPr id="12" name="CustomShape 6">
@@ -20416,8 +21356,8 @@
           </p:sp>
         </mc:Fallback>
       </mc:AlternateContent>
-      <mc:AlternateContent xmlns:mc="http://schemas.openxmlformats.org/markup-compatibility/2006">
-        <mc:Choice xmlns:a14="http://schemas.microsoft.com/office/drawing/2010/main" Requires="a14">
+      <mc:AlternateContent xmlns:mc="http://schemas.openxmlformats.org/markup-compatibility/2006" xmlns:a14="http://schemas.microsoft.com/office/drawing/2010/main">
+        <mc:Choice Requires="a14">
           <p:sp>
             <p:nvSpPr>
               <p:cNvPr id="2" name="Textfeld 1">
@@ -20501,7 +21441,7 @@
             </p:txBody>
           </p:sp>
         </mc:Choice>
-        <mc:Fallback>
+        <mc:Fallback xmlns="">
           <p:sp>
             <p:nvSpPr>
               <p:cNvPr id="2" name="Textfeld 1">
@@ -21458,8 +22398,8 @@
           </a:p>
         </p:txBody>
       </p:sp>
-      <mc:AlternateContent xmlns:mc="http://schemas.openxmlformats.org/markup-compatibility/2006">
-        <mc:Choice xmlns:a14="http://schemas.microsoft.com/office/drawing/2010/main" Requires="a14">
+      <mc:AlternateContent xmlns:mc="http://schemas.openxmlformats.org/markup-compatibility/2006" xmlns:a14="http://schemas.microsoft.com/office/drawing/2010/main">
+        <mc:Choice Requires="a14">
           <p:sp>
             <p:nvSpPr>
               <p:cNvPr id="12" name="CustomShape 6">
@@ -22183,7 +23123,7 @@
             </p:txBody>
           </p:sp>
         </mc:Choice>
-        <mc:Fallback>
+        <mc:Fallback xmlns="">
           <p:sp>
             <p:nvSpPr>
               <p:cNvPr id="12" name="CustomShape 6">
@@ -22231,8 +23171,8 @@
           </p:sp>
         </mc:Fallback>
       </mc:AlternateContent>
-      <mc:AlternateContent xmlns:mc="http://schemas.openxmlformats.org/markup-compatibility/2006">
-        <mc:Choice xmlns:a14="http://schemas.microsoft.com/office/drawing/2010/main" Requires="a14">
+      <mc:AlternateContent xmlns:mc="http://schemas.openxmlformats.org/markup-compatibility/2006" xmlns:a14="http://schemas.microsoft.com/office/drawing/2010/main">
+        <mc:Choice Requires="a14">
           <p:sp>
             <p:nvSpPr>
               <p:cNvPr id="2" name="Textfeld 1">
@@ -22316,7 +23256,7 @@
             </p:txBody>
           </p:sp>
         </mc:Choice>
-        <mc:Fallback>
+        <mc:Fallback xmlns="">
           <p:sp>
             <p:nvSpPr>
               <p:cNvPr id="2" name="Textfeld 1">
@@ -40833,20 +41773,20 @@
       </p:sp>
       <p:sp>
         <p:nvSpPr>
-          <p:cNvPr id="206" name="CustomShape 6"/>
+          <p:cNvPr id="207" name="CustomShape 7"/>
           <p:cNvSpPr/>
           <p:nvPr/>
         </p:nvSpPr>
         <p:spPr>
           <a:xfrm>
-            <a:off x="7948556" y="758916"/>
-            <a:ext cx="4098844" cy="2399921"/>
+            <a:off x="318600" y="1304640"/>
+            <a:ext cx="11554200" cy="757440"/>
           </a:xfrm>
           <a:prstGeom prst="rect">
             <a:avLst/>
           </a:prstGeom>
           <a:noFill/>
-          <a:ln w="9360">
+          <a:ln w="0">
             <a:noFill/>
           </a:ln>
         </p:spPr>
@@ -40868,154 +41808,6 @@
           </a:bodyPr>
           <a:lstStyle/>
           <a:p>
-            <a:pPr marL="108360">
-              <a:lnSpc>
-                <a:spcPct val="100000"/>
-              </a:lnSpc>
-              <a:spcBef>
-                <a:spcPts val="1417"/>
-              </a:spcBef>
-              <a:buClr>
-                <a:srgbClr val="000000"/>
-              </a:buClr>
-              <a:buSzPct val="45000"/>
-            </a:pPr>
-            <a:r>
-              <a:rPr lang="en-US" sz="2000" b="0" strike="noStrike" spc="-1" dirty="0" err="1">
-                <a:latin typeface="Arial"/>
-              </a:rPr>
-              <a:t>pAM</a:t>
-            </a:r>
-            <a:r>
-              <a:rPr lang="en-US" sz="2000" b="0" strike="noStrike" spc="-1" dirty="0">
-                <a:latin typeface="Arial"/>
-              </a:rPr>
-              <a:t>…</a:t>
-            </a:r>
-          </a:p>
-          <a:p>
-            <a:pPr marL="108360">
-              <a:lnSpc>
-                <a:spcPct val="100000"/>
-              </a:lnSpc>
-              <a:spcBef>
-                <a:spcPts val="1417"/>
-              </a:spcBef>
-              <a:buClr>
-                <a:srgbClr val="000000"/>
-              </a:buClr>
-              <a:buSzPct val="45000"/>
-            </a:pPr>
-            <a:r>
-              <a:rPr lang="en-US" sz="2000" spc="-1" dirty="0" err="1">
-                <a:latin typeface="Arial"/>
-              </a:rPr>
-              <a:t>Metrik</a:t>
-            </a:r>
-            <a:endParaRPr lang="en-US" sz="2000" spc="-1" dirty="0">
-              <a:latin typeface="Arial"/>
-            </a:endParaRPr>
-          </a:p>
-          <a:p>
-            <a:pPr marL="108360">
-              <a:lnSpc>
-                <a:spcPct val="100000"/>
-              </a:lnSpc>
-              <a:spcBef>
-                <a:spcPts val="1417"/>
-              </a:spcBef>
-              <a:buClr>
-                <a:srgbClr val="000000"/>
-              </a:buClr>
-              <a:buSzPct val="45000"/>
-            </a:pPr>
-            <a:r>
-              <a:rPr lang="en-US" sz="2000" b="0" strike="noStrike" spc="-1" dirty="0" err="1">
-                <a:latin typeface="Arial"/>
-              </a:rPr>
-              <a:t>Methodik</a:t>
-            </a:r>
-            <a:r>
-              <a:rPr lang="en-US" sz="2000" b="0" strike="noStrike" spc="-1" dirty="0">
-                <a:latin typeface="Arial"/>
-              </a:rPr>
-              <a:t> pam</a:t>
-            </a:r>
-          </a:p>
-          <a:p>
-            <a:pPr marL="108360">
-              <a:lnSpc>
-                <a:spcPct val="100000"/>
-              </a:lnSpc>
-              <a:spcBef>
-                <a:spcPts val="1417"/>
-              </a:spcBef>
-              <a:buClr>
-                <a:srgbClr val="000000"/>
-              </a:buClr>
-              <a:buSzPct val="45000"/>
-            </a:pPr>
-            <a:r>
-              <a:rPr lang="en-US" sz="2000" spc="-1" dirty="0" err="1">
-                <a:latin typeface="Arial"/>
-              </a:rPr>
-              <a:t>Auswahl</a:t>
-            </a:r>
-            <a:r>
-              <a:rPr lang="en-US" sz="2000" spc="-1" dirty="0">
-                <a:latin typeface="Arial"/>
-              </a:rPr>
-              <a:t> variable, </a:t>
-            </a:r>
-            <a:r>
-              <a:rPr lang="en-US" sz="2000" spc="-1" dirty="0" err="1">
-                <a:latin typeface="Arial"/>
-              </a:rPr>
-              <a:t>gewichte</a:t>
-            </a:r>
-            <a:endParaRPr lang="en-US" sz="2000" b="0" strike="noStrike" spc="-1" dirty="0">
-              <a:latin typeface="Arial"/>
-            </a:endParaRPr>
-          </a:p>
-        </p:txBody>
-      </p:sp>
-      <p:sp>
-        <p:nvSpPr>
-          <p:cNvPr id="207" name="CustomShape 7"/>
-          <p:cNvSpPr/>
-          <p:nvPr/>
-        </p:nvSpPr>
-        <p:spPr>
-          <a:xfrm>
-            <a:off x="318600" y="1304640"/>
-            <a:ext cx="11554200" cy="757440"/>
-          </a:xfrm>
-          <a:prstGeom prst="rect">
-            <a:avLst/>
-          </a:prstGeom>
-          <a:noFill/>
-          <a:ln w="0">
-            <a:noFill/>
-          </a:ln>
-        </p:spPr>
-        <p:style>
-          <a:lnRef idx="0">
-            <a:scrgbClr r="0" g="0" b="0"/>
-          </a:lnRef>
-          <a:fillRef idx="0">
-            <a:scrgbClr r="0" g="0" b="0"/>
-          </a:fillRef>
-          <a:effectRef idx="0">
-            <a:scrgbClr r="0" g="0" b="0"/>
-          </a:effectRef>
-          <a:fontRef idx="minor"/>
-        </p:style>
-        <p:txBody>
-          <a:bodyPr lIns="90000" tIns="45000" rIns="90000" bIns="45000">
-            <a:noAutofit/>
-          </a:bodyPr>
-          <a:lstStyle/>
-          <a:p>
             <a:pPr>
               <a:lnSpc>
                 <a:spcPct val="100000"/>
@@ -41053,404 +41845,674 @@
           </a:p>
         </p:txBody>
       </p:sp>
-      <p:sp>
-        <p:nvSpPr>
-          <p:cNvPr id="10" name="CustomShape 6">
-            <a:extLst>
-              <a:ext uri="{FF2B5EF4-FFF2-40B4-BE49-F238E27FC236}">
-                <a16:creationId xmlns:a16="http://schemas.microsoft.com/office/drawing/2014/main" id="{584DE1FD-340D-4425-9809-89876DD45B1E}"/>
-              </a:ext>
-            </a:extLst>
-          </p:cNvPr>
-          <p:cNvSpPr/>
-          <p:nvPr/>
-        </p:nvSpPr>
-        <p:spPr>
-          <a:xfrm>
-            <a:off x="158400" y="2235600"/>
-            <a:ext cx="11554200" cy="3815640"/>
-          </a:xfrm>
-          <a:prstGeom prst="rect">
-            <a:avLst/>
-          </a:prstGeom>
-          <a:noFill/>
-          <a:ln w="9360">
-            <a:noFill/>
-          </a:ln>
-        </p:spPr>
-        <p:style>
-          <a:lnRef idx="0">
-            <a:scrgbClr r="0" g="0" b="0"/>
-          </a:lnRef>
-          <a:fillRef idx="0">
-            <a:scrgbClr r="0" g="0" b="0"/>
-          </a:fillRef>
-          <a:effectRef idx="0">
-            <a:scrgbClr r="0" g="0" b="0"/>
-          </a:effectRef>
-          <a:fontRef idx="minor"/>
-        </p:style>
-        <p:txBody>
-          <a:bodyPr lIns="90000" tIns="45000" rIns="90000" bIns="45000">
-            <a:noAutofit/>
-          </a:bodyPr>
-          <a:lstStyle/>
-          <a:p>
-            <a:pPr marL="451260" indent="-342900">
-              <a:lnSpc>
-                <a:spcPct val="100000"/>
-              </a:lnSpc>
-              <a:spcBef>
-                <a:spcPts val="1417"/>
-              </a:spcBef>
-              <a:buClr>
-                <a:srgbClr val="000000"/>
-              </a:buClr>
-              <a:buSzPct val="100000"/>
-              <a:buFont typeface="Arial" panose="020B0604020202020204" pitchFamily="34" charset="0"/>
-              <a:buChar char="•"/>
-            </a:pPr>
-            <a:r>
-              <a:rPr lang="de-DE" sz="2400" spc="-1" dirty="0">
-                <a:latin typeface="LMU CompatilFact"/>
-              </a:rPr>
-              <a:t>PAM steht für </a:t>
-            </a:r>
-            <a:r>
-              <a:rPr lang="de-DE" sz="2400" spc="-1" dirty="0" err="1">
-                <a:latin typeface="LMU CompatilFact"/>
-              </a:rPr>
-              <a:t>Partitioning</a:t>
-            </a:r>
-            <a:r>
-              <a:rPr lang="de-DE" sz="2400" spc="-1" dirty="0">
-                <a:latin typeface="LMU CompatilFact"/>
-              </a:rPr>
-              <a:t> </a:t>
-            </a:r>
-            <a:r>
-              <a:rPr lang="de-DE" sz="2400" spc="-1" dirty="0" err="1">
-                <a:latin typeface="LMU CompatilFact"/>
-              </a:rPr>
-              <a:t>Around</a:t>
-            </a:r>
-            <a:r>
-              <a:rPr lang="de-DE" sz="2400" spc="-1" dirty="0">
-                <a:latin typeface="LMU CompatilFact"/>
-              </a:rPr>
-              <a:t> </a:t>
-            </a:r>
-            <a:r>
-              <a:rPr lang="de-DE" sz="2400" spc="-1" dirty="0" err="1">
-                <a:latin typeface="LMU CompatilFact"/>
-              </a:rPr>
-              <a:t>Medoids</a:t>
-            </a:r>
-            <a:endParaRPr lang="de-DE" sz="2400" spc="-1" dirty="0">
-              <a:latin typeface="LMU CompatilFact"/>
-            </a:endParaRPr>
-          </a:p>
-          <a:p>
-            <a:pPr marL="451260" indent="-342900">
-              <a:lnSpc>
-                <a:spcPct val="100000"/>
-              </a:lnSpc>
-              <a:spcBef>
-                <a:spcPts val="1417"/>
-              </a:spcBef>
-              <a:buClr>
-                <a:srgbClr val="000000"/>
-              </a:buClr>
-              <a:buSzPct val="100000"/>
-              <a:buFont typeface="Arial" panose="020B0604020202020204" pitchFamily="34" charset="0"/>
-              <a:buChar char="•"/>
-            </a:pPr>
-            <a:r>
-              <a:rPr lang="de-DE" sz="2400" spc="-1" dirty="0">
-                <a:latin typeface="LMU CompatilFact"/>
-              </a:rPr>
-              <a:t>Gehört zu den Partitionierenden Verfahren</a:t>
-            </a:r>
-          </a:p>
-          <a:p>
-            <a:pPr marL="451260" indent="-342900">
-              <a:lnSpc>
-                <a:spcPct val="100000"/>
-              </a:lnSpc>
-              <a:spcBef>
-                <a:spcPts val="1417"/>
-              </a:spcBef>
-              <a:buClr>
-                <a:srgbClr val="000000"/>
-              </a:buClr>
-              <a:buSzPct val="100000"/>
-              <a:buFont typeface="Arial" panose="020B0604020202020204" pitchFamily="34" charset="0"/>
-              <a:buChar char="•"/>
-            </a:pPr>
-            <a:r>
-              <a:rPr lang="en-US" sz="2400" spc="-1" dirty="0" err="1">
-                <a:latin typeface="LMU CompatilFact"/>
-                <a:cs typeface="Times New Roman" panose="02020603050405020304" pitchFamily="18" charset="0"/>
-              </a:rPr>
-              <a:t>Vorgehen</a:t>
-            </a:r>
-            <a:r>
-              <a:rPr lang="en-US" sz="2400" spc="-1" dirty="0">
-                <a:latin typeface="LMU CompatilFact"/>
-                <a:cs typeface="Times New Roman" panose="02020603050405020304" pitchFamily="18" charset="0"/>
-              </a:rPr>
-              <a:t>: </a:t>
-            </a:r>
-            <a:r>
-              <a:rPr lang="en-US" sz="2000" spc="-1" dirty="0">
-                <a:latin typeface="LMU CompatilFact"/>
-                <a:cs typeface="Times New Roman" panose="02020603050405020304" pitchFamily="18" charset="0"/>
-              </a:rPr>
-              <a:t>1. </a:t>
-            </a:r>
-            <a:r>
-              <a:rPr lang="en-US" sz="2000" spc="-1" dirty="0" err="1">
-                <a:latin typeface="LMU CompatilFact"/>
-                <a:cs typeface="Times New Roman" panose="02020603050405020304" pitchFamily="18" charset="0"/>
-              </a:rPr>
-              <a:t>Anzahl</a:t>
-            </a:r>
-            <a:r>
-              <a:rPr lang="en-US" sz="2000" spc="-1" dirty="0">
-                <a:latin typeface="LMU CompatilFact"/>
-                <a:cs typeface="Times New Roman" panose="02020603050405020304" pitchFamily="18" charset="0"/>
-              </a:rPr>
-              <a:t> an Cluster </a:t>
-            </a:r>
-            <a:r>
-              <a:rPr lang="en-US" sz="2000" spc="-1" dirty="0" err="1">
-                <a:latin typeface="LMU CompatilFact"/>
-                <a:cs typeface="Times New Roman" panose="02020603050405020304" pitchFamily="18" charset="0"/>
-              </a:rPr>
-              <a:t>festlegen</a:t>
-            </a:r>
-            <a:endParaRPr lang="en-US" sz="2000" spc="-1" dirty="0">
-              <a:latin typeface="LMU CompatilFact"/>
-              <a:cs typeface="Times New Roman" panose="02020603050405020304" pitchFamily="18" charset="0"/>
-            </a:endParaRPr>
-          </a:p>
-          <a:p>
-            <a:pPr marL="108360">
-              <a:lnSpc>
-                <a:spcPct val="100000"/>
-              </a:lnSpc>
-              <a:spcBef>
-                <a:spcPts val="1417"/>
-              </a:spcBef>
-              <a:buClr>
-                <a:srgbClr val="000000"/>
-              </a:buClr>
-              <a:buSzPct val="100000"/>
-            </a:pPr>
-            <a:r>
-              <a:rPr lang="en-US" sz="2000" spc="-1" dirty="0">
-                <a:latin typeface="LMU CompatilFact"/>
-                <a:cs typeface="Times New Roman" panose="02020603050405020304" pitchFamily="18" charset="0"/>
-              </a:rPr>
-              <a:t>                             2. </a:t>
-            </a:r>
-          </a:p>
-          <a:p>
-            <a:pPr marL="108360">
-              <a:lnSpc>
-                <a:spcPct val="100000"/>
-              </a:lnSpc>
-              <a:spcBef>
-                <a:spcPts val="1417"/>
-              </a:spcBef>
-              <a:buClr>
-                <a:srgbClr val="000000"/>
-              </a:buClr>
-              <a:buSzPct val="100000"/>
-            </a:pPr>
-            <a:r>
-              <a:rPr lang="en-US" sz="2000" spc="-1" dirty="0">
-                <a:latin typeface="LMU CompatilFact"/>
-                <a:cs typeface="Times New Roman" panose="02020603050405020304" pitchFamily="18" charset="0"/>
-              </a:rPr>
-              <a:t>                             3. </a:t>
-            </a:r>
-            <a:r>
-              <a:rPr lang="en-US" sz="2000" spc="-1" dirty="0" err="1">
-                <a:latin typeface="LMU CompatilFact"/>
-                <a:cs typeface="Times New Roman" panose="02020603050405020304" pitchFamily="18" charset="0"/>
-              </a:rPr>
-              <a:t>Verschieben</a:t>
-            </a:r>
-            <a:r>
-              <a:rPr lang="en-US" sz="2000" spc="-1" dirty="0">
-                <a:latin typeface="LMU CompatilFact"/>
-                <a:cs typeface="Times New Roman" panose="02020603050405020304" pitchFamily="18" charset="0"/>
-              </a:rPr>
-              <a:t> der </a:t>
-            </a:r>
-            <a:r>
-              <a:rPr lang="en-US" sz="2000" spc="-1" dirty="0" err="1">
-                <a:latin typeface="LMU CompatilFact"/>
-                <a:cs typeface="Times New Roman" panose="02020603050405020304" pitchFamily="18" charset="0"/>
-              </a:rPr>
-              <a:t>Elemente</a:t>
-            </a:r>
-            <a:r>
-              <a:rPr lang="en-US" sz="2000" spc="-1" dirty="0">
-                <a:latin typeface="LMU CompatilFact"/>
-                <a:cs typeface="Times New Roman" panose="02020603050405020304" pitchFamily="18" charset="0"/>
-              </a:rPr>
-              <a:t> in die </a:t>
-            </a:r>
-            <a:r>
-              <a:rPr lang="en-US" sz="2000" spc="-1" dirty="0" err="1">
-                <a:latin typeface="LMU CompatilFact"/>
-                <a:cs typeface="Times New Roman" panose="02020603050405020304" pitchFamily="18" charset="0"/>
-              </a:rPr>
-              <a:t>nächstgelegene</a:t>
-            </a:r>
-            <a:r>
-              <a:rPr lang="en-US" sz="2000" spc="-1" dirty="0">
-                <a:latin typeface="LMU CompatilFact"/>
-                <a:cs typeface="Times New Roman" panose="02020603050405020304" pitchFamily="18" charset="0"/>
-              </a:rPr>
-              <a:t> Gruppe</a:t>
-            </a:r>
-          </a:p>
-          <a:p>
-            <a:pPr marL="108360">
-              <a:lnSpc>
-                <a:spcPct val="100000"/>
-              </a:lnSpc>
-              <a:spcBef>
-                <a:spcPts val="1417"/>
-              </a:spcBef>
-              <a:buClr>
-                <a:srgbClr val="000000"/>
-              </a:buClr>
-              <a:buSzPct val="100000"/>
-            </a:pPr>
-            <a:r>
-              <a:rPr lang="en-US" sz="2000" spc="-1" dirty="0">
-                <a:latin typeface="LMU CompatilFact"/>
-                <a:cs typeface="Times New Roman" panose="02020603050405020304" pitchFamily="18" charset="0"/>
-              </a:rPr>
-              <a:t>                             4. </a:t>
-            </a:r>
-            <a:r>
-              <a:rPr lang="en-US" sz="2000" spc="-1" dirty="0" err="1">
-                <a:latin typeface="LMU CompatilFact"/>
-                <a:cs typeface="Times New Roman" panose="02020603050405020304" pitchFamily="18" charset="0"/>
-              </a:rPr>
-              <a:t>Wiederholen</a:t>
-            </a:r>
-            <a:r>
-              <a:rPr lang="en-US" sz="2000" spc="-1" dirty="0">
-                <a:latin typeface="LMU CompatilFact"/>
-                <a:cs typeface="Times New Roman" panose="02020603050405020304" pitchFamily="18" charset="0"/>
-              </a:rPr>
-              <a:t> der </a:t>
-            </a:r>
-            <a:r>
-              <a:rPr lang="en-US" sz="2000" spc="-1" dirty="0" err="1">
-                <a:latin typeface="LMU CompatilFact"/>
-                <a:cs typeface="Times New Roman" panose="02020603050405020304" pitchFamily="18" charset="0"/>
-              </a:rPr>
-              <a:t>Schritte</a:t>
-            </a:r>
-            <a:r>
-              <a:rPr lang="en-US" sz="2000" spc="-1" dirty="0">
-                <a:latin typeface="LMU CompatilFact"/>
-                <a:cs typeface="Times New Roman" panose="02020603050405020304" pitchFamily="18" charset="0"/>
-              </a:rPr>
-              <a:t> 2 und 3 bis </a:t>
-            </a:r>
-            <a:r>
-              <a:rPr lang="en-US" sz="2000" spc="-1" dirty="0" err="1">
-                <a:latin typeface="LMU CompatilFact"/>
-                <a:cs typeface="Times New Roman" panose="02020603050405020304" pitchFamily="18" charset="0"/>
-              </a:rPr>
-              <a:t>kein</a:t>
-            </a:r>
-            <a:r>
-              <a:rPr lang="en-US" sz="2000" spc="-1" dirty="0">
-                <a:latin typeface="LMU CompatilFact"/>
-                <a:cs typeface="Times New Roman" panose="02020603050405020304" pitchFamily="18" charset="0"/>
-              </a:rPr>
-              <a:t> Element </a:t>
-            </a:r>
-            <a:r>
-              <a:rPr lang="en-US" sz="2000" spc="-1" dirty="0" err="1">
-                <a:latin typeface="LMU CompatilFact"/>
-                <a:cs typeface="Times New Roman" panose="02020603050405020304" pitchFamily="18" charset="0"/>
-              </a:rPr>
-              <a:t>mehr</a:t>
-            </a:r>
-            <a:r>
-              <a:rPr lang="en-US" sz="2000" spc="-1" dirty="0">
-                <a:latin typeface="LMU CompatilFact"/>
-                <a:cs typeface="Times New Roman" panose="02020603050405020304" pitchFamily="18" charset="0"/>
-              </a:rPr>
-              <a:t> die Gruppe</a:t>
-            </a:r>
-          </a:p>
-          <a:p>
-            <a:pPr marL="108360">
-              <a:spcBef>
-                <a:spcPts val="1417"/>
-              </a:spcBef>
-              <a:buClr>
-                <a:srgbClr val="000000"/>
-              </a:buClr>
-              <a:buSzPct val="100000"/>
-            </a:pPr>
-            <a:r>
-              <a:rPr lang="en-US" sz="2000" spc="-1" dirty="0">
-                <a:latin typeface="LMU CompatilFact"/>
-                <a:cs typeface="Times New Roman" panose="02020603050405020304" pitchFamily="18" charset="0"/>
-              </a:rPr>
-              <a:t>                                 </a:t>
-            </a:r>
-            <a:r>
-              <a:rPr lang="en-US" sz="2000" spc="-1" dirty="0" err="1">
-                <a:latin typeface="LMU CompatilFact"/>
-                <a:cs typeface="Times New Roman" panose="02020603050405020304" pitchFamily="18" charset="0"/>
-              </a:rPr>
-              <a:t>wechseln</a:t>
-            </a:r>
-            <a:r>
-              <a:rPr lang="en-US" sz="2000" spc="-1" dirty="0">
-                <a:latin typeface="LMU CompatilFact"/>
-                <a:cs typeface="Times New Roman" panose="02020603050405020304" pitchFamily="18" charset="0"/>
-              </a:rPr>
-              <a:t> muss</a:t>
-            </a:r>
-          </a:p>
-          <a:p>
-            <a:pPr marL="451260" indent="-342900">
-              <a:lnSpc>
-                <a:spcPct val="100000"/>
-              </a:lnSpc>
-              <a:spcBef>
-                <a:spcPts val="1417"/>
-              </a:spcBef>
-              <a:buClr>
-                <a:srgbClr val="000000"/>
-              </a:buClr>
-              <a:buSzPct val="100000"/>
-              <a:buFont typeface="Arial" panose="020B0604020202020204" pitchFamily="34" charset="0"/>
-              <a:buChar char="•"/>
-            </a:pPr>
-            <a:r>
-              <a:rPr lang="de-DE" sz="2400" spc="-1" dirty="0">
-                <a:latin typeface="LMU CompatilFact"/>
-              </a:rPr>
-              <a:t> </a:t>
-            </a:r>
-          </a:p>
-        </p:txBody>
-      </p:sp>
+      <mc:AlternateContent xmlns:mc="http://schemas.openxmlformats.org/markup-compatibility/2006">
+        <mc:Choice xmlns:a14="http://schemas.microsoft.com/office/drawing/2010/main" Requires="a14">
+          <p:sp>
+            <p:nvSpPr>
+              <p:cNvPr id="10" name="CustomShape 6">
+                <a:extLst>
+                  <a:ext uri="{FF2B5EF4-FFF2-40B4-BE49-F238E27FC236}">
+                    <a16:creationId xmlns:a16="http://schemas.microsoft.com/office/drawing/2014/main" id="{584DE1FD-340D-4425-9809-89876DD45B1E}"/>
+                  </a:ext>
+                </a:extLst>
+              </p:cNvPr>
+              <p:cNvSpPr/>
+              <p:nvPr/>
+            </p:nvSpPr>
+            <p:spPr>
+              <a:xfrm>
+                <a:off x="158400" y="2235600"/>
+                <a:ext cx="11889000" cy="4223880"/>
+              </a:xfrm>
+              <a:prstGeom prst="rect">
+                <a:avLst/>
+              </a:prstGeom>
+              <a:noFill/>
+              <a:ln w="9360">
+                <a:noFill/>
+              </a:ln>
+            </p:spPr>
+            <p:style>
+              <a:lnRef idx="0">
+                <a:scrgbClr r="0" g="0" b="0"/>
+              </a:lnRef>
+              <a:fillRef idx="0">
+                <a:scrgbClr r="0" g="0" b="0"/>
+              </a:fillRef>
+              <a:effectRef idx="0">
+                <a:scrgbClr r="0" g="0" b="0"/>
+              </a:effectRef>
+              <a:fontRef idx="minor"/>
+            </p:style>
+            <p:txBody>
+              <a:bodyPr lIns="90000" tIns="45000" rIns="90000" bIns="45000">
+                <a:noAutofit/>
+              </a:bodyPr>
+              <a:lstStyle/>
+              <a:p>
+                <a:pPr marL="451260" indent="-342900">
+                  <a:lnSpc>
+                    <a:spcPct val="100000"/>
+                  </a:lnSpc>
+                  <a:spcBef>
+                    <a:spcPts val="1417"/>
+                  </a:spcBef>
+                  <a:buClr>
+                    <a:srgbClr val="000000"/>
+                  </a:buClr>
+                  <a:buSzPct val="100000"/>
+                  <a:buFont typeface="Arial" panose="020B0604020202020204" pitchFamily="34" charset="0"/>
+                  <a:buChar char="•"/>
+                </a:pPr>
+                <a:r>
+                  <a:rPr lang="de-DE" sz="2400" spc="-1" dirty="0">
+                    <a:latin typeface="LMU CompatilFact"/>
+                  </a:rPr>
+                  <a:t>PAM steht für </a:t>
+                </a:r>
+                <a:r>
+                  <a:rPr lang="de-DE" sz="2400" spc="-1" dirty="0" err="1">
+                    <a:latin typeface="LMU CompatilFact"/>
+                  </a:rPr>
+                  <a:t>Partitioning</a:t>
+                </a:r>
+                <a:r>
+                  <a:rPr lang="de-DE" sz="2400" spc="-1" dirty="0">
+                    <a:latin typeface="LMU CompatilFact"/>
+                  </a:rPr>
+                  <a:t> </a:t>
+                </a:r>
+                <a:r>
+                  <a:rPr lang="de-DE" sz="2400" spc="-1" dirty="0" err="1">
+                    <a:latin typeface="LMU CompatilFact"/>
+                  </a:rPr>
+                  <a:t>Around</a:t>
+                </a:r>
+                <a:r>
+                  <a:rPr lang="de-DE" sz="2400" spc="-1" dirty="0">
+                    <a:latin typeface="LMU CompatilFact"/>
+                  </a:rPr>
+                  <a:t> </a:t>
+                </a:r>
+                <a:r>
+                  <a:rPr lang="de-DE" sz="2400" spc="-1" dirty="0" err="1">
+                    <a:latin typeface="LMU CompatilFact"/>
+                  </a:rPr>
+                  <a:t>Medoids</a:t>
+                </a:r>
+                <a:endParaRPr lang="de-DE" sz="2400" spc="-1" dirty="0">
+                  <a:latin typeface="LMU CompatilFact"/>
+                </a:endParaRPr>
+              </a:p>
+              <a:p>
+                <a:pPr marL="451260" indent="-342900">
+                  <a:lnSpc>
+                    <a:spcPct val="100000"/>
+                  </a:lnSpc>
+                  <a:spcBef>
+                    <a:spcPts val="1417"/>
+                  </a:spcBef>
+                  <a:buClr>
+                    <a:srgbClr val="000000"/>
+                  </a:buClr>
+                  <a:buSzPct val="100000"/>
+                  <a:buFont typeface="Arial" panose="020B0604020202020204" pitchFamily="34" charset="0"/>
+                  <a:buChar char="•"/>
+                </a:pPr>
+                <a:r>
+                  <a:rPr lang="de-DE" sz="2400" spc="-1" dirty="0">
+                    <a:latin typeface="LMU CompatilFact"/>
+                  </a:rPr>
+                  <a:t>Gehört zu den Partitionierenden Verfahren</a:t>
+                </a:r>
+              </a:p>
+              <a:p>
+                <a:pPr marL="451260" indent="-342900">
+                  <a:lnSpc>
+                    <a:spcPct val="100000"/>
+                  </a:lnSpc>
+                  <a:spcBef>
+                    <a:spcPts val="800"/>
+                  </a:spcBef>
+                  <a:buClr>
+                    <a:srgbClr val="000000"/>
+                  </a:buClr>
+                  <a:buSzPct val="100000"/>
+                  <a:buFont typeface="Arial" panose="020B0604020202020204" pitchFamily="34" charset="0"/>
+                  <a:buChar char="•"/>
+                </a:pPr>
+                <a:r>
+                  <a:rPr lang="en-US" sz="2400" spc="-1" dirty="0" err="1">
+                    <a:latin typeface="LMU CompatilFact"/>
+                    <a:cs typeface="Times New Roman" panose="02020603050405020304" pitchFamily="18" charset="0"/>
+                  </a:rPr>
+                  <a:t>Vorgehen</a:t>
+                </a:r>
+                <a:r>
+                  <a:rPr lang="en-US" sz="2400" spc="-1" dirty="0">
+                    <a:latin typeface="LMU CompatilFact"/>
+                    <a:cs typeface="Times New Roman" panose="02020603050405020304" pitchFamily="18" charset="0"/>
+                  </a:rPr>
+                  <a:t>: </a:t>
+                </a:r>
+                <a:r>
+                  <a:rPr lang="en-US" sz="2000" spc="-1" dirty="0">
+                    <a:latin typeface="LMU CompatilFact"/>
+                    <a:cs typeface="Times New Roman" panose="02020603050405020304" pitchFamily="18" charset="0"/>
+                  </a:rPr>
+                  <a:t>1. </a:t>
+                </a:r>
+                <a:r>
+                  <a:rPr lang="en-US" sz="2000" spc="-1" dirty="0" err="1">
+                    <a:latin typeface="LMU CompatilFact"/>
+                    <a:cs typeface="Times New Roman" panose="02020603050405020304" pitchFamily="18" charset="0"/>
+                  </a:rPr>
+                  <a:t>Anzahl</a:t>
+                </a:r>
+                <a:r>
+                  <a:rPr lang="en-US" sz="2000" spc="-1" dirty="0">
+                    <a:latin typeface="LMU CompatilFact"/>
+                    <a:cs typeface="Times New Roman" panose="02020603050405020304" pitchFamily="18" charset="0"/>
+                  </a:rPr>
+                  <a:t> </a:t>
+                </a:r>
+                <a14:m>
+                  <m:oMath xmlns:m="http://schemas.openxmlformats.org/officeDocument/2006/math">
+                    <m:r>
+                      <a:rPr lang="de-DE" sz="2000" b="0" i="1" spc="-1" smtClean="0">
+                        <a:latin typeface="Cambria Math" panose="02040503050406030204" pitchFamily="18" charset="0"/>
+                        <a:cs typeface="Times New Roman" panose="02020603050405020304" pitchFamily="18" charset="0"/>
+                      </a:rPr>
+                      <m:t>𝑘</m:t>
+                    </m:r>
+                  </m:oMath>
+                </a14:m>
+                <a:r>
+                  <a:rPr lang="en-US" sz="2000" spc="-1" dirty="0">
+                    <a:latin typeface="LMU CompatilFact"/>
+                    <a:cs typeface="Times New Roman" panose="02020603050405020304" pitchFamily="18" charset="0"/>
+                  </a:rPr>
+                  <a:t> an Cluster </a:t>
+                </a:r>
+                <a:r>
+                  <a:rPr lang="en-US" sz="2000" spc="-1" dirty="0" err="1">
+                    <a:latin typeface="LMU CompatilFact"/>
+                    <a:cs typeface="Times New Roman" panose="02020603050405020304" pitchFamily="18" charset="0"/>
+                  </a:rPr>
+                  <a:t>festlegen</a:t>
+                </a:r>
+                <a:endParaRPr lang="en-US" sz="2000" spc="-1" dirty="0">
+                  <a:latin typeface="LMU CompatilFact"/>
+                  <a:cs typeface="Times New Roman" panose="02020603050405020304" pitchFamily="18" charset="0"/>
+                </a:endParaRPr>
+              </a:p>
+              <a:p>
+                <a:pPr marL="108360">
+                  <a:lnSpc>
+                    <a:spcPct val="100000"/>
+                  </a:lnSpc>
+                  <a:spcBef>
+                    <a:spcPts val="800"/>
+                  </a:spcBef>
+                  <a:buClr>
+                    <a:srgbClr val="000000"/>
+                  </a:buClr>
+                  <a:buSzPct val="100000"/>
+                </a:pPr>
+                <a:r>
+                  <a:rPr lang="en-US" sz="2000" spc="-1" dirty="0">
+                    <a:latin typeface="LMU CompatilFact"/>
+                    <a:cs typeface="Times New Roman" panose="02020603050405020304" pitchFamily="18" charset="0"/>
+                  </a:rPr>
+                  <a:t>                             2. Wahl von </a:t>
+                </a:r>
+                <a14:m>
+                  <m:oMath xmlns:m="http://schemas.openxmlformats.org/officeDocument/2006/math">
+                    <m:r>
+                      <a:rPr lang="de-DE" sz="2000" i="1" spc="-1">
+                        <a:latin typeface="Cambria Math" panose="02040503050406030204" pitchFamily="18" charset="0"/>
+                        <a:cs typeface="Times New Roman" panose="02020603050405020304" pitchFamily="18" charset="0"/>
+                      </a:rPr>
+                      <m:t>𝑘</m:t>
+                    </m:r>
+                  </m:oMath>
+                </a14:m>
+                <a:r>
+                  <a:rPr lang="en-US" sz="2000" spc="-1" dirty="0">
+                    <a:latin typeface="LMU CompatilFact"/>
+                    <a:cs typeface="Times New Roman" panose="02020603050405020304" pitchFamily="18" charset="0"/>
+                  </a:rPr>
+                  <a:t> </a:t>
+                </a:r>
+                <a:r>
+                  <a:rPr lang="en-US" sz="2000" spc="-1" dirty="0" err="1">
+                    <a:latin typeface="LMU CompatilFact"/>
+                    <a:cs typeface="Times New Roman" panose="02020603050405020304" pitchFamily="18" charset="0"/>
+                  </a:rPr>
+                  <a:t>repräsentativen</a:t>
+                </a:r>
+                <a:r>
+                  <a:rPr lang="en-US" sz="2000" spc="-1" dirty="0">
+                    <a:latin typeface="LMU CompatilFact"/>
+                    <a:cs typeface="Times New Roman" panose="02020603050405020304" pitchFamily="18" charset="0"/>
+                  </a:rPr>
+                  <a:t> </a:t>
+                </a:r>
+                <a:r>
+                  <a:rPr lang="en-US" sz="2000" spc="-1" dirty="0" err="1">
+                    <a:latin typeface="LMU CompatilFact"/>
+                    <a:cs typeface="Times New Roman" panose="02020603050405020304" pitchFamily="18" charset="0"/>
+                  </a:rPr>
+                  <a:t>Objekten</a:t>
+                </a:r>
+                <a:r>
+                  <a:rPr lang="en-US" sz="2000" spc="-1" dirty="0">
+                    <a:latin typeface="LMU CompatilFact"/>
+                    <a:cs typeface="Times New Roman" panose="02020603050405020304" pitchFamily="18" charset="0"/>
+                  </a:rPr>
+                  <a:t> (Medoids) </a:t>
+                </a:r>
+                <a:r>
+                  <a:rPr lang="en-US" sz="2000" spc="-1" dirty="0" err="1">
+                    <a:latin typeface="LMU CompatilFact"/>
+                    <a:cs typeface="Times New Roman" panose="02020603050405020304" pitchFamily="18" charset="0"/>
+                  </a:rPr>
+                  <a:t>aus</a:t>
+                </a:r>
+                <a:r>
+                  <a:rPr lang="en-US" sz="2000" spc="-1" dirty="0">
+                    <a:latin typeface="LMU CompatilFact"/>
+                    <a:cs typeface="Times New Roman" panose="02020603050405020304" pitchFamily="18" charset="0"/>
+                  </a:rPr>
+                  <a:t> </a:t>
+                </a:r>
+                <a:r>
+                  <a:rPr lang="en-US" sz="2000" spc="-1" dirty="0" err="1">
+                    <a:latin typeface="LMU CompatilFact"/>
+                    <a:cs typeface="Times New Roman" panose="02020603050405020304" pitchFamily="18" charset="0"/>
+                  </a:rPr>
+                  <a:t>allen</a:t>
+                </a:r>
+                <a:r>
+                  <a:rPr lang="en-US" sz="2000" spc="-1" dirty="0">
+                    <a:latin typeface="LMU CompatilFact"/>
+                    <a:cs typeface="Times New Roman" panose="02020603050405020304" pitchFamily="18" charset="0"/>
+                  </a:rPr>
+                  <a:t> </a:t>
+                </a:r>
+                <a:r>
+                  <a:rPr lang="en-US" sz="2000" spc="-1" dirty="0" err="1">
+                    <a:latin typeface="LMU CompatilFact"/>
+                    <a:cs typeface="Times New Roman" panose="02020603050405020304" pitchFamily="18" charset="0"/>
+                  </a:rPr>
+                  <a:t>Beobachtungen</a:t>
+                </a:r>
+                <a:endParaRPr lang="en-US" sz="2000" spc="-1" dirty="0">
+                  <a:latin typeface="LMU CompatilFact"/>
+                  <a:cs typeface="Times New Roman" panose="02020603050405020304" pitchFamily="18" charset="0"/>
+                </a:endParaRPr>
+              </a:p>
+              <a:p>
+                <a:pPr marL="108360">
+                  <a:lnSpc>
+                    <a:spcPct val="100000"/>
+                  </a:lnSpc>
+                  <a:spcBef>
+                    <a:spcPts val="800"/>
+                  </a:spcBef>
+                  <a:buClr>
+                    <a:srgbClr val="000000"/>
+                  </a:buClr>
+                  <a:buSzPct val="100000"/>
+                </a:pPr>
+                <a:r>
+                  <a:rPr lang="en-US" sz="2000" spc="-1" dirty="0">
+                    <a:latin typeface="LMU CompatilFact"/>
+                    <a:cs typeface="Times New Roman" panose="02020603050405020304" pitchFamily="18" charset="0"/>
+                  </a:rPr>
+                  <a:t>	               3. </a:t>
+                </a:r>
+                <a:r>
+                  <a:rPr lang="en-US" sz="2000" spc="-1" dirty="0" err="1">
+                    <a:latin typeface="LMU CompatilFact"/>
+                    <a:cs typeface="Times New Roman" panose="02020603050405020304" pitchFamily="18" charset="0"/>
+                  </a:rPr>
+                  <a:t>Für</a:t>
+                </a:r>
+                <a:r>
+                  <a:rPr lang="en-US" sz="2000" spc="-1" dirty="0">
+                    <a:latin typeface="LMU CompatilFact"/>
+                    <a:cs typeface="Times New Roman" panose="02020603050405020304" pitchFamily="18" charset="0"/>
+                  </a:rPr>
+                  <a:t> </a:t>
+                </a:r>
+                <a:r>
+                  <a:rPr lang="en-US" sz="2000" spc="-1" dirty="0" err="1">
+                    <a:latin typeface="LMU CompatilFact"/>
+                    <a:cs typeface="Times New Roman" panose="02020603050405020304" pitchFamily="18" charset="0"/>
+                  </a:rPr>
+                  <a:t>jeden</a:t>
+                </a:r>
+                <a:r>
+                  <a:rPr lang="en-US" sz="2000" spc="-1" dirty="0">
+                    <a:latin typeface="LMU CompatilFact"/>
+                    <a:cs typeface="Times New Roman" panose="02020603050405020304" pitchFamily="18" charset="0"/>
+                  </a:rPr>
+                  <a:t> Medoid </a:t>
+                </a:r>
+                <a14:m>
+                  <m:oMath xmlns:m="http://schemas.openxmlformats.org/officeDocument/2006/math">
+                    <m:r>
+                      <a:rPr lang="de-DE" sz="2000" b="0" i="1" spc="-1" smtClean="0">
+                        <a:latin typeface="Cambria Math" panose="02040503050406030204" pitchFamily="18" charset="0"/>
+                        <a:cs typeface="Times New Roman" panose="02020603050405020304" pitchFamily="18" charset="0"/>
+                      </a:rPr>
+                      <m:t>𝑚</m:t>
+                    </m:r>
+                  </m:oMath>
+                </a14:m>
+                <a:r>
+                  <a:rPr lang="de-DE" sz="2400" spc="-1" dirty="0">
+                    <a:latin typeface="LMU CompatilFact"/>
+                  </a:rPr>
+                  <a:t> </a:t>
+                </a:r>
+                <a:r>
+                  <a:rPr lang="de-DE" sz="2000" spc="-1" dirty="0">
+                    <a:latin typeface="LMU CompatilFact"/>
+                  </a:rPr>
+                  <a:t>und jeden restlichen Datenpunkt </a:t>
+                </a:r>
+                <a14:m>
+                  <m:oMath xmlns:m="http://schemas.openxmlformats.org/officeDocument/2006/math">
+                    <m:r>
+                      <a:rPr lang="de-DE" sz="2000" b="0" i="1" spc="-1" smtClean="0">
+                        <a:latin typeface="Cambria Math" panose="02040503050406030204" pitchFamily="18" charset="0"/>
+                      </a:rPr>
+                      <m:t>𝑜</m:t>
+                    </m:r>
+                  </m:oMath>
+                </a14:m>
+                <a:r>
+                  <a:rPr lang="de-DE" sz="2000" spc="-1" dirty="0">
+                    <a:latin typeface="LMU CompatilFact"/>
+                  </a:rPr>
+                  <a:t>:</a:t>
+                </a:r>
+                <a:br>
+                  <a:rPr lang="de-DE" sz="2000" spc="-1" dirty="0">
+                    <a:latin typeface="LMU CompatilFact"/>
+                  </a:rPr>
+                </a:br>
+                <a:r>
+                  <a:rPr lang="de-DE" sz="2000" spc="-1" dirty="0">
+                    <a:latin typeface="LMU CompatilFact"/>
+                  </a:rPr>
+                  <a:t>                                          i. Entscheiden, ob ein Datenpunkt </a:t>
+                </a:r>
+                <a14:m>
+                  <m:oMath xmlns:m="http://schemas.openxmlformats.org/officeDocument/2006/math">
+                    <m:r>
+                      <a:rPr lang="de-DE" sz="2000" i="1" spc="-1">
+                        <a:latin typeface="Cambria Math" panose="02040503050406030204" pitchFamily="18" charset="0"/>
+                      </a:rPr>
+                      <m:t>𝑜</m:t>
+                    </m:r>
+                  </m:oMath>
+                </a14:m>
+                <a:r>
+                  <a:rPr lang="de-DE" sz="2000" spc="-1" dirty="0">
+                    <a:latin typeface="LMU CompatilFact"/>
+                  </a:rPr>
+                  <a:t> einen </a:t>
+                </a:r>
+                <a:r>
+                  <a:rPr lang="de-DE" sz="2000" spc="-1" dirty="0" err="1">
+                    <a:latin typeface="LMU CompatilFact"/>
+                  </a:rPr>
+                  <a:t>Medoid</a:t>
+                </a:r>
+                <a:r>
+                  <a:rPr lang="de-DE" sz="2000" spc="-1" dirty="0">
+                    <a:latin typeface="LMU CompatilFact"/>
+                  </a:rPr>
+                  <a:t> </a:t>
+                </a:r>
+                <a14:m>
+                  <m:oMath xmlns:m="http://schemas.openxmlformats.org/officeDocument/2006/math">
+                    <m:r>
+                      <a:rPr lang="de-DE" sz="2000" i="1" spc="-1">
+                        <a:latin typeface="Cambria Math" panose="02040503050406030204" pitchFamily="18" charset="0"/>
+                        <a:cs typeface="Times New Roman" panose="02020603050405020304" pitchFamily="18" charset="0"/>
+                      </a:rPr>
+                      <m:t>𝑚</m:t>
+                    </m:r>
+                  </m:oMath>
+                </a14:m>
+                <a:r>
+                  <a:rPr lang="de-DE" sz="2000" spc="-1" dirty="0">
+                    <a:latin typeface="LMU CompatilFact"/>
+                  </a:rPr>
+                  <a:t> ersetzen soll anhand der Summe </a:t>
+                </a:r>
+                <a14:m>
+                  <m:oMath xmlns:m="http://schemas.openxmlformats.org/officeDocument/2006/math">
+                    <m:r>
+                      <a:rPr lang="de-DE" sz="2000" b="0" i="1" spc="-1" smtClean="0">
+                        <a:latin typeface="Cambria Math" panose="02040503050406030204" pitchFamily="18" charset="0"/>
+                      </a:rPr>
+                      <m:t>𝑆</m:t>
+                    </m:r>
+                  </m:oMath>
+                </a14:m>
+                <a:br>
+                  <a:rPr lang="de-DE" sz="2000" spc="-1" dirty="0">
+                    <a:latin typeface="LMU CompatilFact"/>
+                  </a:rPr>
+                </a:br>
+                <a:r>
+                  <a:rPr lang="de-DE" sz="2000" spc="-1" dirty="0">
+                    <a:latin typeface="LMU CompatilFact"/>
+                  </a:rPr>
+                  <a:t>                                             </a:t>
+                </a:r>
+                <a:r>
+                  <a:rPr lang="de-DE" sz="1050" spc="-1" dirty="0">
+                    <a:latin typeface="LMU CompatilFact"/>
+                  </a:rPr>
+                  <a:t> </a:t>
+                </a:r>
+                <a:r>
+                  <a:rPr lang="de-DE" sz="2000" spc="-1" dirty="0">
+                    <a:latin typeface="LMU CompatilFact"/>
+                  </a:rPr>
+                  <a:t>der Distanzen von allen Datenpunkten zu deren jeweiligen </a:t>
+                </a:r>
+                <a:r>
+                  <a:rPr lang="de-DE" sz="2000" spc="-1" dirty="0" err="1">
+                    <a:latin typeface="LMU CompatilFact"/>
+                  </a:rPr>
+                  <a:t>Medoid</a:t>
+                </a:r>
+                <a:br>
+                  <a:rPr lang="de-DE" sz="2000" spc="-1" dirty="0">
+                    <a:latin typeface="LMU CompatilFact"/>
+                  </a:rPr>
+                </a:br>
+                <a:r>
+                  <a:rPr lang="de-DE" sz="2000" spc="-1" dirty="0">
+                    <a:latin typeface="LMU CompatilFact"/>
+                  </a:rPr>
+                  <a:t>                                          ii. Durchführen für alle Datenpunkte</a:t>
+                </a:r>
+                <a:br>
+                  <a:rPr lang="de-DE" sz="2000" spc="-1" dirty="0">
+                    <a:latin typeface="LMU CompatilFact"/>
+                  </a:rPr>
+                </a:br>
+                <a:r>
+                  <a:rPr lang="de-DE" sz="2000" spc="-1" dirty="0">
+                    <a:latin typeface="LMU CompatilFact"/>
+                  </a:rPr>
+                  <a:t>                                          </a:t>
+                </a:r>
+                <a:r>
+                  <a:rPr lang="de-DE" sz="2000" spc="-1" dirty="0" err="1">
+                    <a:latin typeface="LMU CompatilFact"/>
+                  </a:rPr>
+                  <a:t>iii.</a:t>
+                </a:r>
+                <a:r>
+                  <a:rPr lang="de-DE" sz="2000" spc="-1" dirty="0">
+                    <a:latin typeface="LMU CompatilFact"/>
+                  </a:rPr>
+                  <a:t> Auswahl der Datenpunkte als </a:t>
+                </a:r>
+                <a:r>
+                  <a:rPr lang="de-DE" sz="2000" spc="-1" dirty="0" err="1">
+                    <a:latin typeface="LMU CompatilFact"/>
+                  </a:rPr>
+                  <a:t>Medoids</a:t>
+                </a:r>
+                <a:r>
+                  <a:rPr lang="de-DE" sz="2000" spc="-1" dirty="0">
+                    <a:latin typeface="LMU CompatilFact"/>
+                  </a:rPr>
+                  <a:t>, die die Summe </a:t>
+                </a:r>
+                <a14:m>
+                  <m:oMath xmlns:m="http://schemas.openxmlformats.org/officeDocument/2006/math">
+                    <m:r>
+                      <a:rPr lang="de-DE" sz="2000" i="1" spc="-1">
+                        <a:latin typeface="Cambria Math" panose="02040503050406030204" pitchFamily="18" charset="0"/>
+                      </a:rPr>
+                      <m:t>𝑆</m:t>
+                    </m:r>
+                  </m:oMath>
+                </a14:m>
+                <a:r>
+                  <a:rPr lang="de-DE" sz="2000" spc="-1" dirty="0">
+                    <a:latin typeface="LMU CompatilFact"/>
+                  </a:rPr>
+                  <a:t> am stärksten minimieren</a:t>
+                </a:r>
+              </a:p>
+              <a:p>
+                <a:pPr marL="108360">
+                  <a:lnSpc>
+                    <a:spcPct val="100000"/>
+                  </a:lnSpc>
+                  <a:spcBef>
+                    <a:spcPts val="800"/>
+                  </a:spcBef>
+                  <a:buClr>
+                    <a:srgbClr val="000000"/>
+                  </a:buClr>
+                  <a:buSzPct val="100000"/>
+                </a:pPr>
+                <a:r>
+                  <a:rPr lang="de-DE" sz="2000" spc="-1" dirty="0">
+                    <a:latin typeface="LMU CompatilFact"/>
+                  </a:rPr>
+                  <a:t>                             4.  Datenpunkte dem Cluster zuteilen, dessen </a:t>
+                </a:r>
+                <a:r>
+                  <a:rPr lang="de-DE" sz="2000" spc="-1" dirty="0" err="1">
+                    <a:latin typeface="LMU CompatilFact"/>
+                  </a:rPr>
+                  <a:t>Medoid</a:t>
+                </a:r>
+                <a:r>
+                  <a:rPr lang="de-DE" sz="2000" spc="-1" dirty="0">
+                    <a:latin typeface="LMU CompatilFact"/>
+                  </a:rPr>
+                  <a:t> am nächsten zu </a:t>
+                </a:r>
+                <a14:m>
+                  <m:oMath xmlns:m="http://schemas.openxmlformats.org/officeDocument/2006/math">
+                    <m:r>
+                      <a:rPr lang="de-DE" sz="2000" i="1" spc="-1">
+                        <a:latin typeface="Cambria Math" panose="02040503050406030204" pitchFamily="18" charset="0"/>
+                      </a:rPr>
+                      <m:t>𝑜</m:t>
+                    </m:r>
+                  </m:oMath>
+                </a14:m>
+                <a:r>
+                  <a:rPr lang="de-DE" sz="2000" spc="-1" dirty="0">
+                    <a:latin typeface="LMU CompatilFact"/>
+                  </a:rPr>
+                  <a:t> liegt</a:t>
+                </a:r>
+              </a:p>
+              <a:p>
+                <a:pPr marL="108360">
+                  <a:lnSpc>
+                    <a:spcPct val="100000"/>
+                  </a:lnSpc>
+                  <a:spcBef>
+                    <a:spcPts val="1417"/>
+                  </a:spcBef>
+                  <a:buClr>
+                    <a:srgbClr val="000000"/>
+                  </a:buClr>
+                  <a:buSzPct val="100000"/>
+                </a:pPr>
+                <a:endParaRPr lang="de-DE" sz="2400" spc="-1" dirty="0">
+                  <a:latin typeface="LMU CompatilFact"/>
+                </a:endParaRPr>
+              </a:p>
+            </p:txBody>
+          </p:sp>
+        </mc:Choice>
+        <mc:Fallback>
+          <p:sp>
+            <p:nvSpPr>
+              <p:cNvPr id="10" name="CustomShape 6">
+                <a:extLst>
+                  <a:ext uri="{FF2B5EF4-FFF2-40B4-BE49-F238E27FC236}">
+                    <a16:creationId xmlns:a16="http://schemas.microsoft.com/office/drawing/2014/main" id="{584DE1FD-340D-4425-9809-89876DD45B1E}"/>
+                  </a:ext>
+                </a:extLst>
+              </p:cNvPr>
+              <p:cNvSpPr>
+                <a:spLocks noRot="1" noChangeAspect="1" noMove="1" noResize="1" noEditPoints="1" noAdjustHandles="1" noChangeArrowheads="1" noChangeShapeType="1" noTextEdit="1"/>
+              </p:cNvSpPr>
+              <p:nvPr/>
+            </p:nvSpPr>
+            <p:spPr>
+              <a:xfrm>
+                <a:off x="158400" y="2235600"/>
+                <a:ext cx="11889000" cy="4223880"/>
+              </a:xfrm>
+              <a:prstGeom prst="rect">
+                <a:avLst/>
+              </a:prstGeom>
+              <a:blipFill>
+                <a:blip r:embed="rId3"/>
+                <a:stretch>
+                  <a:fillRect t="-1154"/>
+                </a:stretch>
+              </a:blipFill>
+              <a:ln w="9360">
+                <a:noFill/>
+              </a:ln>
+            </p:spPr>
+            <p:txBody>
+              <a:bodyPr/>
+              <a:lstStyle/>
+              <a:p>
+                <a:r>
+                  <a:rPr lang="de-DE">
+                    <a:noFill/>
+                  </a:rPr>
+                  <a:t> </a:t>
+                </a:r>
+              </a:p>
+            </p:txBody>
+          </p:sp>
+        </mc:Fallback>
+      </mc:AlternateContent>
     </p:spTree>
     <p:extLst>
       <p:ext uri="{BB962C8B-B14F-4D97-AF65-F5344CB8AC3E}">
@@ -49018,10 +50080,10 @@
       </p:sp>
       <p:sp>
         <p:nvSpPr>
-          <p:cNvPr id="8" name="CustomShape 7">
+          <p:cNvPr id="9" name="CustomShape 7">
             <a:extLst>
               <a:ext uri="{FF2B5EF4-FFF2-40B4-BE49-F238E27FC236}">
-                <a16:creationId xmlns:a16="http://schemas.microsoft.com/office/drawing/2014/main" id="{8967840D-C0A4-44D7-A53C-94F7E7CB372E}"/>
+                <a16:creationId xmlns:a16="http://schemas.microsoft.com/office/drawing/2014/main" id="{C7C58661-52AB-492B-A655-F204A424B7A0}"/>
               </a:ext>
             </a:extLst>
           </p:cNvPr>
@@ -49030,8 +50092,8 @@
         </p:nvSpPr>
         <p:spPr>
           <a:xfrm>
-            <a:off x="5088377" y="2671560"/>
-            <a:ext cx="1819973" cy="757440"/>
+            <a:off x="318600" y="1304640"/>
+            <a:ext cx="11554200" cy="757440"/>
           </a:xfrm>
           <a:prstGeom prst="rect">
             <a:avLst/>
@@ -49078,10 +50140,100 @@
                 <a:latin typeface="LMU CompatilFact"/>
                 <a:ea typeface="DejaVu Sans"/>
               </a:rPr>
-              <a:t>Anhang</a:t>
-            </a:r>
-            <a:endParaRPr lang="en-US" sz="4000" b="1" strike="noStrike" spc="-1" dirty="0">
+              <a:t>Quellen</a:t>
+            </a:r>
+            <a:endParaRPr lang="en-US" sz="4000" b="0" strike="noStrike" spc="-1" dirty="0">
               <a:latin typeface="Arial"/>
+            </a:endParaRPr>
+          </a:p>
+        </p:txBody>
+      </p:sp>
+      <p:sp>
+        <p:nvSpPr>
+          <p:cNvPr id="10" name="CustomShape 6">
+            <a:extLst>
+              <a:ext uri="{FF2B5EF4-FFF2-40B4-BE49-F238E27FC236}">
+                <a16:creationId xmlns:a16="http://schemas.microsoft.com/office/drawing/2014/main" id="{53A4F43C-CB9B-45C1-9957-244E5F2A00C2}"/>
+              </a:ext>
+            </a:extLst>
+          </p:cNvPr>
+          <p:cNvSpPr/>
+          <p:nvPr/>
+        </p:nvSpPr>
+        <p:spPr>
+          <a:xfrm>
+            <a:off x="140400" y="2286000"/>
+            <a:ext cx="11554200" cy="3815640"/>
+          </a:xfrm>
+          <a:prstGeom prst="rect">
+            <a:avLst/>
+          </a:prstGeom>
+          <a:noFill/>
+          <a:ln w="9360">
+            <a:noFill/>
+          </a:ln>
+        </p:spPr>
+        <p:style>
+          <a:lnRef idx="0">
+            <a:scrgbClr r="0" g="0" b="0"/>
+          </a:lnRef>
+          <a:fillRef idx="0">
+            <a:scrgbClr r="0" g="0" b="0"/>
+          </a:fillRef>
+          <a:effectRef idx="0">
+            <a:scrgbClr r="0" g="0" b="0"/>
+          </a:effectRef>
+          <a:fontRef idx="minor"/>
+        </p:style>
+        <p:txBody>
+          <a:bodyPr lIns="90000" tIns="45000" rIns="90000" bIns="45000">
+            <a:noAutofit/>
+          </a:bodyPr>
+          <a:lstStyle/>
+          <a:p>
+            <a:pPr marL="108360">
+              <a:lnSpc>
+                <a:spcPct val="100000"/>
+              </a:lnSpc>
+              <a:spcBef>
+                <a:spcPts val="1417"/>
+              </a:spcBef>
+              <a:buClr>
+                <a:srgbClr val="000000"/>
+              </a:buClr>
+              <a:buSzPct val="100000"/>
+            </a:pPr>
+            <a:r>
+              <a:rPr lang="de-DE" sz="2000" spc="-1" dirty="0">
+                <a:latin typeface="LMU CompatilFact"/>
+                <a:hlinkClick r:id="rId2"/>
+              </a:rPr>
+              <a:t>https://arxiv.org/ftp/arxiv/papers/1302/1302.6602.pdf</a:t>
+            </a:r>
+            <a:endParaRPr lang="de-DE" sz="2000" spc="-1" dirty="0">
+              <a:latin typeface="LMU CompatilFact"/>
+            </a:endParaRPr>
+          </a:p>
+          <a:p>
+            <a:pPr marL="108360">
+              <a:lnSpc>
+                <a:spcPct val="100000"/>
+              </a:lnSpc>
+              <a:spcBef>
+                <a:spcPts val="1417"/>
+              </a:spcBef>
+              <a:buClr>
+                <a:srgbClr val="000000"/>
+              </a:buClr>
+              <a:buSzPct val="100000"/>
+            </a:pPr>
+            <a:br>
+              <a:rPr lang="de-DE" sz="2000" spc="-1" dirty="0">
+                <a:latin typeface="LMU CompatilFact"/>
+              </a:rPr>
+            </a:br>
+            <a:endParaRPr lang="de-DE" sz="2400" spc="-1" dirty="0">
+              <a:latin typeface="LMU CompatilFact"/>
             </a:endParaRPr>
           </a:p>
         </p:txBody>
@@ -49089,7 +50241,7 @@
     </p:spTree>
     <p:extLst>
       <p:ext uri="{BB962C8B-B14F-4D97-AF65-F5344CB8AC3E}">
-        <p14:creationId xmlns:p14="http://schemas.microsoft.com/office/powerpoint/2010/main" val="2481077313"/>
+        <p14:creationId xmlns:p14="http://schemas.microsoft.com/office/powerpoint/2010/main" val="1828941740"/>
       </p:ext>
     </p:extLst>
   </p:cSld>
@@ -50163,7 +51315,7 @@
       </p:grpSpPr>
       <p:sp>
         <p:nvSpPr>
-          <p:cNvPr id="208" name="CustomShape 1"/>
+          <p:cNvPr id="96" name="CustomShape 1"/>
           <p:cNvSpPr/>
           <p:nvPr/>
         </p:nvSpPr>
@@ -50203,7 +51355,7 @@
                 <a:spcPct val="100000"/>
               </a:lnSpc>
             </a:pPr>
-            <a:fld id="{2BFEA7F1-5216-4B02-A4C0-C4A29E7F39B7}" type="slidenum">
+            <a:fld id="{76839625-DDCB-4BF0-B421-B9D743C4C90E}" type="slidenum">
               <a:rPr lang="de-DE" sz="1400" b="0" strike="noStrike" spc="-1">
                 <a:solidFill>
                   <a:srgbClr val="006C30"/>
@@ -50220,7 +51372,7 @@
       </p:sp>
       <p:sp>
         <p:nvSpPr>
-          <p:cNvPr id="209" name="CustomShape 2"/>
+          <p:cNvPr id="97" name="CustomShape 2"/>
           <p:cNvSpPr/>
           <p:nvPr/>
         </p:nvSpPr>
@@ -50279,7 +51431,7 @@
       </p:sp>
       <p:sp>
         <p:nvSpPr>
-          <p:cNvPr id="210" name="CustomShape 3"/>
+          <p:cNvPr id="98" name="CustomShape 3"/>
           <p:cNvSpPr/>
           <p:nvPr/>
         </p:nvSpPr>
@@ -50316,7 +51468,7 @@
       </p:sp>
       <p:sp>
         <p:nvSpPr>
-          <p:cNvPr id="211" name="CustomShape 4"/>
+          <p:cNvPr id="99" name="CustomShape 4"/>
           <p:cNvSpPr/>
           <p:nvPr/>
         </p:nvSpPr>
@@ -50373,7 +51525,7 @@
       </p:sp>
       <p:sp>
         <p:nvSpPr>
-          <p:cNvPr id="212" name="CustomShape 5"/>
+          <p:cNvPr id="100" name="CustomShape 5"/>
           <p:cNvSpPr/>
           <p:nvPr/>
         </p:nvSpPr>
@@ -50451,14 +51603,14 @@
       </p:sp>
       <p:sp>
         <p:nvSpPr>
-          <p:cNvPr id="213" name="CustomShape 6"/>
+          <p:cNvPr id="101" name="CustomShape 6"/>
           <p:cNvSpPr/>
           <p:nvPr/>
         </p:nvSpPr>
         <p:spPr>
           <a:xfrm>
-            <a:off x="159120" y="2169000"/>
-            <a:ext cx="11554200" cy="3815640"/>
+            <a:off x="221264" y="1835374"/>
+            <a:ext cx="11554200" cy="4590900"/>
           </a:xfrm>
           <a:prstGeom prst="rect">
             <a:avLst/>
@@ -50490,29 +51642,147 @@
               <a:lnSpc>
                 <a:spcPct val="100000"/>
               </a:lnSpc>
-              <a:spcAft>
-                <a:spcPts val="601"/>
-              </a:spcAft>
               <a:buClr>
                 <a:srgbClr val="000000"/>
               </a:buClr>
             </a:pPr>
-            <a:endParaRPr lang="en-US" sz="2800" b="0" strike="noStrike" spc="-1" dirty="0">
-              <a:latin typeface="Arial"/>
+            <a:endParaRPr lang="de-DE" sz="2800" spc="-1" dirty="0">
+              <a:solidFill>
+                <a:srgbClr val="000000"/>
+              </a:solidFill>
+              <a:latin typeface="LMU CompatilFact"/>
             </a:endParaRPr>
           </a:p>
+          <a:p>
+            <a:pPr marL="720">
+              <a:lnSpc>
+                <a:spcPct val="100000"/>
+              </a:lnSpc>
+              <a:buClr>
+                <a:srgbClr val="000000"/>
+              </a:buClr>
+            </a:pPr>
+            <a:endParaRPr lang="de-DE" sz="2800" spc="-1" dirty="0">
+              <a:solidFill>
+                <a:srgbClr val="000000"/>
+              </a:solidFill>
+              <a:latin typeface="LMU CompatilFact"/>
+            </a:endParaRPr>
+          </a:p>
+          <a:p>
+            <a:pPr marL="720">
+              <a:lnSpc>
+                <a:spcPct val="100000"/>
+              </a:lnSpc>
+              <a:buClr>
+                <a:srgbClr val="000000"/>
+              </a:buClr>
+            </a:pPr>
+            <a:endParaRPr lang="de-DE" sz="2800" spc="-1" dirty="0">
+              <a:solidFill>
+                <a:srgbClr val="000000"/>
+              </a:solidFill>
+              <a:latin typeface="LMU CompatilFact"/>
+            </a:endParaRPr>
+          </a:p>
+          <a:p>
+            <a:pPr marL="720">
+              <a:lnSpc>
+                <a:spcPct val="100000"/>
+              </a:lnSpc>
+              <a:buClr>
+                <a:srgbClr val="000000"/>
+              </a:buClr>
+            </a:pPr>
+            <a:endParaRPr lang="de-DE" sz="2800" spc="-1" dirty="0">
+              <a:solidFill>
+                <a:srgbClr val="000000"/>
+              </a:solidFill>
+              <a:latin typeface="LMU CompatilFact"/>
+            </a:endParaRPr>
+          </a:p>
+          <a:p>
+            <a:pPr marL="720">
+              <a:lnSpc>
+                <a:spcPct val="100000"/>
+              </a:lnSpc>
+              <a:buClr>
+                <a:srgbClr val="000000"/>
+              </a:buClr>
+            </a:pPr>
+            <a:endParaRPr lang="de-DE" sz="2800" spc="-1" dirty="0">
+              <a:solidFill>
+                <a:srgbClr val="000000"/>
+              </a:solidFill>
+              <a:latin typeface="LMU CompatilFact"/>
+            </a:endParaRPr>
+          </a:p>
+          <a:p>
+            <a:pPr marL="720">
+              <a:lnSpc>
+                <a:spcPct val="100000"/>
+              </a:lnSpc>
+              <a:buClr>
+                <a:srgbClr val="000000"/>
+              </a:buClr>
+            </a:pPr>
+            <a:endParaRPr lang="de-DE" sz="2800" spc="-1" dirty="0">
+              <a:solidFill>
+                <a:srgbClr val="000000"/>
+              </a:solidFill>
+              <a:latin typeface="LMU CompatilFact"/>
+            </a:endParaRPr>
+          </a:p>
+          <a:p>
+            <a:pPr marL="720">
+              <a:lnSpc>
+                <a:spcPct val="100000"/>
+              </a:lnSpc>
+              <a:buClr>
+                <a:srgbClr val="000000"/>
+              </a:buClr>
+            </a:pPr>
+            <a:endParaRPr lang="de-DE" sz="2800" spc="-1" dirty="0">
+              <a:solidFill>
+                <a:srgbClr val="000000"/>
+              </a:solidFill>
+              <a:latin typeface="LMU CompatilFact"/>
+            </a:endParaRPr>
+          </a:p>
+          <a:p>
+            <a:pPr marL="720">
+              <a:lnSpc>
+                <a:spcPct val="100000"/>
+              </a:lnSpc>
+              <a:buClr>
+                <a:srgbClr val="000000"/>
+              </a:buClr>
+            </a:pPr>
+            <a:endParaRPr lang="de-DE" sz="2800" spc="-1" dirty="0">
+              <a:solidFill>
+                <a:srgbClr val="000000"/>
+              </a:solidFill>
+              <a:latin typeface="LMU CompatilFact"/>
+            </a:endParaRPr>
+          </a:p>
         </p:txBody>
       </p:sp>
       <p:sp>
         <p:nvSpPr>
-          <p:cNvPr id="214" name="CustomShape 7"/>
+          <p:cNvPr id="8" name="CustomShape 7">
+            <a:extLst>
+              <a:ext uri="{FF2B5EF4-FFF2-40B4-BE49-F238E27FC236}">
+                <a16:creationId xmlns:a16="http://schemas.microsoft.com/office/drawing/2014/main" id="{8967840D-C0A4-44D7-A53C-94F7E7CB372E}"/>
+              </a:ext>
+            </a:extLst>
+          </p:cNvPr>
           <p:cNvSpPr/>
           <p:nvPr/>
         </p:nvSpPr>
         <p:spPr>
           <a:xfrm>
-            <a:off x="318600" y="1304640"/>
-            <a:ext cx="11554200" cy="757440"/>
+            <a:off x="5088377" y="2671560"/>
+            <a:ext cx="1819973" cy="757440"/>
           </a:xfrm>
           <a:prstGeom prst="rect">
             <a:avLst/>
@@ -50559,765 +51829,10 @@
                 <a:latin typeface="LMU CompatilFact"/>
                 <a:ea typeface="DejaVu Sans"/>
               </a:rPr>
-              <a:t>Versuchte Algorithmen/Metriken</a:t>
-            </a:r>
-            <a:endParaRPr lang="en-US" sz="4000" b="0" strike="noStrike" spc="-1" dirty="0">
+              <a:t>Anhang</a:t>
+            </a:r>
+            <a:endParaRPr lang="en-US" sz="4000" b="1" strike="noStrike" spc="-1" dirty="0">
               <a:latin typeface="Arial"/>
-            </a:endParaRPr>
-          </a:p>
-        </p:txBody>
-      </p:sp>
-      <p:sp>
-        <p:nvSpPr>
-          <p:cNvPr id="9" name="Rectangle 4">
-            <a:extLst>
-              <a:ext uri="{FF2B5EF4-FFF2-40B4-BE49-F238E27FC236}">
-                <a16:creationId xmlns:a16="http://schemas.microsoft.com/office/drawing/2014/main" id="{FEE30E9B-AA22-4FFF-AD9A-BF0D79C16DA8}"/>
-              </a:ext>
-            </a:extLst>
-          </p:cNvPr>
-          <p:cNvSpPr>
-            <a:spLocks noChangeArrowheads="1"/>
-          </p:cNvSpPr>
-          <p:nvPr/>
-        </p:nvSpPr>
-        <p:spPr bwMode="auto">
-          <a:xfrm>
-            <a:off x="6103800" y="2105347"/>
-            <a:ext cx="184731" cy="1107996"/>
-          </a:xfrm>
-          <a:prstGeom prst="rect">
-            <a:avLst/>
-          </a:prstGeom>
-          <a:noFill/>
-          <a:ln>
-            <a:noFill/>
-          </a:ln>
-          <a:effectLst/>
-          <a:extLst>
-            <a:ext uri="{909E8E84-426E-40DD-AFC4-6F175D3DCCD1}">
-              <a14:hiddenFill xmlns:a14="http://schemas.microsoft.com/office/drawing/2010/main">
-                <a:solidFill>
-                  <a:schemeClr val="accent1"/>
-                </a:solidFill>
-              </a14:hiddenFill>
-            </a:ext>
-            <a:ext uri="{91240B29-F687-4F45-9708-019B960494DF}">
-              <a14:hiddenLine xmlns:a14="http://schemas.microsoft.com/office/drawing/2010/main" w="9525">
-                <a:solidFill>
-                  <a:schemeClr val="tx1"/>
-                </a:solidFill>
-                <a:miter lim="800000"/>
-                <a:headEnd/>
-                <a:tailEnd/>
-              </a14:hiddenLine>
-            </a:ext>
-            <a:ext uri="{AF507438-7753-43E0-B8FC-AC1667EBCBE1}">
-              <a14:hiddenEffects xmlns:a14="http://schemas.microsoft.com/office/drawing/2010/main">
-                <a:effectLst>
-                  <a:outerShdw dist="35921" dir="2700000" algn="ctr" rotWithShape="0">
-                    <a:schemeClr val="bg2"/>
-                  </a:outerShdw>
-                </a:effectLst>
-              </a14:hiddenEffects>
-            </a:ext>
-          </a:extLst>
-        </p:spPr>
-        <p:txBody>
-          <a:bodyPr vert="horz" wrap="none" lIns="91440" tIns="0" rIns="91440" bIns="0" numCol="1" anchor="ctr" anchorCtr="0" compatLnSpc="1">
-            <a:prstTxWarp prst="textNoShape">
-              <a:avLst/>
-            </a:prstTxWarp>
-            <a:spAutoFit/>
-          </a:bodyPr>
-          <a:lstStyle>
-            <a:lvl1pPr eaLnBrk="0" fontAlgn="base" hangingPunct="0">
-              <a:spcBef>
-                <a:spcPct val="0"/>
-              </a:spcBef>
-              <a:spcAft>
-                <a:spcPct val="0"/>
-              </a:spcAft>
-              <a:defRPr>
-                <a:solidFill>
-                  <a:schemeClr val="tx1"/>
-                </a:solidFill>
-                <a:latin typeface="Arial" panose="020B0604020202020204" pitchFamily="34" charset="0"/>
-              </a:defRPr>
-            </a:lvl1pPr>
-            <a:lvl2pPr eaLnBrk="0" fontAlgn="base" hangingPunct="0">
-              <a:spcBef>
-                <a:spcPct val="0"/>
-              </a:spcBef>
-              <a:spcAft>
-                <a:spcPct val="0"/>
-              </a:spcAft>
-              <a:defRPr>
-                <a:solidFill>
-                  <a:schemeClr val="tx1"/>
-                </a:solidFill>
-                <a:latin typeface="Arial" panose="020B0604020202020204" pitchFamily="34" charset="0"/>
-              </a:defRPr>
-            </a:lvl2pPr>
-            <a:lvl3pPr eaLnBrk="0" fontAlgn="base" hangingPunct="0">
-              <a:spcBef>
-                <a:spcPct val="0"/>
-              </a:spcBef>
-              <a:spcAft>
-                <a:spcPct val="0"/>
-              </a:spcAft>
-              <a:defRPr>
-                <a:solidFill>
-                  <a:schemeClr val="tx1"/>
-                </a:solidFill>
-                <a:latin typeface="Arial" panose="020B0604020202020204" pitchFamily="34" charset="0"/>
-              </a:defRPr>
-            </a:lvl3pPr>
-            <a:lvl4pPr eaLnBrk="0" fontAlgn="base" hangingPunct="0">
-              <a:spcBef>
-                <a:spcPct val="0"/>
-              </a:spcBef>
-              <a:spcAft>
-                <a:spcPct val="0"/>
-              </a:spcAft>
-              <a:defRPr>
-                <a:solidFill>
-                  <a:schemeClr val="tx1"/>
-                </a:solidFill>
-                <a:latin typeface="Arial" panose="020B0604020202020204" pitchFamily="34" charset="0"/>
-              </a:defRPr>
-            </a:lvl4pPr>
-            <a:lvl5pPr eaLnBrk="0" fontAlgn="base" hangingPunct="0">
-              <a:spcBef>
-                <a:spcPct val="0"/>
-              </a:spcBef>
-              <a:spcAft>
-                <a:spcPct val="0"/>
-              </a:spcAft>
-              <a:defRPr>
-                <a:solidFill>
-                  <a:schemeClr val="tx1"/>
-                </a:solidFill>
-                <a:latin typeface="Arial" panose="020B0604020202020204" pitchFamily="34" charset="0"/>
-              </a:defRPr>
-            </a:lvl5pPr>
-            <a:lvl6pPr eaLnBrk="0" fontAlgn="base" hangingPunct="0">
-              <a:spcBef>
-                <a:spcPct val="0"/>
-              </a:spcBef>
-              <a:spcAft>
-                <a:spcPct val="0"/>
-              </a:spcAft>
-              <a:defRPr>
-                <a:solidFill>
-                  <a:schemeClr val="tx1"/>
-                </a:solidFill>
-                <a:latin typeface="Arial" panose="020B0604020202020204" pitchFamily="34" charset="0"/>
-              </a:defRPr>
-            </a:lvl6pPr>
-            <a:lvl7pPr eaLnBrk="0" fontAlgn="base" hangingPunct="0">
-              <a:spcBef>
-                <a:spcPct val="0"/>
-              </a:spcBef>
-              <a:spcAft>
-                <a:spcPct val="0"/>
-              </a:spcAft>
-              <a:defRPr>
-                <a:solidFill>
-                  <a:schemeClr val="tx1"/>
-                </a:solidFill>
-                <a:latin typeface="Arial" panose="020B0604020202020204" pitchFamily="34" charset="0"/>
-              </a:defRPr>
-            </a:lvl7pPr>
-            <a:lvl8pPr eaLnBrk="0" fontAlgn="base" hangingPunct="0">
-              <a:spcBef>
-                <a:spcPct val="0"/>
-              </a:spcBef>
-              <a:spcAft>
-                <a:spcPct val="0"/>
-              </a:spcAft>
-              <a:defRPr>
-                <a:solidFill>
-                  <a:schemeClr val="tx1"/>
-                </a:solidFill>
-                <a:latin typeface="Arial" panose="020B0604020202020204" pitchFamily="34" charset="0"/>
-              </a:defRPr>
-            </a:lvl8pPr>
-            <a:lvl9pPr eaLnBrk="0" fontAlgn="base" hangingPunct="0">
-              <a:spcBef>
-                <a:spcPct val="0"/>
-              </a:spcBef>
-              <a:spcAft>
-                <a:spcPct val="0"/>
-              </a:spcAft>
-              <a:defRPr>
-                <a:solidFill>
-                  <a:schemeClr val="tx1"/>
-                </a:solidFill>
-                <a:latin typeface="Arial" panose="020B0604020202020204" pitchFamily="34" charset="0"/>
-              </a:defRPr>
-            </a:lvl9pPr>
-          </a:lstStyle>
-          <a:p>
-            <a:pPr marL="0" marR="0" lvl="0" indent="0" algn="l" defTabSz="914400" rtl="0" eaLnBrk="0" fontAlgn="base" latinLnBrk="0" hangingPunct="0">
-              <a:lnSpc>
-                <a:spcPct val="100000"/>
-              </a:lnSpc>
-              <a:spcBef>
-                <a:spcPct val="0"/>
-              </a:spcBef>
-              <a:spcAft>
-                <a:spcPct val="0"/>
-              </a:spcAft>
-              <a:buClrTx/>
-              <a:buSzTx/>
-              <a:buFontTx/>
-              <a:buNone/>
-              <a:tabLst/>
-            </a:pPr>
-            <a:br>
-              <a:rPr kumimoji="0" lang="de-DE" altLang="de-DE" sz="1800" b="0" i="0" u="none" strike="noStrike" cap="none" normalizeH="0" baseline="0" dirty="0">
-                <a:ln>
-                  <a:noFill/>
-                </a:ln>
-                <a:solidFill>
-                  <a:schemeClr val="tx1"/>
-                </a:solidFill>
-                <a:effectLst/>
-                <a:latin typeface="Arial" panose="020B0604020202020204" pitchFamily="34" charset="0"/>
-              </a:rPr>
-            </a:br>
-            <a:endParaRPr kumimoji="0" lang="de-DE" altLang="de-DE" sz="1800" b="0" i="0" u="none" strike="noStrike" cap="none" normalizeH="0" baseline="0" dirty="0">
-              <a:ln>
-                <a:noFill/>
-              </a:ln>
-              <a:solidFill>
-                <a:schemeClr val="tx1"/>
-              </a:solidFill>
-              <a:effectLst/>
-              <a:latin typeface="Arial" panose="020B0604020202020204" pitchFamily="34" charset="0"/>
-            </a:endParaRPr>
-          </a:p>
-          <a:p>
-            <a:pPr marL="0" marR="0" lvl="0" indent="0" algn="l" defTabSz="914400" rtl="0" eaLnBrk="0" fontAlgn="base" latinLnBrk="0" hangingPunct="0">
-              <a:lnSpc>
-                <a:spcPct val="100000"/>
-              </a:lnSpc>
-              <a:spcBef>
-                <a:spcPct val="0"/>
-              </a:spcBef>
-              <a:spcAft>
-                <a:spcPct val="0"/>
-              </a:spcAft>
-              <a:buClrTx/>
-              <a:buSzTx/>
-              <a:tabLst/>
-            </a:pPr>
-            <a:br>
-              <a:rPr kumimoji="0" lang="de-DE" altLang="de-DE" sz="1800" b="0" i="0" u="none" strike="noStrike" cap="none" normalizeH="0" baseline="0" dirty="0">
-                <a:ln>
-                  <a:noFill/>
-                </a:ln>
-                <a:solidFill>
-                  <a:schemeClr val="tx1"/>
-                </a:solidFill>
-                <a:effectLst/>
-                <a:latin typeface="Arial" panose="020B0604020202020204" pitchFamily="34" charset="0"/>
-              </a:rPr>
-            </a:br>
-            <a:endParaRPr kumimoji="0" lang="de-DE" altLang="de-DE" sz="1800" b="0" i="0" u="none" strike="noStrike" cap="none" normalizeH="0" baseline="0" dirty="0">
-              <a:ln>
-                <a:noFill/>
-              </a:ln>
-              <a:solidFill>
-                <a:schemeClr val="tx1"/>
-              </a:solidFill>
-              <a:effectLst/>
-              <a:latin typeface="Arial" panose="020B0604020202020204" pitchFamily="34" charset="0"/>
-            </a:endParaRPr>
-          </a:p>
-        </p:txBody>
-      </p:sp>
-      <p:sp>
-        <p:nvSpPr>
-          <p:cNvPr id="13" name="Rectangle 5">
-            <a:extLst>
-              <a:ext uri="{FF2B5EF4-FFF2-40B4-BE49-F238E27FC236}">
-                <a16:creationId xmlns:a16="http://schemas.microsoft.com/office/drawing/2014/main" id="{5F34A1D1-E9C3-4539-9D84-A2A1D59674F2}"/>
-              </a:ext>
-            </a:extLst>
-          </p:cNvPr>
-          <p:cNvSpPr>
-            <a:spLocks noChangeArrowheads="1"/>
-          </p:cNvSpPr>
-          <p:nvPr/>
-        </p:nvSpPr>
-        <p:spPr bwMode="auto">
-          <a:xfrm>
-            <a:off x="1183304" y="2379429"/>
-            <a:ext cx="184731" cy="553998"/>
-          </a:xfrm>
-          <a:prstGeom prst="rect">
-            <a:avLst/>
-          </a:prstGeom>
-          <a:noFill/>
-          <a:ln>
-            <a:noFill/>
-          </a:ln>
-          <a:effectLst/>
-          <a:extLst>
-            <a:ext uri="{909E8E84-426E-40DD-AFC4-6F175D3DCCD1}">
-              <a14:hiddenFill xmlns:a14="http://schemas.microsoft.com/office/drawing/2010/main">
-                <a:solidFill>
-                  <a:schemeClr val="accent1"/>
-                </a:solidFill>
-              </a14:hiddenFill>
-            </a:ext>
-            <a:ext uri="{91240B29-F687-4F45-9708-019B960494DF}">
-              <a14:hiddenLine xmlns:a14="http://schemas.microsoft.com/office/drawing/2010/main" w="9525">
-                <a:solidFill>
-                  <a:schemeClr val="tx1"/>
-                </a:solidFill>
-                <a:miter lim="800000"/>
-                <a:headEnd/>
-                <a:tailEnd/>
-              </a14:hiddenLine>
-            </a:ext>
-            <a:ext uri="{AF507438-7753-43E0-B8FC-AC1667EBCBE1}">
-              <a14:hiddenEffects xmlns:a14="http://schemas.microsoft.com/office/drawing/2010/main">
-                <a:effectLst>
-                  <a:outerShdw dist="35921" dir="2700000" algn="ctr" rotWithShape="0">
-                    <a:schemeClr val="bg2"/>
-                  </a:outerShdw>
-                </a:effectLst>
-              </a14:hiddenEffects>
-            </a:ext>
-          </a:extLst>
-        </p:spPr>
-        <p:txBody>
-          <a:bodyPr vert="horz" wrap="none" lIns="91440" tIns="0" rIns="91440" bIns="0" numCol="1" anchor="ctr" anchorCtr="0" compatLnSpc="1">
-            <a:prstTxWarp prst="textNoShape">
-              <a:avLst/>
-            </a:prstTxWarp>
-            <a:spAutoFit/>
-          </a:bodyPr>
-          <a:lstStyle>
-            <a:lvl1pPr eaLnBrk="0" fontAlgn="base" hangingPunct="0">
-              <a:spcBef>
-                <a:spcPct val="0"/>
-              </a:spcBef>
-              <a:spcAft>
-                <a:spcPct val="0"/>
-              </a:spcAft>
-              <a:defRPr>
-                <a:solidFill>
-                  <a:schemeClr val="tx1"/>
-                </a:solidFill>
-                <a:latin typeface="Arial" panose="020B0604020202020204" pitchFamily="34" charset="0"/>
-              </a:defRPr>
-            </a:lvl1pPr>
-            <a:lvl2pPr eaLnBrk="0" fontAlgn="base" hangingPunct="0">
-              <a:spcBef>
-                <a:spcPct val="0"/>
-              </a:spcBef>
-              <a:spcAft>
-                <a:spcPct val="0"/>
-              </a:spcAft>
-              <a:defRPr>
-                <a:solidFill>
-                  <a:schemeClr val="tx1"/>
-                </a:solidFill>
-                <a:latin typeface="Arial" panose="020B0604020202020204" pitchFamily="34" charset="0"/>
-              </a:defRPr>
-            </a:lvl2pPr>
-            <a:lvl3pPr eaLnBrk="0" fontAlgn="base" hangingPunct="0">
-              <a:spcBef>
-                <a:spcPct val="0"/>
-              </a:spcBef>
-              <a:spcAft>
-                <a:spcPct val="0"/>
-              </a:spcAft>
-              <a:defRPr>
-                <a:solidFill>
-                  <a:schemeClr val="tx1"/>
-                </a:solidFill>
-                <a:latin typeface="Arial" panose="020B0604020202020204" pitchFamily="34" charset="0"/>
-              </a:defRPr>
-            </a:lvl3pPr>
-            <a:lvl4pPr eaLnBrk="0" fontAlgn="base" hangingPunct="0">
-              <a:spcBef>
-                <a:spcPct val="0"/>
-              </a:spcBef>
-              <a:spcAft>
-                <a:spcPct val="0"/>
-              </a:spcAft>
-              <a:defRPr>
-                <a:solidFill>
-                  <a:schemeClr val="tx1"/>
-                </a:solidFill>
-                <a:latin typeface="Arial" panose="020B0604020202020204" pitchFamily="34" charset="0"/>
-              </a:defRPr>
-            </a:lvl4pPr>
-            <a:lvl5pPr eaLnBrk="0" fontAlgn="base" hangingPunct="0">
-              <a:spcBef>
-                <a:spcPct val="0"/>
-              </a:spcBef>
-              <a:spcAft>
-                <a:spcPct val="0"/>
-              </a:spcAft>
-              <a:defRPr>
-                <a:solidFill>
-                  <a:schemeClr val="tx1"/>
-                </a:solidFill>
-                <a:latin typeface="Arial" panose="020B0604020202020204" pitchFamily="34" charset="0"/>
-              </a:defRPr>
-            </a:lvl5pPr>
-            <a:lvl6pPr eaLnBrk="0" fontAlgn="base" hangingPunct="0">
-              <a:spcBef>
-                <a:spcPct val="0"/>
-              </a:spcBef>
-              <a:spcAft>
-                <a:spcPct val="0"/>
-              </a:spcAft>
-              <a:defRPr>
-                <a:solidFill>
-                  <a:schemeClr val="tx1"/>
-                </a:solidFill>
-                <a:latin typeface="Arial" panose="020B0604020202020204" pitchFamily="34" charset="0"/>
-              </a:defRPr>
-            </a:lvl6pPr>
-            <a:lvl7pPr eaLnBrk="0" fontAlgn="base" hangingPunct="0">
-              <a:spcBef>
-                <a:spcPct val="0"/>
-              </a:spcBef>
-              <a:spcAft>
-                <a:spcPct val="0"/>
-              </a:spcAft>
-              <a:defRPr>
-                <a:solidFill>
-                  <a:schemeClr val="tx1"/>
-                </a:solidFill>
-                <a:latin typeface="Arial" panose="020B0604020202020204" pitchFamily="34" charset="0"/>
-              </a:defRPr>
-            </a:lvl7pPr>
-            <a:lvl8pPr eaLnBrk="0" fontAlgn="base" hangingPunct="0">
-              <a:spcBef>
-                <a:spcPct val="0"/>
-              </a:spcBef>
-              <a:spcAft>
-                <a:spcPct val="0"/>
-              </a:spcAft>
-              <a:defRPr>
-                <a:solidFill>
-                  <a:schemeClr val="tx1"/>
-                </a:solidFill>
-                <a:latin typeface="Arial" panose="020B0604020202020204" pitchFamily="34" charset="0"/>
-              </a:defRPr>
-            </a:lvl8pPr>
-            <a:lvl9pPr eaLnBrk="0" fontAlgn="base" hangingPunct="0">
-              <a:spcBef>
-                <a:spcPct val="0"/>
-              </a:spcBef>
-              <a:spcAft>
-                <a:spcPct val="0"/>
-              </a:spcAft>
-              <a:defRPr>
-                <a:solidFill>
-                  <a:schemeClr val="tx1"/>
-                </a:solidFill>
-                <a:latin typeface="Arial" panose="020B0604020202020204" pitchFamily="34" charset="0"/>
-              </a:defRPr>
-            </a:lvl9pPr>
-          </a:lstStyle>
-          <a:p>
-            <a:pPr marL="0" marR="0" lvl="0" indent="0" algn="l" defTabSz="914400" rtl="0" eaLnBrk="0" fontAlgn="base" latinLnBrk="0" hangingPunct="0">
-              <a:lnSpc>
-                <a:spcPct val="100000"/>
-              </a:lnSpc>
-              <a:spcBef>
-                <a:spcPct val="0"/>
-              </a:spcBef>
-              <a:spcAft>
-                <a:spcPct val="0"/>
-              </a:spcAft>
-              <a:buClrTx/>
-              <a:buSzTx/>
-              <a:buFontTx/>
-              <a:buNone/>
-              <a:tabLst/>
-            </a:pPr>
-            <a:br>
-              <a:rPr kumimoji="0" lang="de-DE" altLang="de-DE" sz="1800" b="0" i="0" u="none" strike="noStrike" cap="none" normalizeH="0" baseline="0" dirty="0">
-                <a:ln>
-                  <a:noFill/>
-                </a:ln>
-                <a:solidFill>
-                  <a:schemeClr val="tx1"/>
-                </a:solidFill>
-                <a:effectLst/>
-                <a:latin typeface="Arial" panose="020B0604020202020204" pitchFamily="34" charset="0"/>
-              </a:rPr>
-            </a:br>
-            <a:endParaRPr kumimoji="0" lang="de-DE" altLang="de-DE" sz="1800" b="0" i="0" u="none" strike="noStrike" cap="none" normalizeH="0" baseline="0" dirty="0">
-              <a:ln>
-                <a:noFill/>
-              </a:ln>
-              <a:solidFill>
-                <a:schemeClr val="tx1"/>
-              </a:solidFill>
-              <a:effectLst/>
-              <a:latin typeface="Arial" panose="020B0604020202020204" pitchFamily="34" charset="0"/>
-            </a:endParaRPr>
-          </a:p>
-        </p:txBody>
-      </p:sp>
-      <p:sp>
-        <p:nvSpPr>
-          <p:cNvPr id="14" name="CustomShape 6">
-            <a:extLst>
-              <a:ext uri="{FF2B5EF4-FFF2-40B4-BE49-F238E27FC236}">
-                <a16:creationId xmlns:a16="http://schemas.microsoft.com/office/drawing/2014/main" id="{8272018D-C016-4A4E-BB61-1194D4053313}"/>
-              </a:ext>
-            </a:extLst>
-          </p:cNvPr>
-          <p:cNvSpPr/>
-          <p:nvPr/>
-        </p:nvSpPr>
-        <p:spPr>
-          <a:xfrm>
-            <a:off x="140400" y="2286000"/>
-            <a:ext cx="11554200" cy="3815640"/>
-          </a:xfrm>
-          <a:prstGeom prst="rect">
-            <a:avLst/>
-          </a:prstGeom>
-          <a:noFill/>
-          <a:ln w="9360">
-            <a:noFill/>
-          </a:ln>
-        </p:spPr>
-        <p:style>
-          <a:lnRef idx="0">
-            <a:scrgbClr r="0" g="0" b="0"/>
-          </a:lnRef>
-          <a:fillRef idx="0">
-            <a:scrgbClr r="0" g="0" b="0"/>
-          </a:fillRef>
-          <a:effectRef idx="0">
-            <a:scrgbClr r="0" g="0" b="0"/>
-          </a:effectRef>
-          <a:fontRef idx="minor"/>
-        </p:style>
-        <p:txBody>
-          <a:bodyPr lIns="90000" tIns="45000" rIns="90000" bIns="45000">
-            <a:noAutofit/>
-          </a:bodyPr>
-          <a:lstStyle/>
-          <a:p>
-            <a:pPr marL="451260" lvl="0" indent="-342899">
-              <a:buClr>
-                <a:srgbClr val="000000"/>
-              </a:buClr>
-              <a:buSzPts val="2400"/>
-              <a:buFont typeface="Arial"/>
-              <a:buChar char="•"/>
-            </a:pPr>
-            <a:r>
-              <a:rPr lang="sv-SE" sz="2400" dirty="0">
-                <a:solidFill>
-                  <a:schemeClr val="dk1"/>
-                </a:solidFill>
-                <a:latin typeface="LMU CompatilFact"/>
-              </a:rPr>
-              <a:t>Cluster Algorithmen:</a:t>
-            </a:r>
-          </a:p>
-          <a:p>
-            <a:pPr marL="914400" lvl="1" indent="-355600">
-              <a:buClr>
-                <a:schemeClr val="dk1"/>
-              </a:buClr>
-              <a:buSzPts val="2000"/>
-              <a:buChar char="−"/>
-            </a:pPr>
-            <a:r>
-              <a:rPr lang="sv-SE" sz="2000" dirty="0">
-                <a:solidFill>
-                  <a:schemeClr val="dk1"/>
-                </a:solidFill>
-                <a:latin typeface="LMU CompatilFact"/>
-              </a:rPr>
-              <a:t>PAM</a:t>
-            </a:r>
-          </a:p>
-          <a:p>
-            <a:pPr marL="914400" lvl="1" indent="-355600">
-              <a:buClr>
-                <a:schemeClr val="dk1"/>
-              </a:buClr>
-              <a:buSzPts val="2000"/>
-              <a:buChar char="−"/>
-            </a:pPr>
-            <a:r>
-              <a:rPr lang="sv-SE" sz="2000" dirty="0">
-                <a:solidFill>
-                  <a:schemeClr val="dk1"/>
-                </a:solidFill>
-                <a:latin typeface="LMU CompatilFact"/>
-              </a:rPr>
-              <a:t>K-means</a:t>
-            </a:r>
-          </a:p>
-          <a:p>
-            <a:pPr marL="914400" lvl="1" indent="-355600">
-              <a:buClr>
-                <a:schemeClr val="dk1"/>
-              </a:buClr>
-              <a:buSzPts val="2000"/>
-              <a:buChar char="−"/>
-            </a:pPr>
-            <a:r>
-              <a:rPr lang="sv-SE" sz="2000" dirty="0">
-                <a:solidFill>
-                  <a:schemeClr val="dk1"/>
-                </a:solidFill>
-                <a:latin typeface="LMU CompatilFact"/>
-              </a:rPr>
-              <a:t>Fuzzy</a:t>
-            </a:r>
-          </a:p>
-          <a:p>
-            <a:pPr marL="914400" lvl="1" indent="-355600">
-              <a:buClr>
-                <a:schemeClr val="dk1"/>
-              </a:buClr>
-              <a:buSzPts val="2000"/>
-              <a:buChar char="−"/>
-            </a:pPr>
-            <a:r>
-              <a:rPr lang="sv-SE" sz="2000" dirty="0">
-                <a:solidFill>
-                  <a:schemeClr val="dk1"/>
-                </a:solidFill>
-                <a:latin typeface="LMU CompatilFact"/>
-              </a:rPr>
-              <a:t>GMM</a:t>
-            </a:r>
-          </a:p>
-          <a:p>
-            <a:pPr marL="914400" lvl="1" indent="-355600">
-              <a:buClr>
-                <a:schemeClr val="dk1"/>
-              </a:buClr>
-              <a:buSzPts val="2000"/>
-              <a:buChar char="−"/>
-            </a:pPr>
-            <a:r>
-              <a:rPr lang="sv-SE" sz="2000" dirty="0">
-                <a:solidFill>
-                  <a:schemeClr val="dk1"/>
-                </a:solidFill>
-                <a:latin typeface="LMU CompatilFact"/>
-              </a:rPr>
-              <a:t>DBSCAN</a:t>
-            </a:r>
-          </a:p>
-          <a:p>
-            <a:pPr marL="451260" lvl="0" indent="-342899">
-              <a:spcBef>
-                <a:spcPts val="1417"/>
-              </a:spcBef>
-              <a:buClr>
-                <a:srgbClr val="000000"/>
-              </a:buClr>
-              <a:buSzPts val="2400"/>
-              <a:buFont typeface="Arial"/>
-              <a:buChar char="•"/>
-            </a:pPr>
-            <a:r>
-              <a:rPr lang="sv-SE" sz="2400" dirty="0">
-                <a:solidFill>
-                  <a:schemeClr val="dk1"/>
-                </a:solidFill>
-                <a:latin typeface="LMU CompatilFact"/>
-              </a:rPr>
-              <a:t>Metriken</a:t>
-            </a:r>
-          </a:p>
-          <a:p>
-            <a:pPr marL="914400" lvl="1" indent="-355600">
-              <a:buClr>
-                <a:schemeClr val="dk1"/>
-              </a:buClr>
-              <a:buSzPts val="2000"/>
-              <a:buChar char="−"/>
-            </a:pPr>
-            <a:r>
-              <a:rPr lang="sv-SE" sz="2000" dirty="0">
-                <a:solidFill>
-                  <a:schemeClr val="dk1"/>
-                </a:solidFill>
-                <a:latin typeface="LMU CompatilFact"/>
-              </a:rPr>
-              <a:t>Euklidisch</a:t>
-            </a:r>
-          </a:p>
-          <a:p>
-            <a:pPr marL="914400" lvl="1" indent="-355600">
-              <a:buClr>
-                <a:schemeClr val="dk1"/>
-              </a:buClr>
-              <a:buSzPts val="2000"/>
-              <a:buChar char="−"/>
-            </a:pPr>
-            <a:r>
-              <a:rPr lang="sv-SE" sz="2000" dirty="0">
-                <a:solidFill>
-                  <a:schemeClr val="dk1"/>
-                </a:solidFill>
-                <a:latin typeface="LMU CompatilFact"/>
-              </a:rPr>
-              <a:t>Manhattan</a:t>
-            </a:r>
-          </a:p>
-          <a:p>
-            <a:pPr marL="914400" lvl="1" indent="-355600">
-              <a:buClr>
-                <a:schemeClr val="dk1"/>
-              </a:buClr>
-              <a:buSzPts val="2000"/>
-              <a:buChar char="−"/>
-            </a:pPr>
-            <a:r>
-              <a:rPr lang="sv-SE" sz="2000" dirty="0">
-                <a:solidFill>
-                  <a:schemeClr val="dk1"/>
-                </a:solidFill>
-                <a:latin typeface="LMU CompatilFact"/>
-              </a:rPr>
-              <a:t>Mahalanobis</a:t>
-            </a:r>
-          </a:p>
-          <a:p>
-            <a:pPr marL="108360">
-              <a:lnSpc>
-                <a:spcPct val="100000"/>
-              </a:lnSpc>
-              <a:spcBef>
-                <a:spcPts val="1417"/>
-              </a:spcBef>
-              <a:buClr>
-                <a:srgbClr val="000000"/>
-              </a:buClr>
-              <a:buSzPct val="100000"/>
-            </a:pPr>
-            <a:br>
-              <a:rPr lang="de-DE" sz="2000" spc="-1" dirty="0">
-                <a:latin typeface="LMU CompatilFact"/>
-              </a:rPr>
-            </a:br>
-            <a:endParaRPr lang="de-DE" sz="2400" spc="-1" dirty="0">
-              <a:latin typeface="LMU CompatilFact"/>
             </a:endParaRPr>
           </a:p>
         </p:txBody>
@@ -51325,7 +51840,7 @@
     </p:spTree>
     <p:extLst>
       <p:ext uri="{BB962C8B-B14F-4D97-AF65-F5344CB8AC3E}">
-        <p14:creationId xmlns:p14="http://schemas.microsoft.com/office/powerpoint/2010/main" val="2422905455"/>
+        <p14:creationId xmlns:p14="http://schemas.microsoft.com/office/powerpoint/2010/main" val="2481077313"/>
       </p:ext>
     </p:extLst>
   </p:cSld>
@@ -51354,7 +51869,7 @@
       </p:grpSpPr>
       <p:sp>
         <p:nvSpPr>
-          <p:cNvPr id="96" name="CustomShape 1"/>
+          <p:cNvPr id="208" name="CustomShape 1"/>
           <p:cNvSpPr/>
           <p:nvPr/>
         </p:nvSpPr>
@@ -51394,7 +51909,7 @@
                 <a:spcPct val="100000"/>
               </a:lnSpc>
             </a:pPr>
-            <a:fld id="{76839625-DDCB-4BF0-B421-B9D743C4C90E}" type="slidenum">
+            <a:fld id="{2BFEA7F1-5216-4B02-A4C0-C4A29E7F39B7}" type="slidenum">
               <a:rPr lang="de-DE" sz="1400" b="0" strike="noStrike" spc="-1">
                 <a:solidFill>
                   <a:srgbClr val="006C30"/>
@@ -51411,7 +51926,7 @@
       </p:sp>
       <p:sp>
         <p:nvSpPr>
-          <p:cNvPr id="97" name="CustomShape 2"/>
+          <p:cNvPr id="209" name="CustomShape 2"/>
           <p:cNvSpPr/>
           <p:nvPr/>
         </p:nvSpPr>
@@ -51470,7 +51985,7 @@
       </p:sp>
       <p:sp>
         <p:nvSpPr>
-          <p:cNvPr id="98" name="CustomShape 3"/>
+          <p:cNvPr id="210" name="CustomShape 3"/>
           <p:cNvSpPr/>
           <p:nvPr/>
         </p:nvSpPr>
@@ -51507,7 +52022,7 @@
       </p:sp>
       <p:sp>
         <p:nvSpPr>
-          <p:cNvPr id="99" name="CustomShape 4"/>
+          <p:cNvPr id="211" name="CustomShape 4"/>
           <p:cNvSpPr/>
           <p:nvPr/>
         </p:nvSpPr>
@@ -51564,7 +52079,7 @@
       </p:sp>
       <p:sp>
         <p:nvSpPr>
-          <p:cNvPr id="100" name="CustomShape 5"/>
+          <p:cNvPr id="212" name="CustomShape 5"/>
           <p:cNvSpPr/>
           <p:nvPr/>
         </p:nvSpPr>
@@ -51640,30 +52155,142 @@
           </a:p>
         </p:txBody>
       </p:sp>
-      <p:pic>
-        <p:nvPicPr>
-          <p:cNvPr id="9" name="Google Shape;751;p76">
+      <p:sp>
+        <p:nvSpPr>
+          <p:cNvPr id="213" name="CustomShape 6"/>
+          <p:cNvSpPr/>
+          <p:nvPr/>
+        </p:nvSpPr>
+        <p:spPr>
+          <a:xfrm>
+            <a:off x="159120" y="2169000"/>
+            <a:ext cx="11554200" cy="3815640"/>
+          </a:xfrm>
+          <a:prstGeom prst="rect">
+            <a:avLst/>
+          </a:prstGeom>
+          <a:noFill/>
+          <a:ln w="9360">
+            <a:noFill/>
+          </a:ln>
+        </p:spPr>
+        <p:style>
+          <a:lnRef idx="0">
+            <a:scrgbClr r="0" g="0" b="0"/>
+          </a:lnRef>
+          <a:fillRef idx="0">
+            <a:scrgbClr r="0" g="0" b="0"/>
+          </a:fillRef>
+          <a:effectRef idx="0">
+            <a:scrgbClr r="0" g="0" b="0"/>
+          </a:effectRef>
+          <a:fontRef idx="minor"/>
+        </p:style>
+        <p:txBody>
+          <a:bodyPr lIns="90000" tIns="45000" rIns="90000" bIns="45000">
+            <a:noAutofit/>
+          </a:bodyPr>
+          <a:lstStyle/>
+          <a:p>
+            <a:pPr marL="720">
+              <a:lnSpc>
+                <a:spcPct val="100000"/>
+              </a:lnSpc>
+              <a:spcAft>
+                <a:spcPts val="601"/>
+              </a:spcAft>
+              <a:buClr>
+                <a:srgbClr val="000000"/>
+              </a:buClr>
+            </a:pPr>
+            <a:endParaRPr lang="en-US" sz="2800" b="0" strike="noStrike" spc="-1" dirty="0">
+              <a:latin typeface="Arial"/>
+            </a:endParaRPr>
+          </a:p>
+        </p:txBody>
+      </p:sp>
+      <p:sp>
+        <p:nvSpPr>
+          <p:cNvPr id="214" name="CustomShape 7"/>
+          <p:cNvSpPr/>
+          <p:nvPr/>
+        </p:nvSpPr>
+        <p:spPr>
+          <a:xfrm>
+            <a:off x="318600" y="1304640"/>
+            <a:ext cx="11554200" cy="757440"/>
+          </a:xfrm>
+          <a:prstGeom prst="rect">
+            <a:avLst/>
+          </a:prstGeom>
+          <a:noFill/>
+          <a:ln w="0">
+            <a:noFill/>
+          </a:ln>
+        </p:spPr>
+        <p:style>
+          <a:lnRef idx="0">
+            <a:scrgbClr r="0" g="0" b="0"/>
+          </a:lnRef>
+          <a:fillRef idx="0">
+            <a:scrgbClr r="0" g="0" b="0"/>
+          </a:fillRef>
+          <a:effectRef idx="0">
+            <a:scrgbClr r="0" g="0" b="0"/>
+          </a:effectRef>
+          <a:fontRef idx="minor"/>
+        </p:style>
+        <p:txBody>
+          <a:bodyPr lIns="90000" tIns="45000" rIns="90000" bIns="45000">
+            <a:noAutofit/>
+          </a:bodyPr>
+          <a:lstStyle/>
+          <a:p>
+            <a:pPr>
+              <a:lnSpc>
+                <a:spcPct val="100000"/>
+              </a:lnSpc>
+              <a:spcAft>
+                <a:spcPts val="601"/>
+              </a:spcAft>
+              <a:tabLst>
+                <a:tab pos="0" algn="l"/>
+              </a:tabLst>
+            </a:pPr>
+            <a:r>
+              <a:rPr lang="de-DE" sz="4000" b="1" strike="noStrike" spc="-1" dirty="0">
+                <a:solidFill>
+                  <a:srgbClr val="000000"/>
+                </a:solidFill>
+                <a:latin typeface="LMU CompatilFact"/>
+                <a:ea typeface="DejaVu Sans"/>
+              </a:rPr>
+              <a:t>Versuchte Algorithmen/Metriken</a:t>
+            </a:r>
+            <a:endParaRPr lang="en-US" sz="4000" b="0" strike="noStrike" spc="-1" dirty="0">
+              <a:latin typeface="Arial"/>
+            </a:endParaRPr>
+          </a:p>
+        </p:txBody>
+      </p:sp>
+      <p:sp>
+        <p:nvSpPr>
+          <p:cNvPr id="9" name="Rectangle 4">
             <a:extLst>
               <a:ext uri="{FF2B5EF4-FFF2-40B4-BE49-F238E27FC236}">
-                <a16:creationId xmlns:a16="http://schemas.microsoft.com/office/drawing/2014/main" id="{CADA73EB-8019-49B0-8AF1-6006B0EE1CB7}"/>
+                <a16:creationId xmlns:a16="http://schemas.microsoft.com/office/drawing/2014/main" id="{FEE30E9B-AA22-4FFF-AD9A-BF0D79C16DA8}"/>
               </a:ext>
             </a:extLst>
           </p:cNvPr>
-          <p:cNvPicPr preferRelativeResize="0"/>
+          <p:cNvSpPr>
+            <a:spLocks noChangeArrowheads="1"/>
+          </p:cNvSpPr>
           <p:nvPr/>
-        </p:nvPicPr>
-        <p:blipFill>
-          <a:blip r:embed="rId2">
-            <a:alphaModFix/>
-          </a:blip>
-          <a:stretch>
-            <a:fillRect/>
-          </a:stretch>
-        </p:blipFill>
-        <p:spPr>
-          <a:xfrm>
-            <a:off x="1732200" y="1206000"/>
-            <a:ext cx="8727600" cy="5238000"/>
+        </p:nvSpPr>
+        <p:spPr bwMode="auto">
+          <a:xfrm>
+            <a:off x="6103800" y="2105347"/>
+            <a:ext cx="184731" cy="1107996"/>
           </a:xfrm>
           <a:prstGeom prst="rect">
             <a:avLst/>
@@ -51672,12 +52299,739 @@
           <a:ln>
             <a:noFill/>
           </a:ln>
-        </p:spPr>
-      </p:pic>
+          <a:effectLst/>
+          <a:extLst>
+            <a:ext uri="{909E8E84-426E-40DD-AFC4-6F175D3DCCD1}">
+              <a14:hiddenFill xmlns:a14="http://schemas.microsoft.com/office/drawing/2010/main">
+                <a:solidFill>
+                  <a:schemeClr val="accent1"/>
+                </a:solidFill>
+              </a14:hiddenFill>
+            </a:ext>
+            <a:ext uri="{91240B29-F687-4F45-9708-019B960494DF}">
+              <a14:hiddenLine xmlns:a14="http://schemas.microsoft.com/office/drawing/2010/main" w="9525">
+                <a:solidFill>
+                  <a:schemeClr val="tx1"/>
+                </a:solidFill>
+                <a:miter lim="800000"/>
+                <a:headEnd/>
+                <a:tailEnd/>
+              </a14:hiddenLine>
+            </a:ext>
+            <a:ext uri="{AF507438-7753-43E0-B8FC-AC1667EBCBE1}">
+              <a14:hiddenEffects xmlns:a14="http://schemas.microsoft.com/office/drawing/2010/main">
+                <a:effectLst>
+                  <a:outerShdw dist="35921" dir="2700000" algn="ctr" rotWithShape="0">
+                    <a:schemeClr val="bg2"/>
+                  </a:outerShdw>
+                </a:effectLst>
+              </a14:hiddenEffects>
+            </a:ext>
+          </a:extLst>
+        </p:spPr>
+        <p:txBody>
+          <a:bodyPr vert="horz" wrap="none" lIns="91440" tIns="0" rIns="91440" bIns="0" numCol="1" anchor="ctr" anchorCtr="0" compatLnSpc="1">
+            <a:prstTxWarp prst="textNoShape">
+              <a:avLst/>
+            </a:prstTxWarp>
+            <a:spAutoFit/>
+          </a:bodyPr>
+          <a:lstStyle>
+            <a:lvl1pPr eaLnBrk="0" fontAlgn="base" hangingPunct="0">
+              <a:spcBef>
+                <a:spcPct val="0"/>
+              </a:spcBef>
+              <a:spcAft>
+                <a:spcPct val="0"/>
+              </a:spcAft>
+              <a:defRPr>
+                <a:solidFill>
+                  <a:schemeClr val="tx1"/>
+                </a:solidFill>
+                <a:latin typeface="Arial" panose="020B0604020202020204" pitchFamily="34" charset="0"/>
+              </a:defRPr>
+            </a:lvl1pPr>
+            <a:lvl2pPr eaLnBrk="0" fontAlgn="base" hangingPunct="0">
+              <a:spcBef>
+                <a:spcPct val="0"/>
+              </a:spcBef>
+              <a:spcAft>
+                <a:spcPct val="0"/>
+              </a:spcAft>
+              <a:defRPr>
+                <a:solidFill>
+                  <a:schemeClr val="tx1"/>
+                </a:solidFill>
+                <a:latin typeface="Arial" panose="020B0604020202020204" pitchFamily="34" charset="0"/>
+              </a:defRPr>
+            </a:lvl2pPr>
+            <a:lvl3pPr eaLnBrk="0" fontAlgn="base" hangingPunct="0">
+              <a:spcBef>
+                <a:spcPct val="0"/>
+              </a:spcBef>
+              <a:spcAft>
+                <a:spcPct val="0"/>
+              </a:spcAft>
+              <a:defRPr>
+                <a:solidFill>
+                  <a:schemeClr val="tx1"/>
+                </a:solidFill>
+                <a:latin typeface="Arial" panose="020B0604020202020204" pitchFamily="34" charset="0"/>
+              </a:defRPr>
+            </a:lvl3pPr>
+            <a:lvl4pPr eaLnBrk="0" fontAlgn="base" hangingPunct="0">
+              <a:spcBef>
+                <a:spcPct val="0"/>
+              </a:spcBef>
+              <a:spcAft>
+                <a:spcPct val="0"/>
+              </a:spcAft>
+              <a:defRPr>
+                <a:solidFill>
+                  <a:schemeClr val="tx1"/>
+                </a:solidFill>
+                <a:latin typeface="Arial" panose="020B0604020202020204" pitchFamily="34" charset="0"/>
+              </a:defRPr>
+            </a:lvl4pPr>
+            <a:lvl5pPr eaLnBrk="0" fontAlgn="base" hangingPunct="0">
+              <a:spcBef>
+                <a:spcPct val="0"/>
+              </a:spcBef>
+              <a:spcAft>
+                <a:spcPct val="0"/>
+              </a:spcAft>
+              <a:defRPr>
+                <a:solidFill>
+                  <a:schemeClr val="tx1"/>
+                </a:solidFill>
+                <a:latin typeface="Arial" panose="020B0604020202020204" pitchFamily="34" charset="0"/>
+              </a:defRPr>
+            </a:lvl5pPr>
+            <a:lvl6pPr eaLnBrk="0" fontAlgn="base" hangingPunct="0">
+              <a:spcBef>
+                <a:spcPct val="0"/>
+              </a:spcBef>
+              <a:spcAft>
+                <a:spcPct val="0"/>
+              </a:spcAft>
+              <a:defRPr>
+                <a:solidFill>
+                  <a:schemeClr val="tx1"/>
+                </a:solidFill>
+                <a:latin typeface="Arial" panose="020B0604020202020204" pitchFamily="34" charset="0"/>
+              </a:defRPr>
+            </a:lvl6pPr>
+            <a:lvl7pPr eaLnBrk="0" fontAlgn="base" hangingPunct="0">
+              <a:spcBef>
+                <a:spcPct val="0"/>
+              </a:spcBef>
+              <a:spcAft>
+                <a:spcPct val="0"/>
+              </a:spcAft>
+              <a:defRPr>
+                <a:solidFill>
+                  <a:schemeClr val="tx1"/>
+                </a:solidFill>
+                <a:latin typeface="Arial" panose="020B0604020202020204" pitchFamily="34" charset="0"/>
+              </a:defRPr>
+            </a:lvl7pPr>
+            <a:lvl8pPr eaLnBrk="0" fontAlgn="base" hangingPunct="0">
+              <a:spcBef>
+                <a:spcPct val="0"/>
+              </a:spcBef>
+              <a:spcAft>
+                <a:spcPct val="0"/>
+              </a:spcAft>
+              <a:defRPr>
+                <a:solidFill>
+                  <a:schemeClr val="tx1"/>
+                </a:solidFill>
+                <a:latin typeface="Arial" panose="020B0604020202020204" pitchFamily="34" charset="0"/>
+              </a:defRPr>
+            </a:lvl8pPr>
+            <a:lvl9pPr eaLnBrk="0" fontAlgn="base" hangingPunct="0">
+              <a:spcBef>
+                <a:spcPct val="0"/>
+              </a:spcBef>
+              <a:spcAft>
+                <a:spcPct val="0"/>
+              </a:spcAft>
+              <a:defRPr>
+                <a:solidFill>
+                  <a:schemeClr val="tx1"/>
+                </a:solidFill>
+                <a:latin typeface="Arial" panose="020B0604020202020204" pitchFamily="34" charset="0"/>
+              </a:defRPr>
+            </a:lvl9pPr>
+          </a:lstStyle>
+          <a:p>
+            <a:pPr marL="0" marR="0" lvl="0" indent="0" algn="l" defTabSz="914400" rtl="0" eaLnBrk="0" fontAlgn="base" latinLnBrk="0" hangingPunct="0">
+              <a:lnSpc>
+                <a:spcPct val="100000"/>
+              </a:lnSpc>
+              <a:spcBef>
+                <a:spcPct val="0"/>
+              </a:spcBef>
+              <a:spcAft>
+                <a:spcPct val="0"/>
+              </a:spcAft>
+              <a:buClrTx/>
+              <a:buSzTx/>
+              <a:buFontTx/>
+              <a:buNone/>
+              <a:tabLst/>
+            </a:pPr>
+            <a:br>
+              <a:rPr kumimoji="0" lang="de-DE" altLang="de-DE" sz="1800" b="0" i="0" u="none" strike="noStrike" cap="none" normalizeH="0" baseline="0" dirty="0">
+                <a:ln>
+                  <a:noFill/>
+                </a:ln>
+                <a:solidFill>
+                  <a:schemeClr val="tx1"/>
+                </a:solidFill>
+                <a:effectLst/>
+                <a:latin typeface="Arial" panose="020B0604020202020204" pitchFamily="34" charset="0"/>
+              </a:rPr>
+            </a:br>
+            <a:endParaRPr kumimoji="0" lang="de-DE" altLang="de-DE" sz="1800" b="0" i="0" u="none" strike="noStrike" cap="none" normalizeH="0" baseline="0" dirty="0">
+              <a:ln>
+                <a:noFill/>
+              </a:ln>
+              <a:solidFill>
+                <a:schemeClr val="tx1"/>
+              </a:solidFill>
+              <a:effectLst/>
+              <a:latin typeface="Arial" panose="020B0604020202020204" pitchFamily="34" charset="0"/>
+            </a:endParaRPr>
+          </a:p>
+          <a:p>
+            <a:pPr marL="0" marR="0" lvl="0" indent="0" algn="l" defTabSz="914400" rtl="0" eaLnBrk="0" fontAlgn="base" latinLnBrk="0" hangingPunct="0">
+              <a:lnSpc>
+                <a:spcPct val="100000"/>
+              </a:lnSpc>
+              <a:spcBef>
+                <a:spcPct val="0"/>
+              </a:spcBef>
+              <a:spcAft>
+                <a:spcPct val="0"/>
+              </a:spcAft>
+              <a:buClrTx/>
+              <a:buSzTx/>
+              <a:tabLst/>
+            </a:pPr>
+            <a:br>
+              <a:rPr kumimoji="0" lang="de-DE" altLang="de-DE" sz="1800" b="0" i="0" u="none" strike="noStrike" cap="none" normalizeH="0" baseline="0" dirty="0">
+                <a:ln>
+                  <a:noFill/>
+                </a:ln>
+                <a:solidFill>
+                  <a:schemeClr val="tx1"/>
+                </a:solidFill>
+                <a:effectLst/>
+                <a:latin typeface="Arial" panose="020B0604020202020204" pitchFamily="34" charset="0"/>
+              </a:rPr>
+            </a:br>
+            <a:endParaRPr kumimoji="0" lang="de-DE" altLang="de-DE" sz="1800" b="0" i="0" u="none" strike="noStrike" cap="none" normalizeH="0" baseline="0" dirty="0">
+              <a:ln>
+                <a:noFill/>
+              </a:ln>
+              <a:solidFill>
+                <a:schemeClr val="tx1"/>
+              </a:solidFill>
+              <a:effectLst/>
+              <a:latin typeface="Arial" panose="020B0604020202020204" pitchFamily="34" charset="0"/>
+            </a:endParaRPr>
+          </a:p>
+        </p:txBody>
+      </p:sp>
+      <p:sp>
+        <p:nvSpPr>
+          <p:cNvPr id="13" name="Rectangle 5">
+            <a:extLst>
+              <a:ext uri="{FF2B5EF4-FFF2-40B4-BE49-F238E27FC236}">
+                <a16:creationId xmlns:a16="http://schemas.microsoft.com/office/drawing/2014/main" id="{5F34A1D1-E9C3-4539-9D84-A2A1D59674F2}"/>
+              </a:ext>
+            </a:extLst>
+          </p:cNvPr>
+          <p:cNvSpPr>
+            <a:spLocks noChangeArrowheads="1"/>
+          </p:cNvSpPr>
+          <p:nvPr/>
+        </p:nvSpPr>
+        <p:spPr bwMode="auto">
+          <a:xfrm>
+            <a:off x="1183304" y="2379429"/>
+            <a:ext cx="184731" cy="553998"/>
+          </a:xfrm>
+          <a:prstGeom prst="rect">
+            <a:avLst/>
+          </a:prstGeom>
+          <a:noFill/>
+          <a:ln>
+            <a:noFill/>
+          </a:ln>
+          <a:effectLst/>
+          <a:extLst>
+            <a:ext uri="{909E8E84-426E-40DD-AFC4-6F175D3DCCD1}">
+              <a14:hiddenFill xmlns:a14="http://schemas.microsoft.com/office/drawing/2010/main">
+                <a:solidFill>
+                  <a:schemeClr val="accent1"/>
+                </a:solidFill>
+              </a14:hiddenFill>
+            </a:ext>
+            <a:ext uri="{91240B29-F687-4F45-9708-019B960494DF}">
+              <a14:hiddenLine xmlns:a14="http://schemas.microsoft.com/office/drawing/2010/main" w="9525">
+                <a:solidFill>
+                  <a:schemeClr val="tx1"/>
+                </a:solidFill>
+                <a:miter lim="800000"/>
+                <a:headEnd/>
+                <a:tailEnd/>
+              </a14:hiddenLine>
+            </a:ext>
+            <a:ext uri="{AF507438-7753-43E0-B8FC-AC1667EBCBE1}">
+              <a14:hiddenEffects xmlns:a14="http://schemas.microsoft.com/office/drawing/2010/main">
+                <a:effectLst>
+                  <a:outerShdw dist="35921" dir="2700000" algn="ctr" rotWithShape="0">
+                    <a:schemeClr val="bg2"/>
+                  </a:outerShdw>
+                </a:effectLst>
+              </a14:hiddenEffects>
+            </a:ext>
+          </a:extLst>
+        </p:spPr>
+        <p:txBody>
+          <a:bodyPr vert="horz" wrap="none" lIns="91440" tIns="0" rIns="91440" bIns="0" numCol="1" anchor="ctr" anchorCtr="0" compatLnSpc="1">
+            <a:prstTxWarp prst="textNoShape">
+              <a:avLst/>
+            </a:prstTxWarp>
+            <a:spAutoFit/>
+          </a:bodyPr>
+          <a:lstStyle>
+            <a:lvl1pPr eaLnBrk="0" fontAlgn="base" hangingPunct="0">
+              <a:spcBef>
+                <a:spcPct val="0"/>
+              </a:spcBef>
+              <a:spcAft>
+                <a:spcPct val="0"/>
+              </a:spcAft>
+              <a:defRPr>
+                <a:solidFill>
+                  <a:schemeClr val="tx1"/>
+                </a:solidFill>
+                <a:latin typeface="Arial" panose="020B0604020202020204" pitchFamily="34" charset="0"/>
+              </a:defRPr>
+            </a:lvl1pPr>
+            <a:lvl2pPr eaLnBrk="0" fontAlgn="base" hangingPunct="0">
+              <a:spcBef>
+                <a:spcPct val="0"/>
+              </a:spcBef>
+              <a:spcAft>
+                <a:spcPct val="0"/>
+              </a:spcAft>
+              <a:defRPr>
+                <a:solidFill>
+                  <a:schemeClr val="tx1"/>
+                </a:solidFill>
+                <a:latin typeface="Arial" panose="020B0604020202020204" pitchFamily="34" charset="0"/>
+              </a:defRPr>
+            </a:lvl2pPr>
+            <a:lvl3pPr eaLnBrk="0" fontAlgn="base" hangingPunct="0">
+              <a:spcBef>
+                <a:spcPct val="0"/>
+              </a:spcBef>
+              <a:spcAft>
+                <a:spcPct val="0"/>
+              </a:spcAft>
+              <a:defRPr>
+                <a:solidFill>
+                  <a:schemeClr val="tx1"/>
+                </a:solidFill>
+                <a:latin typeface="Arial" panose="020B0604020202020204" pitchFamily="34" charset="0"/>
+              </a:defRPr>
+            </a:lvl3pPr>
+            <a:lvl4pPr eaLnBrk="0" fontAlgn="base" hangingPunct="0">
+              <a:spcBef>
+                <a:spcPct val="0"/>
+              </a:spcBef>
+              <a:spcAft>
+                <a:spcPct val="0"/>
+              </a:spcAft>
+              <a:defRPr>
+                <a:solidFill>
+                  <a:schemeClr val="tx1"/>
+                </a:solidFill>
+                <a:latin typeface="Arial" panose="020B0604020202020204" pitchFamily="34" charset="0"/>
+              </a:defRPr>
+            </a:lvl4pPr>
+            <a:lvl5pPr eaLnBrk="0" fontAlgn="base" hangingPunct="0">
+              <a:spcBef>
+                <a:spcPct val="0"/>
+              </a:spcBef>
+              <a:spcAft>
+                <a:spcPct val="0"/>
+              </a:spcAft>
+              <a:defRPr>
+                <a:solidFill>
+                  <a:schemeClr val="tx1"/>
+                </a:solidFill>
+                <a:latin typeface="Arial" panose="020B0604020202020204" pitchFamily="34" charset="0"/>
+              </a:defRPr>
+            </a:lvl5pPr>
+            <a:lvl6pPr eaLnBrk="0" fontAlgn="base" hangingPunct="0">
+              <a:spcBef>
+                <a:spcPct val="0"/>
+              </a:spcBef>
+              <a:spcAft>
+                <a:spcPct val="0"/>
+              </a:spcAft>
+              <a:defRPr>
+                <a:solidFill>
+                  <a:schemeClr val="tx1"/>
+                </a:solidFill>
+                <a:latin typeface="Arial" panose="020B0604020202020204" pitchFamily="34" charset="0"/>
+              </a:defRPr>
+            </a:lvl6pPr>
+            <a:lvl7pPr eaLnBrk="0" fontAlgn="base" hangingPunct="0">
+              <a:spcBef>
+                <a:spcPct val="0"/>
+              </a:spcBef>
+              <a:spcAft>
+                <a:spcPct val="0"/>
+              </a:spcAft>
+              <a:defRPr>
+                <a:solidFill>
+                  <a:schemeClr val="tx1"/>
+                </a:solidFill>
+                <a:latin typeface="Arial" panose="020B0604020202020204" pitchFamily="34" charset="0"/>
+              </a:defRPr>
+            </a:lvl7pPr>
+            <a:lvl8pPr eaLnBrk="0" fontAlgn="base" hangingPunct="0">
+              <a:spcBef>
+                <a:spcPct val="0"/>
+              </a:spcBef>
+              <a:spcAft>
+                <a:spcPct val="0"/>
+              </a:spcAft>
+              <a:defRPr>
+                <a:solidFill>
+                  <a:schemeClr val="tx1"/>
+                </a:solidFill>
+                <a:latin typeface="Arial" panose="020B0604020202020204" pitchFamily="34" charset="0"/>
+              </a:defRPr>
+            </a:lvl8pPr>
+            <a:lvl9pPr eaLnBrk="0" fontAlgn="base" hangingPunct="0">
+              <a:spcBef>
+                <a:spcPct val="0"/>
+              </a:spcBef>
+              <a:spcAft>
+                <a:spcPct val="0"/>
+              </a:spcAft>
+              <a:defRPr>
+                <a:solidFill>
+                  <a:schemeClr val="tx1"/>
+                </a:solidFill>
+                <a:latin typeface="Arial" panose="020B0604020202020204" pitchFamily="34" charset="0"/>
+              </a:defRPr>
+            </a:lvl9pPr>
+          </a:lstStyle>
+          <a:p>
+            <a:pPr marL="0" marR="0" lvl="0" indent="0" algn="l" defTabSz="914400" rtl="0" eaLnBrk="0" fontAlgn="base" latinLnBrk="0" hangingPunct="0">
+              <a:lnSpc>
+                <a:spcPct val="100000"/>
+              </a:lnSpc>
+              <a:spcBef>
+                <a:spcPct val="0"/>
+              </a:spcBef>
+              <a:spcAft>
+                <a:spcPct val="0"/>
+              </a:spcAft>
+              <a:buClrTx/>
+              <a:buSzTx/>
+              <a:buFontTx/>
+              <a:buNone/>
+              <a:tabLst/>
+            </a:pPr>
+            <a:br>
+              <a:rPr kumimoji="0" lang="de-DE" altLang="de-DE" sz="1800" b="0" i="0" u="none" strike="noStrike" cap="none" normalizeH="0" baseline="0" dirty="0">
+                <a:ln>
+                  <a:noFill/>
+                </a:ln>
+                <a:solidFill>
+                  <a:schemeClr val="tx1"/>
+                </a:solidFill>
+                <a:effectLst/>
+                <a:latin typeface="Arial" panose="020B0604020202020204" pitchFamily="34" charset="0"/>
+              </a:rPr>
+            </a:br>
+            <a:endParaRPr kumimoji="0" lang="de-DE" altLang="de-DE" sz="1800" b="0" i="0" u="none" strike="noStrike" cap="none" normalizeH="0" baseline="0" dirty="0">
+              <a:ln>
+                <a:noFill/>
+              </a:ln>
+              <a:solidFill>
+                <a:schemeClr val="tx1"/>
+              </a:solidFill>
+              <a:effectLst/>
+              <a:latin typeface="Arial" panose="020B0604020202020204" pitchFamily="34" charset="0"/>
+            </a:endParaRPr>
+          </a:p>
+        </p:txBody>
+      </p:sp>
+      <p:sp>
+        <p:nvSpPr>
+          <p:cNvPr id="14" name="CustomShape 6">
+            <a:extLst>
+              <a:ext uri="{FF2B5EF4-FFF2-40B4-BE49-F238E27FC236}">
+                <a16:creationId xmlns:a16="http://schemas.microsoft.com/office/drawing/2014/main" id="{8272018D-C016-4A4E-BB61-1194D4053313}"/>
+              </a:ext>
+            </a:extLst>
+          </p:cNvPr>
+          <p:cNvSpPr/>
+          <p:nvPr/>
+        </p:nvSpPr>
+        <p:spPr>
+          <a:xfrm>
+            <a:off x="140400" y="2286000"/>
+            <a:ext cx="11554200" cy="3815640"/>
+          </a:xfrm>
+          <a:prstGeom prst="rect">
+            <a:avLst/>
+          </a:prstGeom>
+          <a:noFill/>
+          <a:ln w="9360">
+            <a:noFill/>
+          </a:ln>
+        </p:spPr>
+        <p:style>
+          <a:lnRef idx="0">
+            <a:scrgbClr r="0" g="0" b="0"/>
+          </a:lnRef>
+          <a:fillRef idx="0">
+            <a:scrgbClr r="0" g="0" b="0"/>
+          </a:fillRef>
+          <a:effectRef idx="0">
+            <a:scrgbClr r="0" g="0" b="0"/>
+          </a:effectRef>
+          <a:fontRef idx="minor"/>
+        </p:style>
+        <p:txBody>
+          <a:bodyPr lIns="90000" tIns="45000" rIns="90000" bIns="45000">
+            <a:noAutofit/>
+          </a:bodyPr>
+          <a:lstStyle/>
+          <a:p>
+            <a:pPr marL="451260" lvl="0" indent="-342899">
+              <a:buClr>
+                <a:srgbClr val="000000"/>
+              </a:buClr>
+              <a:buSzPts val="2400"/>
+              <a:buFont typeface="Arial"/>
+              <a:buChar char="•"/>
+            </a:pPr>
+            <a:r>
+              <a:rPr lang="sv-SE" sz="2400" dirty="0">
+                <a:solidFill>
+                  <a:schemeClr val="dk1"/>
+                </a:solidFill>
+                <a:latin typeface="LMU CompatilFact"/>
+              </a:rPr>
+              <a:t>Cluster Algorithmen:</a:t>
+            </a:r>
+          </a:p>
+          <a:p>
+            <a:pPr marL="914400" lvl="1" indent="-355600">
+              <a:buClr>
+                <a:schemeClr val="dk1"/>
+              </a:buClr>
+              <a:buSzPts val="2000"/>
+              <a:buChar char="−"/>
+            </a:pPr>
+            <a:r>
+              <a:rPr lang="sv-SE" sz="2000" dirty="0">
+                <a:solidFill>
+                  <a:schemeClr val="dk1"/>
+                </a:solidFill>
+                <a:latin typeface="LMU CompatilFact"/>
+              </a:rPr>
+              <a:t>PAM</a:t>
+            </a:r>
+          </a:p>
+          <a:p>
+            <a:pPr marL="914400" lvl="1" indent="-355600">
+              <a:buClr>
+                <a:schemeClr val="dk1"/>
+              </a:buClr>
+              <a:buSzPts val="2000"/>
+              <a:buChar char="−"/>
+            </a:pPr>
+            <a:r>
+              <a:rPr lang="sv-SE" sz="2000" dirty="0">
+                <a:solidFill>
+                  <a:schemeClr val="dk1"/>
+                </a:solidFill>
+                <a:latin typeface="LMU CompatilFact"/>
+              </a:rPr>
+              <a:t>K-means</a:t>
+            </a:r>
+          </a:p>
+          <a:p>
+            <a:pPr marL="914400" lvl="1" indent="-355600">
+              <a:buClr>
+                <a:schemeClr val="dk1"/>
+              </a:buClr>
+              <a:buSzPts val="2000"/>
+              <a:buChar char="−"/>
+            </a:pPr>
+            <a:r>
+              <a:rPr lang="sv-SE" sz="2000" dirty="0">
+                <a:solidFill>
+                  <a:schemeClr val="dk1"/>
+                </a:solidFill>
+                <a:latin typeface="LMU CompatilFact"/>
+              </a:rPr>
+              <a:t>Fuzzy</a:t>
+            </a:r>
+          </a:p>
+          <a:p>
+            <a:pPr marL="914400" lvl="1" indent="-355600">
+              <a:buClr>
+                <a:schemeClr val="dk1"/>
+              </a:buClr>
+              <a:buSzPts val="2000"/>
+              <a:buChar char="−"/>
+            </a:pPr>
+            <a:r>
+              <a:rPr lang="sv-SE" sz="2000" dirty="0">
+                <a:solidFill>
+                  <a:schemeClr val="dk1"/>
+                </a:solidFill>
+                <a:latin typeface="LMU CompatilFact"/>
+              </a:rPr>
+              <a:t>GMM</a:t>
+            </a:r>
+          </a:p>
+          <a:p>
+            <a:pPr marL="914400" lvl="1" indent="-355600">
+              <a:buClr>
+                <a:schemeClr val="dk1"/>
+              </a:buClr>
+              <a:buSzPts val="2000"/>
+              <a:buChar char="−"/>
+            </a:pPr>
+            <a:r>
+              <a:rPr lang="sv-SE" sz="2000" dirty="0">
+                <a:solidFill>
+                  <a:schemeClr val="dk1"/>
+                </a:solidFill>
+                <a:latin typeface="LMU CompatilFact"/>
+              </a:rPr>
+              <a:t>DBSCAN</a:t>
+            </a:r>
+          </a:p>
+          <a:p>
+            <a:pPr marL="451260" lvl="0" indent="-342899">
+              <a:spcBef>
+                <a:spcPts val="1417"/>
+              </a:spcBef>
+              <a:buClr>
+                <a:srgbClr val="000000"/>
+              </a:buClr>
+              <a:buSzPts val="2400"/>
+              <a:buFont typeface="Arial"/>
+              <a:buChar char="•"/>
+            </a:pPr>
+            <a:r>
+              <a:rPr lang="sv-SE" sz="2400" dirty="0">
+                <a:solidFill>
+                  <a:schemeClr val="dk1"/>
+                </a:solidFill>
+                <a:latin typeface="LMU CompatilFact"/>
+              </a:rPr>
+              <a:t>Metriken</a:t>
+            </a:r>
+          </a:p>
+          <a:p>
+            <a:pPr marL="914400" lvl="1" indent="-355600">
+              <a:buClr>
+                <a:schemeClr val="dk1"/>
+              </a:buClr>
+              <a:buSzPts val="2000"/>
+              <a:buChar char="−"/>
+            </a:pPr>
+            <a:r>
+              <a:rPr lang="sv-SE" sz="2000" dirty="0">
+                <a:solidFill>
+                  <a:schemeClr val="dk1"/>
+                </a:solidFill>
+                <a:latin typeface="LMU CompatilFact"/>
+              </a:rPr>
+              <a:t>Euklidisch</a:t>
+            </a:r>
+          </a:p>
+          <a:p>
+            <a:pPr marL="914400" lvl="1" indent="-355600">
+              <a:buClr>
+                <a:schemeClr val="dk1"/>
+              </a:buClr>
+              <a:buSzPts val="2000"/>
+              <a:buChar char="−"/>
+            </a:pPr>
+            <a:r>
+              <a:rPr lang="sv-SE" sz="2000" dirty="0">
+                <a:solidFill>
+                  <a:schemeClr val="dk1"/>
+                </a:solidFill>
+                <a:latin typeface="LMU CompatilFact"/>
+              </a:rPr>
+              <a:t>Manhattan</a:t>
+            </a:r>
+          </a:p>
+          <a:p>
+            <a:pPr marL="914400" lvl="1" indent="-355600">
+              <a:buClr>
+                <a:schemeClr val="dk1"/>
+              </a:buClr>
+              <a:buSzPts val="2000"/>
+              <a:buChar char="−"/>
+            </a:pPr>
+            <a:r>
+              <a:rPr lang="sv-SE" sz="2000" dirty="0">
+                <a:solidFill>
+                  <a:schemeClr val="dk1"/>
+                </a:solidFill>
+                <a:latin typeface="LMU CompatilFact"/>
+              </a:rPr>
+              <a:t>Mahalanobis</a:t>
+            </a:r>
+          </a:p>
+          <a:p>
+            <a:pPr marL="108360">
+              <a:lnSpc>
+                <a:spcPct val="100000"/>
+              </a:lnSpc>
+              <a:spcBef>
+                <a:spcPts val="1417"/>
+              </a:spcBef>
+              <a:buClr>
+                <a:srgbClr val="000000"/>
+              </a:buClr>
+              <a:buSzPct val="100000"/>
+            </a:pPr>
+            <a:br>
+              <a:rPr lang="de-DE" sz="2000" spc="-1" dirty="0">
+                <a:latin typeface="LMU CompatilFact"/>
+              </a:rPr>
+            </a:br>
+            <a:endParaRPr lang="de-DE" sz="2400" spc="-1" dirty="0">
+              <a:latin typeface="LMU CompatilFact"/>
+            </a:endParaRPr>
+          </a:p>
+        </p:txBody>
+      </p:sp>
     </p:spTree>
     <p:extLst>
       <p:ext uri="{BB962C8B-B14F-4D97-AF65-F5344CB8AC3E}">
-        <p14:creationId xmlns:p14="http://schemas.microsoft.com/office/powerpoint/2010/main" val="2077858898"/>
+        <p14:creationId xmlns:p14="http://schemas.microsoft.com/office/powerpoint/2010/main" val="2422905455"/>
       </p:ext>
     </p:extLst>
   </p:cSld>
@@ -51754,6 +53108,358 @@
                 <a:latin typeface="LMU CompatilFact"/>
               </a:rPr>
               <a:t>62</a:t>
+            </a:fld>
+            <a:endParaRPr lang="en-US" sz="1400" b="0" strike="noStrike" spc="-1">
+              <a:latin typeface="Arial"/>
+            </a:endParaRPr>
+          </a:p>
+        </p:txBody>
+      </p:sp>
+      <p:sp>
+        <p:nvSpPr>
+          <p:cNvPr id="97" name="CustomShape 2"/>
+          <p:cNvSpPr/>
+          <p:nvPr/>
+        </p:nvSpPr>
+        <p:spPr>
+          <a:xfrm>
+            <a:off x="507960" y="6459480"/>
+            <a:ext cx="10309680" cy="291240"/>
+          </a:xfrm>
+          <a:prstGeom prst="rect">
+            <a:avLst/>
+          </a:prstGeom>
+          <a:solidFill>
+            <a:srgbClr val="C6C7BE"/>
+          </a:solidFill>
+          <a:ln w="9360">
+            <a:noFill/>
+          </a:ln>
+        </p:spPr>
+        <p:style>
+          <a:lnRef idx="0">
+            <a:scrgbClr r="0" g="0" b="0"/>
+          </a:lnRef>
+          <a:fillRef idx="0">
+            <a:scrgbClr r="0" g="0" b="0"/>
+          </a:fillRef>
+          <a:effectRef idx="0">
+            <a:scrgbClr r="0" g="0" b="0"/>
+          </a:effectRef>
+          <a:fontRef idx="minor"/>
+        </p:style>
+        <p:txBody>
+          <a:bodyPr lIns="90000" tIns="45000" rIns="90000" bIns="45000">
+            <a:noAutofit/>
+          </a:bodyPr>
+          <a:lstStyle/>
+          <a:p>
+            <a:pPr>
+              <a:lnSpc>
+                <a:spcPct val="100000"/>
+              </a:lnSpc>
+            </a:pPr>
+            <a:r>
+              <a:rPr lang="de-DE" sz="1400" b="0" strike="noStrike" spc="-1" dirty="0">
+                <a:solidFill>
+                  <a:srgbClr val="006C30"/>
+                </a:solidFill>
+                <a:latin typeface="LMU CompatilFact"/>
+              </a:rPr>
+              <a:t>Präsentation am 01.03.2021</a:t>
+            </a:r>
+            <a:endParaRPr lang="en-US" sz="1400" b="0" strike="noStrike" spc="-1" dirty="0">
+              <a:latin typeface="Arial"/>
+            </a:endParaRPr>
+          </a:p>
+        </p:txBody>
+      </p:sp>
+      <p:sp>
+        <p:nvSpPr>
+          <p:cNvPr id="98" name="CustomShape 3"/>
+          <p:cNvSpPr/>
+          <p:nvPr/>
+        </p:nvSpPr>
+        <p:spPr>
+          <a:xfrm>
+            <a:off x="9300240" y="188640"/>
+            <a:ext cx="1799640" cy="791280"/>
+          </a:xfrm>
+          <a:prstGeom prst="rect">
+            <a:avLst/>
+          </a:prstGeom>
+          <a:solidFill>
+            <a:srgbClr val="C6C7BE"/>
+          </a:solidFill>
+          <a:ln w="12700">
+            <a:solidFill>
+              <a:srgbClr val="C6C7BE"/>
+            </a:solidFill>
+            <a:round/>
+          </a:ln>
+        </p:spPr>
+        <p:style>
+          <a:lnRef idx="0">
+            <a:scrgbClr r="0" g="0" b="0"/>
+          </a:lnRef>
+          <a:fillRef idx="0">
+            <a:scrgbClr r="0" g="0" b="0"/>
+          </a:fillRef>
+          <a:effectRef idx="0">
+            <a:scrgbClr r="0" g="0" b="0"/>
+          </a:effectRef>
+          <a:fontRef idx="minor"/>
+        </p:style>
+      </p:sp>
+      <p:sp>
+        <p:nvSpPr>
+          <p:cNvPr id="99" name="CustomShape 4"/>
+          <p:cNvSpPr/>
+          <p:nvPr/>
+        </p:nvSpPr>
+        <p:spPr>
+          <a:xfrm>
+            <a:off x="2147040" y="457200"/>
+            <a:ext cx="6768000" cy="456480"/>
+          </a:xfrm>
+          <a:prstGeom prst="rect">
+            <a:avLst/>
+          </a:prstGeom>
+          <a:noFill/>
+          <a:ln w="9360">
+            <a:noFill/>
+          </a:ln>
+        </p:spPr>
+        <p:style>
+          <a:lnRef idx="0">
+            <a:scrgbClr r="0" g="0" b="0"/>
+          </a:lnRef>
+          <a:fillRef idx="0">
+            <a:scrgbClr r="0" g="0" b="0"/>
+          </a:fillRef>
+          <a:effectRef idx="0">
+            <a:scrgbClr r="0" g="0" b="0"/>
+          </a:effectRef>
+          <a:fontRef idx="minor"/>
+        </p:style>
+        <p:txBody>
+          <a:bodyPr lIns="90000" tIns="45000" rIns="90000" bIns="45000" anchor="b">
+            <a:noAutofit/>
+          </a:bodyPr>
+          <a:lstStyle/>
+          <a:p>
+            <a:pPr>
+              <a:lnSpc>
+                <a:spcPct val="100000"/>
+              </a:lnSpc>
+            </a:pPr>
+            <a:r>
+              <a:rPr lang="de-DE" sz="2000" b="0" strike="noStrike" spc="-1">
+                <a:solidFill>
+                  <a:srgbClr val="006C30"/>
+                </a:solidFill>
+                <a:latin typeface="LMU CompatilFact"/>
+              </a:rPr>
+              <a:t>Katja Gutmair, Stella Akouete, Noah Hurmer und Anne Gritto</a:t>
+            </a:r>
+            <a:endParaRPr lang="en-US" sz="2000" b="0" strike="noStrike" spc="-1">
+              <a:latin typeface="Arial"/>
+            </a:endParaRPr>
+          </a:p>
+        </p:txBody>
+      </p:sp>
+      <p:sp>
+        <p:nvSpPr>
+          <p:cNvPr id="100" name="CustomShape 5"/>
+          <p:cNvSpPr/>
+          <p:nvPr/>
+        </p:nvSpPr>
+        <p:spPr>
+          <a:xfrm>
+            <a:off x="9372600" y="280800"/>
+            <a:ext cx="1872360" cy="699480"/>
+          </a:xfrm>
+          <a:prstGeom prst="rect">
+            <a:avLst/>
+          </a:prstGeom>
+          <a:noFill/>
+          <a:ln w="0">
+            <a:noFill/>
+          </a:ln>
+        </p:spPr>
+        <p:style>
+          <a:lnRef idx="0">
+            <a:scrgbClr r="0" g="0" b="0"/>
+          </a:lnRef>
+          <a:fillRef idx="0">
+            <a:scrgbClr r="0" g="0" b="0"/>
+          </a:fillRef>
+          <a:effectRef idx="0">
+            <a:scrgbClr r="0" g="0" b="0"/>
+          </a:effectRef>
+          <a:fontRef idx="minor"/>
+        </p:style>
+        <p:txBody>
+          <a:bodyPr wrap="none" lIns="90000" tIns="45000" rIns="90000" bIns="45000">
+            <a:spAutoFit/>
+          </a:bodyPr>
+          <a:lstStyle/>
+          <a:p>
+            <a:pPr>
+              <a:lnSpc>
+                <a:spcPct val="100000"/>
+              </a:lnSpc>
+            </a:pPr>
+            <a:r>
+              <a:rPr lang="de-DE" sz="2000" b="0" strike="noStrike" spc="-1">
+                <a:solidFill>
+                  <a:srgbClr val="006C30"/>
+                </a:solidFill>
+                <a:latin typeface="LMU CompatilFact"/>
+                <a:ea typeface="DejaVu Sans"/>
+              </a:rPr>
+              <a:t>Statistisches </a:t>
+            </a:r>
+            <a:endParaRPr lang="en-US" sz="2000" b="0" strike="noStrike" spc="-1">
+              <a:latin typeface="Arial"/>
+            </a:endParaRPr>
+          </a:p>
+          <a:p>
+            <a:pPr>
+              <a:lnSpc>
+                <a:spcPct val="100000"/>
+              </a:lnSpc>
+            </a:pPr>
+            <a:r>
+              <a:rPr lang="de-DE" sz="2000" b="0" strike="noStrike" spc="-1">
+                <a:solidFill>
+                  <a:srgbClr val="006C30"/>
+                </a:solidFill>
+                <a:latin typeface="LMU CompatilFact"/>
+                <a:ea typeface="DejaVu Sans"/>
+              </a:rPr>
+              <a:t>Praktikum</a:t>
+            </a:r>
+            <a:endParaRPr lang="en-US" sz="2000" b="0" strike="noStrike" spc="-1">
+              <a:latin typeface="Arial"/>
+            </a:endParaRPr>
+          </a:p>
+        </p:txBody>
+      </p:sp>
+      <p:pic>
+        <p:nvPicPr>
+          <p:cNvPr id="9" name="Google Shape;751;p76">
+            <a:extLst>
+              <a:ext uri="{FF2B5EF4-FFF2-40B4-BE49-F238E27FC236}">
+                <a16:creationId xmlns:a16="http://schemas.microsoft.com/office/drawing/2014/main" id="{CADA73EB-8019-49B0-8AF1-6006B0EE1CB7}"/>
+              </a:ext>
+            </a:extLst>
+          </p:cNvPr>
+          <p:cNvPicPr preferRelativeResize="0"/>
+          <p:nvPr/>
+        </p:nvPicPr>
+        <p:blipFill>
+          <a:blip r:embed="rId2">
+            <a:alphaModFix/>
+          </a:blip>
+          <a:stretch>
+            <a:fillRect/>
+          </a:stretch>
+        </p:blipFill>
+        <p:spPr>
+          <a:xfrm>
+            <a:off x="1732200" y="1206000"/>
+            <a:ext cx="8727600" cy="5238000"/>
+          </a:xfrm>
+          <a:prstGeom prst="rect">
+            <a:avLst/>
+          </a:prstGeom>
+          <a:noFill/>
+          <a:ln>
+            <a:noFill/>
+          </a:ln>
+        </p:spPr>
+      </p:pic>
+    </p:spTree>
+    <p:extLst>
+      <p:ext uri="{BB962C8B-B14F-4D97-AF65-F5344CB8AC3E}">
+        <p14:creationId xmlns:p14="http://schemas.microsoft.com/office/powerpoint/2010/main" val="2077858898"/>
+      </p:ext>
+    </p:extLst>
+  </p:cSld>
+  <p:clrMapOvr>
+    <a:masterClrMapping/>
+  </p:clrMapOvr>
+</p:sld>
+</file>
+
+<file path=ppt/slides/slide63.xml><?xml version="1.0" encoding="utf-8"?>
+<p:sld xmlns:a="http://schemas.openxmlformats.org/drawingml/2006/main" xmlns:r="http://schemas.openxmlformats.org/officeDocument/2006/relationships" xmlns:p="http://schemas.openxmlformats.org/presentationml/2006/main">
+  <p:cSld>
+    <p:spTree>
+      <p:nvGrpSpPr>
+        <p:cNvPr id="1" name=""/>
+        <p:cNvGrpSpPr/>
+        <p:nvPr/>
+      </p:nvGrpSpPr>
+      <p:grpSpPr>
+        <a:xfrm>
+          <a:off x="0" y="0"/>
+          <a:ext cx="0" cy="0"/>
+          <a:chOff x="0" y="0"/>
+          <a:chExt cx="0" cy="0"/>
+        </a:xfrm>
+      </p:grpSpPr>
+      <p:sp>
+        <p:nvSpPr>
+          <p:cNvPr id="96" name="CustomShape 1"/>
+          <p:cNvSpPr/>
+          <p:nvPr/>
+        </p:nvSpPr>
+        <p:spPr>
+          <a:xfrm>
+            <a:off x="10994040" y="6459480"/>
+            <a:ext cx="1053360" cy="291240"/>
+          </a:xfrm>
+          <a:prstGeom prst="rect">
+            <a:avLst/>
+          </a:prstGeom>
+          <a:noFill/>
+          <a:ln w="9360">
+            <a:noFill/>
+          </a:ln>
+        </p:spPr>
+        <p:style>
+          <a:lnRef idx="0">
+            <a:scrgbClr r="0" g="0" b="0"/>
+          </a:lnRef>
+          <a:fillRef idx="0">
+            <a:scrgbClr r="0" g="0" b="0"/>
+          </a:fillRef>
+          <a:effectRef idx="0">
+            <a:scrgbClr r="0" g="0" b="0"/>
+          </a:effectRef>
+          <a:fontRef idx="minor"/>
+        </p:style>
+        <p:txBody>
+          <a:bodyPr lIns="90000" tIns="45000" rIns="90000" bIns="45000">
+            <a:noAutofit/>
+          </a:bodyPr>
+          <a:lstStyle/>
+          <a:p>
+            <a:pPr algn="r">
+              <a:lnSpc>
+                <a:spcPct val="100000"/>
+              </a:lnSpc>
+            </a:pPr>
+            <a:fld id="{76839625-DDCB-4BF0-B421-B9D743C4C90E}" type="slidenum">
+              <a:rPr lang="de-DE" sz="1400" b="0" strike="noStrike" spc="-1">
+                <a:solidFill>
+                  <a:srgbClr val="006C30"/>
+                </a:solidFill>
+                <a:latin typeface="LMU CompatilFact"/>
+              </a:rPr>
+              <a:t>63</a:t>
             </a:fld>
             <a:endParaRPr lang="en-US" sz="1400" b="0" strike="noStrike" spc="-1">
               <a:latin typeface="Arial"/>
